--- a/CADCAM.pptx
+++ b/CADCAM.pptx
@@ -9,6 +9,8 @@
     <p:sldId id="257" r:id="rId3"/>
     <p:sldId id="258" r:id="rId4"/>
     <p:sldId id="259" r:id="rId5"/>
+    <p:sldId id="260" r:id="rId6"/>
+    <p:sldId id="261" r:id="rId7"/>
   </p:sldIdLst>
   <p:sldSz cx="12192000" cy="6858000"/>
   <p:notesSz cx="6858000" cy="9144000"/>
@@ -119,6 +121,7 @@
 <p1510:revInfo xmlns:a="http://schemas.openxmlformats.org/drawingml/2006/main" xmlns:r="http://schemas.openxmlformats.org/officeDocument/2006/relationships" xmlns:p1510="http://schemas.microsoft.com/office/powerpoint/2015/10/main">
   <p1510:revLst>
     <p1510:client id="{006D78E7-8EA2-4075-82FB-CA79B8CF2887}" v="26" dt="2023-10-04T06:37:57.578"/>
+    <p1510:client id="{40E66B00-4B59-4F70-A16D-A7801ED4F268}" v="290" dt="2023-10-11T06:41:11.789"/>
     <p1510:client id="{5E5073E4-F946-42D0-AA36-843AD6A54148}" v="37" dt="2023-10-04T06:39:43.344"/>
     <p1510:client id="{DF12C535-266C-4DA6-A35D-7345532091DE}" v="14" dt="2023-10-04T06:36:02.198"/>
   </p1510:revLst>
@@ -127,6 +130,256 @@
 
 <file path=ppt/changesInfos/changesInfo1.xml><?xml version="1.0" encoding="utf-8"?>
 <pc:chgInfo xmlns:a="http://schemas.openxmlformats.org/drawingml/2006/main" xmlns:r="http://schemas.openxmlformats.org/officeDocument/2006/relationships" xmlns:ac="http://schemas.microsoft.com/office/drawing/2013/main/command" xmlns:pc="http://schemas.microsoft.com/office/powerpoint/2013/main/command">
+  <pc:docChgLst>
+    <pc:chgData name="Brúnyai Kornél" userId="S::brunyaikornel@turr.hu::014c25d0-2ab8-46c1-aba5-3af0dd8830d9" providerId="AD" clId="Web-{40E66B00-4B59-4F70-A16D-A7801ED4F268}"/>
+    <pc:docChg chg="addSld delSld modSld">
+      <pc:chgData name="Brúnyai Kornél" userId="S::brunyaikornel@turr.hu::014c25d0-2ab8-46c1-aba5-3af0dd8830d9" providerId="AD" clId="Web-{40E66B00-4B59-4F70-A16D-A7801ED4F268}" dt="2023-10-11T06:41:11.789" v="215" actId="1076"/>
+      <pc:docMkLst>
+        <pc:docMk/>
+      </pc:docMkLst>
+      <pc:sldChg chg="addSp delSp modSp">
+        <pc:chgData name="Brúnyai Kornél" userId="S::brunyaikornel@turr.hu::014c25d0-2ab8-46c1-aba5-3af0dd8830d9" providerId="AD" clId="Web-{40E66B00-4B59-4F70-A16D-A7801ED4F268}" dt="2023-10-11T06:20:29.756" v="59" actId="1076"/>
+        <pc:sldMkLst>
+          <pc:docMk/>
+          <pc:sldMk cId="2839746424" sldId="257"/>
+        </pc:sldMkLst>
+        <pc:spChg chg="add mod">
+          <ac:chgData name="Brúnyai Kornél" userId="S::brunyaikornel@turr.hu::014c25d0-2ab8-46c1-aba5-3af0dd8830d9" providerId="AD" clId="Web-{40E66B00-4B59-4F70-A16D-A7801ED4F268}" dt="2023-10-11T06:16:55.733" v="17" actId="20577"/>
+          <ac:spMkLst>
+            <pc:docMk/>
+            <pc:sldMk cId="2839746424" sldId="257"/>
+            <ac:spMk id="2" creationId="{079D8CA0-FFF7-2C37-6A50-C14B8A3100D2}"/>
+          </ac:spMkLst>
+        </pc:spChg>
+        <pc:spChg chg="del mod">
+          <ac:chgData name="Brúnyai Kornél" userId="S::brunyaikornel@turr.hu::014c25d0-2ab8-46c1-aba5-3af0dd8830d9" providerId="AD" clId="Web-{40E66B00-4B59-4F70-A16D-A7801ED4F268}" dt="2023-10-11T06:19:45.427" v="48"/>
+          <ac:spMkLst>
+            <pc:docMk/>
+            <pc:sldMk cId="2839746424" sldId="257"/>
+            <ac:spMk id="3" creationId="{2F459839-8917-83C6-C08D-D672DF1C61D5}"/>
+          </ac:spMkLst>
+        </pc:spChg>
+        <pc:spChg chg="add mod">
+          <ac:chgData name="Brúnyai Kornél" userId="S::brunyaikornel@turr.hu::014c25d0-2ab8-46c1-aba5-3af0dd8830d9" providerId="AD" clId="Web-{40E66B00-4B59-4F70-A16D-A7801ED4F268}" dt="2023-10-11T06:17:18.327" v="26" actId="1076"/>
+          <ac:spMkLst>
+            <pc:docMk/>
+            <pc:sldMk cId="2839746424" sldId="257"/>
+            <ac:spMk id="4" creationId="{2CEF5864-02A5-E04B-0E8C-48BB1B3841CB}"/>
+          </ac:spMkLst>
+        </pc:spChg>
+        <pc:spChg chg="add mod">
+          <ac:chgData name="Brúnyai Kornél" userId="S::brunyaikornel@turr.hu::014c25d0-2ab8-46c1-aba5-3af0dd8830d9" providerId="AD" clId="Web-{40E66B00-4B59-4F70-A16D-A7801ED4F268}" dt="2023-10-11T06:19:30.332" v="43" actId="1076"/>
+          <ac:spMkLst>
+            <pc:docMk/>
+            <pc:sldMk cId="2839746424" sldId="257"/>
+            <ac:spMk id="5" creationId="{1ABE9666-F973-DAAB-3488-E202F5E2F8F4}"/>
+          </ac:spMkLst>
+        </pc:spChg>
+        <pc:spChg chg="add mod">
+          <ac:chgData name="Brúnyai Kornél" userId="S::brunyaikornel@turr.hu::014c25d0-2ab8-46c1-aba5-3af0dd8830d9" providerId="AD" clId="Web-{40E66B00-4B59-4F70-A16D-A7801ED4F268}" dt="2023-10-11T06:20:29.756" v="59" actId="1076"/>
+          <ac:spMkLst>
+            <pc:docMk/>
+            <pc:sldMk cId="2839746424" sldId="257"/>
+            <ac:spMk id="6" creationId="{D6F18963-35F0-1C8D-46E8-A1861AE61C5F}"/>
+          </ac:spMkLst>
+        </pc:spChg>
+        <pc:spChg chg="add del mod">
+          <ac:chgData name="Brúnyai Kornél" userId="S::brunyaikornel@turr.hu::014c25d0-2ab8-46c1-aba5-3af0dd8830d9" providerId="AD" clId="Web-{40E66B00-4B59-4F70-A16D-A7801ED4F268}" dt="2023-10-11T06:19:56.365" v="51"/>
+          <ac:spMkLst>
+            <pc:docMk/>
+            <pc:sldMk cId="2839746424" sldId="257"/>
+            <ac:spMk id="8" creationId="{686D49B4-32FB-D316-35B1-BED2F038E7A9}"/>
+          </ac:spMkLst>
+        </pc:spChg>
+      </pc:sldChg>
+      <pc:sldChg chg="del">
+        <pc:chgData name="Brúnyai Kornél" userId="S::brunyaikornel@turr.hu::014c25d0-2ab8-46c1-aba5-3af0dd8830d9" providerId="AD" clId="Web-{40E66B00-4B59-4F70-A16D-A7801ED4F268}" dt="2023-10-11T06:15:51.464" v="7"/>
+        <pc:sldMkLst>
+          <pc:docMk/>
+          <pc:sldMk cId="890849012" sldId="258"/>
+        </pc:sldMkLst>
+      </pc:sldChg>
+      <pc:sldChg chg="addSp modSp new">
+        <pc:chgData name="Brúnyai Kornél" userId="S::brunyaikornel@turr.hu::014c25d0-2ab8-46c1-aba5-3af0dd8830d9" providerId="AD" clId="Web-{40E66B00-4B59-4F70-A16D-A7801ED4F268}" dt="2023-10-11T06:27:58.243" v="116" actId="1076"/>
+        <pc:sldMkLst>
+          <pc:docMk/>
+          <pc:sldMk cId="1299804670" sldId="258"/>
+        </pc:sldMkLst>
+        <pc:spChg chg="mod">
+          <ac:chgData name="Brúnyai Kornél" userId="S::brunyaikornel@turr.hu::014c25d0-2ab8-46c1-aba5-3af0dd8830d9" providerId="AD" clId="Web-{40E66B00-4B59-4F70-A16D-A7801ED4F268}" dt="2023-10-11T06:27:47.695" v="110" actId="1076"/>
+          <ac:spMkLst>
+            <pc:docMk/>
+            <pc:sldMk cId="1299804670" sldId="258"/>
+            <ac:spMk id="2" creationId="{747B81ED-167F-00E7-5A18-CA9027E64E0B}"/>
+          </ac:spMkLst>
+        </pc:spChg>
+        <pc:spChg chg="mod">
+          <ac:chgData name="Brúnyai Kornél" userId="S::brunyaikornel@turr.hu::014c25d0-2ab8-46c1-aba5-3af0dd8830d9" providerId="AD" clId="Web-{40E66B00-4B59-4F70-A16D-A7801ED4F268}" dt="2023-10-11T06:27:58.227" v="114" actId="1076"/>
+          <ac:spMkLst>
+            <pc:docMk/>
+            <pc:sldMk cId="1299804670" sldId="258"/>
+            <ac:spMk id="3" creationId="{72063DD7-BCB8-F089-1524-DF756AC88411}"/>
+          </ac:spMkLst>
+        </pc:spChg>
+        <pc:spChg chg="add mod">
+          <ac:chgData name="Brúnyai Kornél" userId="S::brunyaikornel@turr.hu::014c25d0-2ab8-46c1-aba5-3af0dd8830d9" providerId="AD" clId="Web-{40E66B00-4B59-4F70-A16D-A7801ED4F268}" dt="2023-10-11T06:27:58.243" v="115" actId="1076"/>
+          <ac:spMkLst>
+            <pc:docMk/>
+            <pc:sldMk cId="1299804670" sldId="258"/>
+            <ac:spMk id="4" creationId="{9463C8C4-1837-DA59-8577-3B87E987B0EF}"/>
+          </ac:spMkLst>
+        </pc:spChg>
+        <pc:spChg chg="add mod">
+          <ac:chgData name="Brúnyai Kornél" userId="S::brunyaikornel@turr.hu::014c25d0-2ab8-46c1-aba5-3af0dd8830d9" providerId="AD" clId="Web-{40E66B00-4B59-4F70-A16D-A7801ED4F268}" dt="2023-10-11T06:27:58.243" v="116" actId="1076"/>
+          <ac:spMkLst>
+            <pc:docMk/>
+            <pc:sldMk cId="1299804670" sldId="258"/>
+            <ac:spMk id="5" creationId="{54580B51-30E4-7647-C009-056847EDE48E}"/>
+          </ac:spMkLst>
+        </pc:spChg>
+      </pc:sldChg>
+      <pc:sldChg chg="addSp delSp modSp del">
+        <pc:chgData name="Brúnyai Kornél" userId="S::brunyaikornel@turr.hu::014c25d0-2ab8-46c1-aba5-3af0dd8830d9" providerId="AD" clId="Web-{40E66B00-4B59-4F70-A16D-A7801ED4F268}" dt="2023-10-11T06:15:49.058" v="6"/>
+        <pc:sldMkLst>
+          <pc:docMk/>
+          <pc:sldMk cId="3139856725" sldId="259"/>
+        </pc:sldMkLst>
+        <pc:spChg chg="del">
+          <ac:chgData name="Brúnyai Kornél" userId="S::brunyaikornel@turr.hu::014c25d0-2ab8-46c1-aba5-3af0dd8830d9" providerId="AD" clId="Web-{40E66B00-4B59-4F70-A16D-A7801ED4F268}" dt="2023-10-11T06:15:39.886" v="2"/>
+          <ac:spMkLst>
+            <pc:docMk/>
+            <pc:sldMk cId="3139856725" sldId="259"/>
+            <ac:spMk id="2" creationId="{0B88FC32-2D68-59FF-4C0D-507E64E0240F}"/>
+          </ac:spMkLst>
+        </pc:spChg>
+        <pc:spChg chg="del mod">
+          <ac:chgData name="Brúnyai Kornél" userId="S::brunyaikornel@turr.hu::014c25d0-2ab8-46c1-aba5-3af0dd8830d9" providerId="AD" clId="Web-{40E66B00-4B59-4F70-A16D-A7801ED4F268}" dt="2023-10-11T06:15:41.949" v="3"/>
+          <ac:spMkLst>
+            <pc:docMk/>
+            <pc:sldMk cId="3139856725" sldId="259"/>
+            <ac:spMk id="3" creationId="{57B1F915-C5E5-AD24-61C3-BA1133819E6E}"/>
+          </ac:spMkLst>
+        </pc:spChg>
+        <pc:spChg chg="add del mod">
+          <ac:chgData name="Brúnyai Kornél" userId="S::brunyaikornel@turr.hu::014c25d0-2ab8-46c1-aba5-3af0dd8830d9" providerId="AD" clId="Web-{40E66B00-4B59-4F70-A16D-A7801ED4F268}" dt="2023-10-11T06:15:44.683" v="4"/>
+          <ac:spMkLst>
+            <pc:docMk/>
+            <pc:sldMk cId="3139856725" sldId="259"/>
+            <ac:spMk id="5" creationId="{9EFFE32D-A9AD-AB66-0CC6-E88F661C1FCD}"/>
+          </ac:spMkLst>
+        </pc:spChg>
+        <pc:spChg chg="add del mod">
+          <ac:chgData name="Brúnyai Kornél" userId="S::brunyaikornel@turr.hu::014c25d0-2ab8-46c1-aba5-3af0dd8830d9" providerId="AD" clId="Web-{40E66B00-4B59-4F70-A16D-A7801ED4F268}" dt="2023-10-11T06:15:45.933" v="5"/>
+          <ac:spMkLst>
+            <pc:docMk/>
+            <pc:sldMk cId="3139856725" sldId="259"/>
+            <ac:spMk id="7" creationId="{1E3D8CFF-3C50-BD80-8BF5-A3F496A49C4F}"/>
+          </ac:spMkLst>
+        </pc:spChg>
+      </pc:sldChg>
+      <pc:sldChg chg="addSp delSp modSp new">
+        <pc:chgData name="Brúnyai Kornél" userId="S::brunyaikornel@turr.hu::014c25d0-2ab8-46c1-aba5-3af0dd8830d9" providerId="AD" clId="Web-{40E66B00-4B59-4F70-A16D-A7801ED4F268}" dt="2023-10-11T06:31:26.907" v="158" actId="1076"/>
+        <pc:sldMkLst>
+          <pc:docMk/>
+          <pc:sldMk cId="4168598281" sldId="259"/>
+        </pc:sldMkLst>
+        <pc:spChg chg="mod">
+          <ac:chgData name="Brúnyai Kornél" userId="S::brunyaikornel@turr.hu::014c25d0-2ab8-46c1-aba5-3af0dd8830d9" providerId="AD" clId="Web-{40E66B00-4B59-4F70-A16D-A7801ED4F268}" dt="2023-10-11T06:28:40.838" v="125" actId="1076"/>
+          <ac:spMkLst>
+            <pc:docMk/>
+            <pc:sldMk cId="4168598281" sldId="259"/>
+            <ac:spMk id="2" creationId="{7A57F089-33D6-3AD3-FD0B-8F0C6E97887D}"/>
+          </ac:spMkLst>
+        </pc:spChg>
+        <pc:spChg chg="del">
+          <ac:chgData name="Brúnyai Kornél" userId="S::brunyaikornel@turr.hu::014c25d0-2ab8-46c1-aba5-3af0dd8830d9" providerId="AD" clId="Web-{40E66B00-4B59-4F70-A16D-A7801ED4F268}" dt="2023-10-11T06:28:35.978" v="124"/>
+          <ac:spMkLst>
+            <pc:docMk/>
+            <pc:sldMk cId="4168598281" sldId="259"/>
+            <ac:spMk id="3" creationId="{62E32F99-2998-36F0-D718-58CD4CE73DFF}"/>
+          </ac:spMkLst>
+        </pc:spChg>
+        <pc:spChg chg="add mod">
+          <ac:chgData name="Brúnyai Kornél" userId="S::brunyaikornel@turr.hu::014c25d0-2ab8-46c1-aba5-3af0dd8830d9" providerId="AD" clId="Web-{40E66B00-4B59-4F70-A16D-A7801ED4F268}" dt="2023-10-11T06:31:00.359" v="152" actId="1076"/>
+          <ac:spMkLst>
+            <pc:docMk/>
+            <pc:sldMk cId="4168598281" sldId="259"/>
+            <ac:spMk id="4" creationId="{5243CC0B-FC13-F349-31A4-399FE66A463D}"/>
+          </ac:spMkLst>
+        </pc:spChg>
+        <pc:spChg chg="add mod">
+          <ac:chgData name="Brúnyai Kornél" userId="S::brunyaikornel@turr.hu::014c25d0-2ab8-46c1-aba5-3af0dd8830d9" providerId="AD" clId="Web-{40E66B00-4B59-4F70-A16D-A7801ED4F268}" dt="2023-10-11T06:31:21.547" v="157" actId="14100"/>
+          <ac:spMkLst>
+            <pc:docMk/>
+            <pc:sldMk cId="4168598281" sldId="259"/>
+            <ac:spMk id="5" creationId="{D9CB996E-6FCA-4C68-D085-95A738B7BB13}"/>
+          </ac:spMkLst>
+        </pc:spChg>
+        <pc:spChg chg="add mod">
+          <ac:chgData name="Brúnyai Kornél" userId="S::brunyaikornel@turr.hu::014c25d0-2ab8-46c1-aba5-3af0dd8830d9" providerId="AD" clId="Web-{40E66B00-4B59-4F70-A16D-A7801ED4F268}" dt="2023-10-11T06:31:26.907" v="158" actId="1076"/>
+          <ac:spMkLst>
+            <pc:docMk/>
+            <pc:sldMk cId="4168598281" sldId="259"/>
+            <ac:spMk id="6" creationId="{68D7C658-9378-01CB-8EC2-48DFDA168E20}"/>
+          </ac:spMkLst>
+        </pc:spChg>
+        <pc:spChg chg="add mod">
+          <ac:chgData name="Brúnyai Kornél" userId="S::brunyaikornel@turr.hu::014c25d0-2ab8-46c1-aba5-3af0dd8830d9" providerId="AD" clId="Web-{40E66B00-4B59-4F70-A16D-A7801ED4F268}" dt="2023-10-11T06:31:11.047" v="154" actId="1076"/>
+          <ac:spMkLst>
+            <pc:docMk/>
+            <pc:sldMk cId="4168598281" sldId="259"/>
+            <ac:spMk id="7" creationId="{E9E9851C-8205-36DF-2E2C-A42F23CE9309}"/>
+          </ac:spMkLst>
+        </pc:spChg>
+      </pc:sldChg>
+      <pc:sldChg chg="addSp modSp new">
+        <pc:chgData name="Brúnyai Kornél" userId="S::brunyaikornel@turr.hu::014c25d0-2ab8-46c1-aba5-3af0dd8830d9" providerId="AD" clId="Web-{40E66B00-4B59-4F70-A16D-A7801ED4F268}" dt="2023-10-11T06:40:04.489" v="204" actId="1076"/>
+        <pc:sldMkLst>
+          <pc:docMk/>
+          <pc:sldMk cId="3039181735" sldId="260"/>
+        </pc:sldMkLst>
+        <pc:spChg chg="mod">
+          <ac:chgData name="Brúnyai Kornél" userId="S::brunyaikornel@turr.hu::014c25d0-2ab8-46c1-aba5-3af0dd8830d9" providerId="AD" clId="Web-{40E66B00-4B59-4F70-A16D-A7801ED4F268}" dt="2023-10-11T06:34:06.913" v="164" actId="1076"/>
+          <ac:spMkLst>
+            <pc:docMk/>
+            <pc:sldMk cId="3039181735" sldId="260"/>
+            <ac:spMk id="2" creationId="{0804CFCC-32BD-1298-8DB9-1EFCDCCEA05B}"/>
+          </ac:spMkLst>
+        </pc:spChg>
+        <pc:spChg chg="mod">
+          <ac:chgData name="Brúnyai Kornél" userId="S::brunyaikornel@turr.hu::014c25d0-2ab8-46c1-aba5-3af0dd8830d9" providerId="AD" clId="Web-{40E66B00-4B59-4F70-A16D-A7801ED4F268}" dt="2023-10-11T06:38:25.767" v="189" actId="20577"/>
+          <ac:spMkLst>
+            <pc:docMk/>
+            <pc:sldMk cId="3039181735" sldId="260"/>
+            <ac:spMk id="3" creationId="{BBD58E1D-F2A8-235B-8BC9-A92248F0CE94}"/>
+          </ac:spMkLst>
+        </pc:spChg>
+        <pc:spChg chg="add mod">
+          <ac:chgData name="Brúnyai Kornél" userId="S::brunyaikornel@turr.hu::014c25d0-2ab8-46c1-aba5-3af0dd8830d9" providerId="AD" clId="Web-{40E66B00-4B59-4F70-A16D-A7801ED4F268}" dt="2023-10-11T06:40:04.489" v="204" actId="1076"/>
+          <ac:spMkLst>
+            <pc:docMk/>
+            <pc:sldMk cId="3039181735" sldId="260"/>
+            <ac:spMk id="4" creationId="{89AAAC4F-D2C7-6A40-2558-D9FC82460CDE}"/>
+          </ac:spMkLst>
+        </pc:spChg>
+      </pc:sldChg>
+      <pc:sldChg chg="modSp new">
+        <pc:chgData name="Brúnyai Kornél" userId="S::brunyaikornel@turr.hu::014c25d0-2ab8-46c1-aba5-3af0dd8830d9" providerId="AD" clId="Web-{40E66B00-4B59-4F70-A16D-A7801ED4F268}" dt="2023-10-11T06:41:11.789" v="215" actId="1076"/>
+        <pc:sldMkLst>
+          <pc:docMk/>
+          <pc:sldMk cId="744428930" sldId="261"/>
+        </pc:sldMkLst>
+        <pc:spChg chg="mod">
+          <ac:chgData name="Brúnyai Kornél" userId="S::brunyaikornel@turr.hu::014c25d0-2ab8-46c1-aba5-3af0dd8830d9" providerId="AD" clId="Web-{40E66B00-4B59-4F70-A16D-A7801ED4F268}" dt="2023-10-11T06:41:11.789" v="215" actId="1076"/>
+          <ac:spMkLst>
+            <pc:docMk/>
+            <pc:sldMk cId="744428930" sldId="261"/>
+            <ac:spMk id="2" creationId="{0F312D00-CDE3-C76D-2F31-5B3FA9027AE5}"/>
+          </ac:spMkLst>
+        </pc:spChg>
+      </pc:sldChg>
+    </pc:docChg>
+  </pc:docChgLst>
   <pc:docChgLst>
     <pc:chgData name="Brúnyai Kornél" userId="S::brunyaikornel@turr.hu::014c25d0-2ab8-46c1-aba5-3af0dd8830d9" providerId="AD" clId="Web-{DF12C535-266C-4DA6-A35D-7345532091DE}"/>
     <pc:docChg chg="addSld modSld">
@@ -400,7 +653,7 @@
           <a:p>
             <a:fld id="{846CE7D5-CF57-46EF-B807-FDD0502418D4}" type="datetimeFigureOut">
               <a:rPr lang="en-US" smtClean="0"/>
-              <a:t>10/3/2023</a:t>
+              <a:t>10/10/2023</a:t>
             </a:fld>
             <a:endParaRPr lang="en-US"/>
           </a:p>
@@ -568,7 +821,7 @@
           <a:p>
             <a:fld id="{846CE7D5-CF57-46EF-B807-FDD0502418D4}" type="datetimeFigureOut">
               <a:rPr lang="en-US" smtClean="0"/>
-              <a:t>10/3/2023</a:t>
+              <a:t>10/10/2023</a:t>
             </a:fld>
             <a:endParaRPr lang="en-US"/>
           </a:p>
@@ -746,7 +999,7 @@
           <a:p>
             <a:fld id="{846CE7D5-CF57-46EF-B807-FDD0502418D4}" type="datetimeFigureOut">
               <a:rPr lang="en-US" smtClean="0"/>
-              <a:t>10/3/2023</a:t>
+              <a:t>10/10/2023</a:t>
             </a:fld>
             <a:endParaRPr lang="en-US"/>
           </a:p>
@@ -914,7 +1167,7 @@
           <a:p>
             <a:fld id="{846CE7D5-CF57-46EF-B807-FDD0502418D4}" type="datetimeFigureOut">
               <a:rPr lang="en-US" smtClean="0"/>
-              <a:t>10/3/2023</a:t>
+              <a:t>10/10/2023</a:t>
             </a:fld>
             <a:endParaRPr lang="en-US"/>
           </a:p>
@@ -1159,7 +1412,7 @@
           <a:p>
             <a:fld id="{846CE7D5-CF57-46EF-B807-FDD0502418D4}" type="datetimeFigureOut">
               <a:rPr lang="en-US" smtClean="0"/>
-              <a:t>10/3/2023</a:t>
+              <a:t>10/10/2023</a:t>
             </a:fld>
             <a:endParaRPr lang="en-US"/>
           </a:p>
@@ -1388,7 +1641,7 @@
           <a:p>
             <a:fld id="{846CE7D5-CF57-46EF-B807-FDD0502418D4}" type="datetimeFigureOut">
               <a:rPr lang="en-US" smtClean="0"/>
-              <a:t>10/3/2023</a:t>
+              <a:t>10/10/2023</a:t>
             </a:fld>
             <a:endParaRPr lang="en-US"/>
           </a:p>
@@ -1752,7 +2005,7 @@
           <a:p>
             <a:fld id="{846CE7D5-CF57-46EF-B807-FDD0502418D4}" type="datetimeFigureOut">
               <a:rPr lang="en-US" smtClean="0"/>
-              <a:t>10/3/2023</a:t>
+              <a:t>10/10/2023</a:t>
             </a:fld>
             <a:endParaRPr lang="en-US"/>
           </a:p>
@@ -1869,7 +2122,7 @@
           <a:p>
             <a:fld id="{846CE7D5-CF57-46EF-B807-FDD0502418D4}" type="datetimeFigureOut">
               <a:rPr lang="en-US" smtClean="0"/>
-              <a:t>10/3/2023</a:t>
+              <a:t>10/10/2023</a:t>
             </a:fld>
             <a:endParaRPr lang="en-US"/>
           </a:p>
@@ -1964,7 +2217,7 @@
           <a:p>
             <a:fld id="{846CE7D5-CF57-46EF-B807-FDD0502418D4}" type="datetimeFigureOut">
               <a:rPr lang="en-US" smtClean="0"/>
-              <a:t>10/3/2023</a:t>
+              <a:t>10/10/2023</a:t>
             </a:fld>
             <a:endParaRPr lang="en-US"/>
           </a:p>
@@ -2239,7 +2492,7 @@
           <a:p>
             <a:fld id="{846CE7D5-CF57-46EF-B807-FDD0502418D4}" type="datetimeFigureOut">
               <a:rPr lang="en-US" smtClean="0"/>
-              <a:t>10/3/2023</a:t>
+              <a:t>10/10/2023</a:t>
             </a:fld>
             <a:endParaRPr lang="en-US"/>
           </a:p>
@@ -2494,7 +2747,7 @@
           <a:p>
             <a:fld id="{846CE7D5-CF57-46EF-B807-FDD0502418D4}" type="datetimeFigureOut">
               <a:rPr lang="en-US" smtClean="0"/>
-              <a:t>10/3/2023</a:t>
+              <a:t>10/10/2023</a:t>
             </a:fld>
             <a:endParaRPr lang="en-US"/>
           </a:p>
@@ -2705,7 +2958,7 @@
           <a:p>
             <a:fld id="{846CE7D5-CF57-46EF-B807-FDD0502418D4}" type="datetimeFigureOut">
               <a:rPr lang="en-US" smtClean="0"/>
-              <a:t>10/3/2023</a:t>
+              <a:t>10/10/2023</a:t>
             </a:fld>
             <a:endParaRPr lang="en-US"/>
           </a:p>
@@ -3199,44 +3452,188 @@
       </p:grpSpPr>
       <p:sp>
         <p:nvSpPr>
-          <p:cNvPr id="3" name="Tartalom helye 2">
+          <p:cNvPr id="2" name="Szövegdoboz 1">
             <a:extLst>
               <a:ext uri="{FF2B5EF4-FFF2-40B4-BE49-F238E27FC236}">
-                <a16:creationId xmlns:a16="http://schemas.microsoft.com/office/drawing/2014/main" id="{2F459839-8917-83C6-C08D-D672DF1C61D5}"/>
+                <a16:creationId xmlns:a16="http://schemas.microsoft.com/office/drawing/2014/main" id="{079D8CA0-FFF7-2C37-6A50-C14B8A3100D2}"/>
               </a:ext>
             </a:extLst>
           </p:cNvPr>
-          <p:cNvSpPr>
-            <a:spLocks noGrp="1"/>
-          </p:cNvSpPr>
-          <p:nvPr>
-            <p:ph idx="1"/>
-          </p:nvPr>
+          <p:cNvSpPr txBox="1"/>
+          <p:nvPr/>
         </p:nvSpPr>
         <p:spPr>
           <a:xfrm>
-            <a:off x="838200" y="1949813"/>
-            <a:ext cx="10515600" cy="4351338"/>
+            <a:off x="540589" y="540589"/>
+            <a:ext cx="2743200" cy="523220"/>
           </a:xfrm>
+          <a:prstGeom prst="rect">
+            <a:avLst/>
+          </a:prstGeom>
+          <a:noFill/>
         </p:spPr>
         <p:txBody>
-          <a:bodyPr vert="horz" lIns="91440" tIns="45720" rIns="91440" bIns="45720" rtlCol="0" anchor="t">
-            <a:normAutofit/>
+          <a:bodyPr rot="0" spcFirstLastPara="0" vertOverflow="overflow" horzOverflow="overflow" vert="horz" wrap="square" lIns="91440" tIns="45720" rIns="91440" bIns="45720" numCol="1" spcCol="0" rtlCol="0" fromWordArt="0" anchor="t" anchorCtr="0" forceAA="0" compatLnSpc="1">
+            <a:prstTxWarp prst="textNoShape">
+              <a:avLst/>
+            </a:prstTxWarp>
+            <a:spAutoFit/>
           </a:bodyPr>
           <a:lstStyle/>
           <a:p>
-            <a:pPr marL="0" indent="0">
-              <a:buNone/>
+            <a:r>
+              <a:rPr lang="hu-HU" sz="2800" dirty="0">
+                <a:latin typeface="Times New Roman"/>
+              </a:rPr>
+              <a:t>Feladata:</a:t>
+            </a:r>
+            <a:endParaRPr lang="hu-HU" dirty="0"/>
+          </a:p>
+        </p:txBody>
+      </p:sp>
+      <p:sp>
+        <p:nvSpPr>
+          <p:cNvPr id="4" name="Szövegdoboz 3">
+            <a:extLst>
+              <a:ext uri="{FF2B5EF4-FFF2-40B4-BE49-F238E27FC236}">
+                <a16:creationId xmlns:a16="http://schemas.microsoft.com/office/drawing/2014/main" id="{2CEF5864-02A5-E04B-0E8C-48BB1B3841CB}"/>
+              </a:ext>
+            </a:extLst>
+          </p:cNvPr>
+          <p:cNvSpPr txBox="1"/>
+          <p:nvPr/>
+        </p:nvSpPr>
+        <p:spPr>
+          <a:xfrm>
+            <a:off x="756249" y="1719532"/>
+            <a:ext cx="8005313" cy="523220"/>
+          </a:xfrm>
+          <a:prstGeom prst="rect">
+            <a:avLst/>
+          </a:prstGeom>
+          <a:noFill/>
+        </p:spPr>
+        <p:txBody>
+          <a:bodyPr rot="0" spcFirstLastPara="0" vertOverflow="overflow" horzOverflow="overflow" vert="horz" wrap="square" lIns="91440" tIns="45720" rIns="91440" bIns="45720" numCol="1" spcCol="0" rtlCol="0" fromWordArt="0" anchor="t" anchorCtr="0" forceAA="0" compatLnSpc="1">
+            <a:prstTxWarp prst="textNoShape">
+              <a:avLst/>
+            </a:prstTxWarp>
+            <a:spAutoFit/>
+          </a:bodyPr>
+          <a:lstStyle/>
+          <a:p>
+            <a:pPr marL="457200" indent="-457200">
+              <a:buFont typeface="Arial" panose="020B0604020202020204" pitchFamily="34" charset="0"/>
+              <a:buChar char="•"/>
             </a:pPr>
             <a:r>
-              <a:rPr lang="hu-HU">
+              <a:rPr lang="hu-HU" sz="2800">
+                <a:latin typeface="Times New Roman"/>
+              </a:rPr>
+              <a:t>tervezők és technológusok támogatása</a:t>
+            </a:r>
+            <a:endParaRPr lang="hu-HU">
+              <a:cs typeface="Calibri" panose="020F0502020204030204"/>
+            </a:endParaRPr>
+          </a:p>
+        </p:txBody>
+      </p:sp>
+      <p:sp>
+        <p:nvSpPr>
+          <p:cNvPr id="5" name="Szövegdoboz 4">
+            <a:extLst>
+              <a:ext uri="{FF2B5EF4-FFF2-40B4-BE49-F238E27FC236}">
+                <a16:creationId xmlns:a16="http://schemas.microsoft.com/office/drawing/2014/main" id="{1ABE9666-F973-DAAB-3488-E202F5E2F8F4}"/>
+              </a:ext>
+            </a:extLst>
+          </p:cNvPr>
+          <p:cNvSpPr txBox="1"/>
+          <p:nvPr/>
+        </p:nvSpPr>
+        <p:spPr>
+          <a:xfrm>
+            <a:off x="756249" y="2812211"/>
+            <a:ext cx="11340860" cy="954107"/>
+          </a:xfrm>
+          <a:prstGeom prst="rect">
+            <a:avLst/>
+          </a:prstGeom>
+          <a:noFill/>
+        </p:spPr>
+        <p:txBody>
+          <a:bodyPr rot="0" spcFirstLastPara="0" vertOverflow="overflow" horzOverflow="overflow" vert="horz" wrap="square" lIns="91440" tIns="45720" rIns="91440" bIns="45720" numCol="1" spcCol="0" rtlCol="0" fromWordArt="0" anchor="t" anchorCtr="0" forceAA="0" compatLnSpc="1">
+            <a:prstTxWarp prst="textNoShape">
+              <a:avLst/>
+            </a:prstTxWarp>
+            <a:spAutoFit/>
+          </a:bodyPr>
+          <a:lstStyle/>
+          <a:p>
+            <a:pPr marL="457200" indent="-457200">
+              <a:buFont typeface="Arial"/>
+              <a:buChar char="•"/>
+            </a:pPr>
+            <a:r>
+              <a:rPr lang="hu-HU" sz="2800" dirty="0">
+                <a:latin typeface="Times New Roman"/>
+              </a:rPr>
+              <a:t>biztosítaniuk kell egy geometriai modellt, mellyel az üzemi feladatok megoldhatók</a:t>
+            </a:r>
+            <a:endParaRPr lang="hu-HU" dirty="0">
+              <a:cs typeface="Calibri" panose="020F0502020204030204"/>
+            </a:endParaRPr>
+          </a:p>
+        </p:txBody>
+      </p:sp>
+      <p:sp>
+        <p:nvSpPr>
+          <p:cNvPr id="6" name="Szövegdoboz 5">
+            <a:extLst>
+              <a:ext uri="{FF2B5EF4-FFF2-40B4-BE49-F238E27FC236}">
+                <a16:creationId xmlns:a16="http://schemas.microsoft.com/office/drawing/2014/main" id="{D6F18963-35F0-1C8D-46E8-A1861AE61C5F}"/>
+              </a:ext>
+            </a:extLst>
+          </p:cNvPr>
+          <p:cNvSpPr txBox="1"/>
+          <p:nvPr/>
+        </p:nvSpPr>
+        <p:spPr>
+          <a:xfrm>
+            <a:off x="756249" y="4336211"/>
+            <a:ext cx="9443048" cy="954107"/>
+          </a:xfrm>
+          <a:prstGeom prst="rect">
+            <a:avLst/>
+          </a:prstGeom>
+          <a:noFill/>
+        </p:spPr>
+        <p:txBody>
+          <a:bodyPr rot="0" spcFirstLastPara="0" vertOverflow="overflow" horzOverflow="overflow" vert="horz" wrap="square" lIns="91440" tIns="45720" rIns="91440" bIns="45720" numCol="1" spcCol="0" rtlCol="0" fromWordArt="0" anchor="t" anchorCtr="0" forceAA="0" compatLnSpc="1">
+            <a:prstTxWarp prst="textNoShape">
+              <a:avLst/>
+            </a:prstTxWarp>
+            <a:spAutoFit/>
+          </a:bodyPr>
+          <a:lstStyle/>
+          <a:p>
+            <a:pPr marL="457200" indent="-457200">
+              <a:buFont typeface="Arial" panose="020B0604020202020204" pitchFamily="34" charset="0"/>
+              <a:buChar char="•"/>
+            </a:pPr>
+            <a:r>
+              <a:rPr lang="hu-HU" sz="2800">
+                <a:latin typeface="Times New Roman"/>
+              </a:rPr>
+              <a:t>létre kell hozniuk, egy az üzemi berendezések számára érthető kódrendszerben leírt technológiát.</a:t>
+            </a:r>
+            <a:r>
+              <a:rPr lang="hu-HU" sz="2800">
                 <a:latin typeface="Times New Roman"/>
                 <a:cs typeface="Times New Roman"/>
               </a:rPr>
-              <a:t>    A CAD/CAM rendszerek feladata a tervezők és technológusok támogatása. Ennek megfelelően biztosítaniuk kell egy olyan matematikai alapokon nyugvó geometriai modellt, mellyel az üzemi feladatok megoldhatók, és létre kell hozniuk, egy az üzemi berendezések számára érthető kódrendszerben leírt technológiát.</a:t>
+              <a:t>​</a:t>
             </a:r>
             <a:endParaRPr lang="hu-HU">
-              <a:ea typeface="Calibri" panose="020F0502020204030204"/>
               <a:cs typeface="Calibri" panose="020F0502020204030204"/>
             </a:endParaRPr>
           </a:p>
@@ -3277,7 +3674,7 @@
           <p:cNvPr id="2" name="Cím 1">
             <a:extLst>
               <a:ext uri="{FF2B5EF4-FFF2-40B4-BE49-F238E27FC236}">
-                <a16:creationId xmlns:a16="http://schemas.microsoft.com/office/drawing/2014/main" id="{5130C605-CDAB-6527-36AC-D66B98CA9EA9}"/>
+                <a16:creationId xmlns:a16="http://schemas.microsoft.com/office/drawing/2014/main" id="{747B81ED-167F-00E7-5A18-CA9027E64E0B}"/>
               </a:ext>
             </a:extLst>
           </p:cNvPr>
@@ -3290,36 +3687,54 @@
         </p:nvSpPr>
         <p:spPr>
           <a:xfrm>
-            <a:off x="737558" y="5691"/>
-            <a:ext cx="10515600" cy="1325563"/>
+            <a:off x="542499" y="421990"/>
+            <a:ext cx="10515600" cy="620429"/>
           </a:xfrm>
         </p:spPr>
         <p:txBody>
-          <a:bodyPr/>
-          <a:lstStyle/>
-          <a:p>
-            <a:r>
-              <a:rPr lang="hu-HU" sz="2800">
+          <a:bodyPr>
+            <a:normAutofit/>
+          </a:bodyPr>
+          <a:lstStyle/>
+          <a:p>
+            <a:r>
+              <a:rPr lang="hu-HU" sz="2800" dirty="0">
+                <a:latin typeface="Times New Roman"/>
+                <a:cs typeface="Calibri Light"/>
+              </a:rPr>
+              <a:t>CAD </a:t>
+            </a:r>
+            <a:r>
+              <a:rPr lang="hu-HU" sz="2800" dirty="0">
                 <a:latin typeface="Times New Roman"/>
                 <a:cs typeface="Times New Roman"/>
               </a:rPr>
-              <a:t>CAD (Computer </a:t>
-            </a:r>
-            <a:r>
-              <a:rPr lang="hu-HU" sz="2800" err="1">
+              <a:t>(Computer </a:t>
+            </a:r>
+            <a:r>
+              <a:rPr lang="hu-HU" sz="2800" dirty="0" err="1">
                 <a:latin typeface="Times New Roman"/>
                 <a:cs typeface="Times New Roman"/>
               </a:rPr>
               <a:t>Aided</a:t>
             </a:r>
             <a:r>
-              <a:rPr lang="hu-HU" sz="2800">
+              <a:rPr lang="hu-HU" sz="2800" dirty="0">
                 <a:latin typeface="Times New Roman"/>
                 <a:cs typeface="Times New Roman"/>
               </a:rPr>
-              <a:t> Design)</a:t>
-            </a:r>
-            <a:endParaRPr lang="hu-HU"/>
+              <a:t> Design)</a:t>
+            </a:r>
+            <a:r>
+              <a:rPr lang="hu-HU" sz="2800" dirty="0">
+                <a:latin typeface="Times New Roman"/>
+                <a:cs typeface="Calibri Light"/>
+              </a:rPr>
+              <a:t>:</a:t>
+            </a:r>
+            <a:endParaRPr lang="hu-HU" sz="2800" dirty="0">
+              <a:latin typeface="Times New Roman"/>
+            </a:endParaRPr>
           </a:p>
         </p:txBody>
       </p:sp>
@@ -3328,7 +3743,7 @@
           <p:cNvPr id="3" name="Tartalom helye 2">
             <a:extLst>
               <a:ext uri="{FF2B5EF4-FFF2-40B4-BE49-F238E27FC236}">
-                <a16:creationId xmlns:a16="http://schemas.microsoft.com/office/drawing/2014/main" id="{24ABCAE8-AF4E-C93F-B6C5-C4E56A89F33E}"/>
+                <a16:creationId xmlns:a16="http://schemas.microsoft.com/office/drawing/2014/main" id="{72063DD7-BCB8-F089-1524-DF756AC88411}"/>
               </a:ext>
             </a:extLst>
           </p:cNvPr>
@@ -3341,8 +3756,8 @@
         </p:nvSpPr>
         <p:spPr>
           <a:xfrm>
-            <a:off x="838200" y="1330302"/>
-            <a:ext cx="10515600" cy="4351338"/>
+            <a:off x="1319075" y="3091389"/>
+            <a:ext cx="10515600" cy="526961"/>
           </a:xfrm>
         </p:spPr>
         <p:txBody>
@@ -3351,68 +3766,107 @@
           </a:bodyPr>
           <a:lstStyle/>
           <a:p>
-            <a:endParaRPr lang="hu-HU">
-              <a:latin typeface="Times New Roman"/>
-              <a:ea typeface="Calibri" panose="020F0502020204030204"/>
-              <a:cs typeface="Times New Roman"/>
-            </a:endParaRPr>
-          </a:p>
-          <a:p>
-            <a:r>
-              <a:rPr lang="hu-HU">
+            <a:r>
+              <a:rPr lang="hu-HU" dirty="0">
                 <a:latin typeface="Times New Roman"/>
                 <a:cs typeface="Times New Roman"/>
               </a:rPr>
-              <a:t>számítógéppel segített tervezés; tervezési koncepciók létrehozása, módosítások megvalósítása, elemzések elvégzésére, tervezés optimálása, korábban rajzok és terv dokumentációk készítésére szolgált</a:t>
-            </a:r>
-            <a:endParaRPr lang="hu-HU">
-              <a:ea typeface="Calibri" panose="020F0502020204030204"/>
-              <a:cs typeface="Calibri" panose="020F0502020204030204"/>
-            </a:endParaRPr>
-          </a:p>
-          <a:p>
-            <a:r>
-              <a:rPr lang="hu-HU">
+              <a:t>alapvető szerepe a geometria definiálása (számítógépes rajzolás)</a:t>
+            </a:r>
+          </a:p>
+        </p:txBody>
+      </p:sp>
+      <p:sp>
+        <p:nvSpPr>
+          <p:cNvPr id="4" name="Szövegdoboz 3">
+            <a:extLst>
+              <a:ext uri="{FF2B5EF4-FFF2-40B4-BE49-F238E27FC236}">
+                <a16:creationId xmlns:a16="http://schemas.microsoft.com/office/drawing/2014/main" id="{9463C8C4-1837-DA59-8577-3B87E987B0EF}"/>
+              </a:ext>
+            </a:extLst>
+          </p:cNvPr>
+          <p:cNvSpPr txBox="1"/>
+          <p:nvPr/>
+        </p:nvSpPr>
+        <p:spPr>
+          <a:xfrm>
+            <a:off x="1325893" y="4357215"/>
+            <a:ext cx="8936555" cy="954107"/>
+          </a:xfrm>
+          <a:prstGeom prst="rect">
+            <a:avLst/>
+          </a:prstGeom>
+          <a:noFill/>
+        </p:spPr>
+        <p:txBody>
+          <a:bodyPr rot="0" spcFirstLastPara="0" vertOverflow="overflow" horzOverflow="overflow" vert="horz" wrap="square" lIns="91440" tIns="45720" rIns="91440" bIns="45720" numCol="1" spcCol="0" rtlCol="0" fromWordArt="0" anchor="t" anchorCtr="0" forceAA="0" compatLnSpc="1">
+            <a:prstTxWarp prst="textNoShape">
+              <a:avLst/>
+            </a:prstTxWarp>
+            <a:spAutoFit/>
+          </a:bodyPr>
+          <a:lstStyle/>
+          <a:p>
+            <a:pPr marL="457200" indent="-457200">
+              <a:buFont typeface="Arial" panose="020B0604020202020204" pitchFamily="34" charset="0"/>
+              <a:buChar char="•"/>
+            </a:pPr>
+            <a:r>
+              <a:rPr lang="hu-HU" sz="2800" dirty="0">
                 <a:latin typeface="Times New Roman"/>
                 <a:cs typeface="Times New Roman"/>
               </a:rPr>
-              <a:t>alapvető szerepe a geometria definiálása (számítógépes rajzolás, geometriai modellezés)</a:t>
-            </a:r>
-            <a:endParaRPr lang="hu-HU">
-              <a:ea typeface="Calibri" panose="020F0502020204030204"/>
+              <a:t>a geometria felhasználható a további CAM, CAE tevékenységekhez (időmegtakarítás)</a:t>
+            </a:r>
+            <a:endParaRPr lang="hu-HU" sz="2800" dirty="0">
               <a:cs typeface="Calibri" panose="020F0502020204030204"/>
             </a:endParaRPr>
           </a:p>
-          <a:p>
-            <a:r>
-              <a:rPr lang="hu-HU">
+        </p:txBody>
+      </p:sp>
+      <p:sp>
+        <p:nvSpPr>
+          <p:cNvPr id="5" name="Szövegdoboz 4">
+            <a:extLst>
+              <a:ext uri="{FF2B5EF4-FFF2-40B4-BE49-F238E27FC236}">
+                <a16:creationId xmlns:a16="http://schemas.microsoft.com/office/drawing/2014/main" id="{54580B51-30E4-7647-C009-056847EDE48E}"/>
+              </a:ext>
+            </a:extLst>
+          </p:cNvPr>
+          <p:cNvSpPr txBox="1"/>
+          <p:nvPr/>
+        </p:nvSpPr>
+        <p:spPr>
+          <a:xfrm>
+            <a:off x="1322921" y="1790969"/>
+            <a:ext cx="7324330" cy="523220"/>
+          </a:xfrm>
+          <a:prstGeom prst="rect">
+            <a:avLst/>
+          </a:prstGeom>
+          <a:noFill/>
+        </p:spPr>
+        <p:txBody>
+          <a:bodyPr rot="0" spcFirstLastPara="0" vertOverflow="overflow" horzOverflow="overflow" vert="horz" wrap="square" lIns="91440" tIns="45720" rIns="91440" bIns="45720" numCol="1" spcCol="0" rtlCol="0" fromWordArt="0" anchor="t" anchorCtr="0" forceAA="0" compatLnSpc="1">
+            <a:prstTxWarp prst="textNoShape">
+              <a:avLst/>
+            </a:prstTxWarp>
+            <a:spAutoFit/>
+          </a:bodyPr>
+          <a:lstStyle/>
+          <a:p>
+            <a:pPr marL="457200" indent="-457200">
+              <a:buFont typeface="Arial" panose="020B0604020202020204" pitchFamily="34" charset="0"/>
+              <a:buChar char="•"/>
+            </a:pPr>
+            <a:r>
+              <a:rPr lang="hu-HU" sz="2800" dirty="0">
                 <a:latin typeface="Times New Roman"/>
                 <a:cs typeface="Times New Roman"/>
               </a:rPr>
-              <a:t>a geometria felhasználható a további CAM, CAE tevékenységekhez: időmegtakarítás, </a:t>
-            </a:r>
-            <a:r>
-              <a:rPr lang="hu-HU" err="1">
-                <a:latin typeface="Times New Roman"/>
-                <a:cs typeface="Times New Roman"/>
-              </a:rPr>
-              <a:t>újralétrehozás</a:t>
-            </a:r>
-            <a:r>
-              <a:rPr lang="hu-HU">
-                <a:latin typeface="Times New Roman"/>
-                <a:cs typeface="Times New Roman"/>
-              </a:rPr>
-              <a:t> során keletkező hibákat kiküszöböli</a:t>
-            </a:r>
-            <a:endParaRPr lang="hu-HU">
-              <a:ea typeface="Calibri" panose="020F0502020204030204"/>
-              <a:cs typeface="Calibri" panose="020F0502020204030204"/>
-            </a:endParaRPr>
-          </a:p>
-          <a:p>
-            <a:endParaRPr lang="hu-HU">
-              <a:ea typeface="Calibri" panose="020F0502020204030204"/>
+              <a:t>számítógéppel segített tervezés</a:t>
+            </a:r>
+            <a:endParaRPr lang="hu-HU" sz="2800" dirty="0">
               <a:cs typeface="Calibri" panose="020F0502020204030204"/>
             </a:endParaRPr>
           </a:p>
@@ -3421,7 +3875,7 @@
     </p:spTree>
     <p:extLst>
       <p:ext uri="{BB962C8B-B14F-4D97-AF65-F5344CB8AC3E}">
-        <p14:creationId xmlns:p14="http://schemas.microsoft.com/office/powerpoint/2010/main" val="890849012"/>
+        <p14:creationId xmlns:p14="http://schemas.microsoft.com/office/powerpoint/2010/main" val="1299804670"/>
       </p:ext>
     </p:extLst>
   </p:cSld>
@@ -3453,7 +3907,7 @@
           <p:cNvPr id="2" name="Cím 1">
             <a:extLst>
               <a:ext uri="{FF2B5EF4-FFF2-40B4-BE49-F238E27FC236}">
-                <a16:creationId xmlns:a16="http://schemas.microsoft.com/office/drawing/2014/main" id="{0B88FC32-2D68-59FF-4C0D-507E64E0240F}"/>
+                <a16:creationId xmlns:a16="http://schemas.microsoft.com/office/drawing/2014/main" id="{7A57F089-33D6-3AD3-FD0B-8F0C6E97887D}"/>
               </a:ext>
             </a:extLst>
           </p:cNvPr>
@@ -3466,50 +3920,307 @@
         </p:nvSpPr>
         <p:spPr>
           <a:xfrm>
-            <a:off x="838200" y="1185"/>
-            <a:ext cx="10515600" cy="1325563"/>
+            <a:off x="562113" y="365125"/>
+            <a:ext cx="10515600" cy="793601"/>
           </a:xfrm>
         </p:spPr>
         <p:txBody>
-          <a:bodyPr/>
-          <a:lstStyle/>
-          <a:p>
-            <a:r>
-              <a:rPr lang="hu-HU" sz="2800">
+          <a:bodyPr>
+            <a:normAutofit/>
+          </a:bodyPr>
+          <a:lstStyle/>
+          <a:p>
+            <a:r>
+              <a:rPr lang="hu-HU" sz="2800" dirty="0">
                 <a:latin typeface="Times New Roman"/>
                 <a:cs typeface="Times New Roman"/>
               </a:rPr>
-              <a:t>CAM (Computer </a:t>
-            </a:r>
-            <a:r>
-              <a:rPr lang="hu-HU" sz="2800" err="1">
+              <a:t>CAM (Computer </a:t>
+            </a:r>
+            <a:r>
+              <a:rPr lang="hu-HU" sz="2800" dirty="0" err="1">
                 <a:latin typeface="Times New Roman"/>
                 <a:cs typeface="Times New Roman"/>
               </a:rPr>
               <a:t>Aided</a:t>
             </a:r>
             <a:r>
-              <a:rPr lang="hu-HU" sz="2800">
+              <a:rPr lang="hu-HU" sz="2800" dirty="0">
                 <a:latin typeface="Times New Roman"/>
                 <a:cs typeface="Times New Roman"/>
               </a:rPr>
-              <a:t> </a:t>
-            </a:r>
-            <a:r>
-              <a:rPr lang="hu-HU" sz="2800" err="1">
+              <a:t> </a:t>
+            </a:r>
+            <a:r>
+              <a:rPr lang="hu-HU" sz="2800" dirty="0" err="1">
                 <a:latin typeface="Times New Roman"/>
                 <a:cs typeface="Times New Roman"/>
               </a:rPr>
               <a:t>Manufacturing</a:t>
             </a:r>
             <a:r>
-              <a:rPr lang="hu-HU" sz="2800">
+              <a:rPr lang="hu-HU" sz="2800" dirty="0">
                 <a:latin typeface="Times New Roman"/>
                 <a:cs typeface="Times New Roman"/>
               </a:rPr>
-              <a:t>)</a:t>
+              <a:t>):</a:t>
+            </a:r>
+          </a:p>
+        </p:txBody>
+      </p:sp>
+      <p:sp>
+        <p:nvSpPr>
+          <p:cNvPr id="4" name="Szövegdoboz 3">
+            <a:extLst>
+              <a:ext uri="{FF2B5EF4-FFF2-40B4-BE49-F238E27FC236}">
+                <a16:creationId xmlns:a16="http://schemas.microsoft.com/office/drawing/2014/main" id="{5243CC0B-FC13-F349-31A4-399FE66A463D}"/>
+              </a:ext>
+            </a:extLst>
+          </p:cNvPr>
+          <p:cNvSpPr txBox="1"/>
+          <p:nvPr/>
+        </p:nvSpPr>
+        <p:spPr>
+          <a:xfrm>
+            <a:off x="1035382" y="1561187"/>
+            <a:ext cx="9594979" cy="523220"/>
+          </a:xfrm>
+          <a:prstGeom prst="rect">
+            <a:avLst/>
+          </a:prstGeom>
+          <a:noFill/>
+        </p:spPr>
+        <p:txBody>
+          <a:bodyPr rot="0" spcFirstLastPara="0" vertOverflow="overflow" horzOverflow="overflow" vert="horz" wrap="square" lIns="91440" tIns="45720" rIns="91440" bIns="45720" numCol="1" spcCol="0" rtlCol="0" fromWordArt="0" anchor="t" anchorCtr="0" forceAA="0" compatLnSpc="1">
+            <a:prstTxWarp prst="textNoShape">
+              <a:avLst/>
+            </a:prstTxWarp>
+            <a:spAutoFit/>
+          </a:bodyPr>
+          <a:lstStyle/>
+          <a:p>
+            <a:pPr marL="457200" indent="-457200">
+              <a:buFont typeface="Arial" panose="020B0604020202020204" pitchFamily="34" charset="0"/>
+              <a:buChar char="•"/>
+            </a:pPr>
+            <a:r>
+              <a:rPr lang="hu-HU" sz="2800" dirty="0">
+                <a:latin typeface="Times New Roman"/>
+                <a:cs typeface="Times New Roman"/>
+              </a:rPr>
+              <a:t>számítógéppel segített gyártás (gyártási folyamatok tervezése)</a:t>
+            </a:r>
+            <a:endParaRPr lang="hu-HU" sz="2800" dirty="0">
+              <a:cs typeface="Calibri" panose="020F0502020204030204"/>
+            </a:endParaRPr>
+          </a:p>
+        </p:txBody>
+      </p:sp>
+      <p:sp>
+        <p:nvSpPr>
+          <p:cNvPr id="5" name="Szövegdoboz 4">
+            <a:extLst>
+              <a:ext uri="{FF2B5EF4-FFF2-40B4-BE49-F238E27FC236}">
+                <a16:creationId xmlns:a16="http://schemas.microsoft.com/office/drawing/2014/main" id="{D9CB996E-6FCA-4C68-D085-95A738B7BB13}"/>
+              </a:ext>
+            </a:extLst>
+          </p:cNvPr>
+          <p:cNvSpPr txBox="1"/>
+          <p:nvPr/>
+        </p:nvSpPr>
+        <p:spPr>
+          <a:xfrm>
+            <a:off x="1038312" y="2464273"/>
+            <a:ext cx="10279449" cy="954107"/>
+          </a:xfrm>
+          <a:prstGeom prst="rect">
+            <a:avLst/>
+          </a:prstGeom>
+          <a:noFill/>
+        </p:spPr>
+        <p:txBody>
+          <a:bodyPr rot="0" spcFirstLastPara="0" vertOverflow="overflow" horzOverflow="overflow" vert="horz" wrap="square" lIns="91440" tIns="45720" rIns="91440" bIns="45720" numCol="1" spcCol="0" rtlCol="0" fromWordArt="0" anchor="t" anchorCtr="0" forceAA="0" compatLnSpc="1">
+            <a:prstTxWarp prst="textNoShape">
+              <a:avLst/>
+            </a:prstTxWarp>
+            <a:spAutoFit/>
+          </a:bodyPr>
+          <a:lstStyle/>
+          <a:p>
+            <a:pPr marL="457200" indent="-457200" algn="l">
+              <a:buFont typeface="Arial" panose="020B0604020202020204" pitchFamily="34" charset="0"/>
+              <a:buChar char="•"/>
+            </a:pPr>
+            <a:r>
+              <a:rPr lang="hu-HU" sz="2800"/>
+              <a:t>NC (numerical control) gyártóeszközök programozott vezérlésének technológiája</a:t>
             </a:r>
             <a:endParaRPr lang="hu-HU"/>
+          </a:p>
+        </p:txBody>
+      </p:sp>
+      <p:sp>
+        <p:nvSpPr>
+          <p:cNvPr id="6" name="Szövegdoboz 5">
+            <a:extLst>
+              <a:ext uri="{FF2B5EF4-FFF2-40B4-BE49-F238E27FC236}">
+                <a16:creationId xmlns:a16="http://schemas.microsoft.com/office/drawing/2014/main" id="{68D7C658-9378-01CB-8EC2-48DFDA168E20}"/>
+              </a:ext>
+            </a:extLst>
+          </p:cNvPr>
+          <p:cNvSpPr txBox="1"/>
+          <p:nvPr/>
+        </p:nvSpPr>
+        <p:spPr>
+          <a:xfrm>
+            <a:off x="1040340" y="3748246"/>
+            <a:ext cx="9734938" cy="954107"/>
+          </a:xfrm>
+          <a:prstGeom prst="rect">
+            <a:avLst/>
+          </a:prstGeom>
+          <a:noFill/>
+        </p:spPr>
+        <p:txBody>
+          <a:bodyPr rot="0" spcFirstLastPara="0" vertOverflow="overflow" horzOverflow="overflow" vert="horz" wrap="square" lIns="91440" tIns="45720" rIns="91440" bIns="45720" numCol="1" spcCol="0" rtlCol="0" fromWordArt="0" anchor="t" anchorCtr="0" forceAA="0" compatLnSpc="1">
+            <a:prstTxWarp prst="textNoShape">
+              <a:avLst/>
+            </a:prstTxWarp>
+            <a:spAutoFit/>
+          </a:bodyPr>
+          <a:lstStyle/>
+          <a:p>
+            <a:pPr marL="457200" indent="-457200">
+              <a:buFont typeface="Arial" panose="020B0604020202020204" pitchFamily="34" charset="0"/>
+              <a:buChar char="•"/>
+            </a:pPr>
+            <a:r>
+              <a:rPr lang="hu-HU" sz="2800" dirty="0">
+                <a:latin typeface="Times New Roman"/>
+                <a:cs typeface="Times New Roman"/>
+              </a:rPr>
+              <a:t>gyártócellában működtethető robotok programozása NC gépek részére</a:t>
+            </a:r>
+            <a:endParaRPr lang="hu-HU" sz="2800" dirty="0">
+              <a:cs typeface="Calibri" panose="020F0502020204030204"/>
+            </a:endParaRPr>
+          </a:p>
+        </p:txBody>
+      </p:sp>
+      <p:sp>
+        <p:nvSpPr>
+          <p:cNvPr id="7" name="Szövegdoboz 6">
+            <a:extLst>
+              <a:ext uri="{FF2B5EF4-FFF2-40B4-BE49-F238E27FC236}">
+                <a16:creationId xmlns:a16="http://schemas.microsoft.com/office/drawing/2014/main" id="{E9E9851C-8205-36DF-2E2C-A42F23CE9309}"/>
+              </a:ext>
+            </a:extLst>
+          </p:cNvPr>
+          <p:cNvSpPr txBox="1"/>
+          <p:nvPr/>
+        </p:nvSpPr>
+        <p:spPr>
+          <a:xfrm>
+            <a:off x="1035833" y="5306503"/>
+            <a:ext cx="9501673" cy="523220"/>
+          </a:xfrm>
+          <a:prstGeom prst="rect">
+            <a:avLst/>
+          </a:prstGeom>
+          <a:noFill/>
+        </p:spPr>
+        <p:txBody>
+          <a:bodyPr rot="0" spcFirstLastPara="0" vertOverflow="overflow" horzOverflow="overflow" vert="horz" wrap="square" lIns="91440" tIns="45720" rIns="91440" bIns="45720" numCol="1" spcCol="0" rtlCol="0" fromWordArt="0" anchor="t" anchorCtr="0" forceAA="0" compatLnSpc="1">
+            <a:prstTxWarp prst="textNoShape">
+              <a:avLst/>
+            </a:prstTxWarp>
+            <a:spAutoFit/>
+          </a:bodyPr>
+          <a:lstStyle/>
+          <a:p>
+            <a:pPr marL="457200" indent="-457200" algn="l">
+              <a:buFont typeface="Arial" panose="020B0604020202020204" pitchFamily="34" charset="0"/>
+              <a:buChar char="•"/>
+            </a:pPr>
+            <a:r>
+              <a:rPr lang="hu-HU" sz="2800" dirty="0">
+                <a:latin typeface="Times New Roman"/>
+                <a:cs typeface="Times New Roman"/>
+              </a:rPr>
+              <a:t>folyamat-tervezés</a:t>
+            </a:r>
+            <a:endParaRPr lang="hu-HU" sz="2800" dirty="0">
+              <a:cs typeface="Calibri" panose="020F0502020204030204"/>
+            </a:endParaRPr>
+          </a:p>
+        </p:txBody>
+      </p:sp>
+    </p:spTree>
+    <p:extLst>
+      <p:ext uri="{BB962C8B-B14F-4D97-AF65-F5344CB8AC3E}">
+        <p14:creationId xmlns:p14="http://schemas.microsoft.com/office/powerpoint/2010/main" val="4168598281"/>
+      </p:ext>
+    </p:extLst>
+  </p:cSld>
+  <p:clrMapOvr>
+    <a:masterClrMapping/>
+  </p:clrMapOvr>
+</p:sld>
+</file>
+
+<file path=ppt/slides/slide5.xml><?xml version="1.0" encoding="utf-8"?>
+<p:sld xmlns:a="http://schemas.openxmlformats.org/drawingml/2006/main" xmlns:r="http://schemas.openxmlformats.org/officeDocument/2006/relationships" xmlns:p="http://schemas.openxmlformats.org/presentationml/2006/main">
+  <p:cSld>
+    <p:spTree>
+      <p:nvGrpSpPr>
+        <p:cNvPr id="1" name=""/>
+        <p:cNvGrpSpPr/>
+        <p:nvPr/>
+      </p:nvGrpSpPr>
+      <p:grpSpPr>
+        <a:xfrm>
+          <a:off x="0" y="0"/>
+          <a:ext cx="0" cy="0"/>
+          <a:chOff x="0" y="0"/>
+          <a:chExt cx="0" cy="0"/>
+        </a:xfrm>
+      </p:grpSpPr>
+      <p:sp>
+        <p:nvSpPr>
+          <p:cNvPr id="2" name="Cím 1">
+            <a:extLst>
+              <a:ext uri="{FF2B5EF4-FFF2-40B4-BE49-F238E27FC236}">
+                <a16:creationId xmlns:a16="http://schemas.microsoft.com/office/drawing/2014/main" id="{0804CFCC-32BD-1298-8DB9-1EFCDCCEA05B}"/>
+              </a:ext>
+            </a:extLst>
+          </p:cNvPr>
+          <p:cNvSpPr>
+            <a:spLocks noGrp="1"/>
+          </p:cNvSpPr>
+          <p:nvPr>
+            <p:ph type="title"/>
+          </p:nvPr>
+        </p:nvSpPr>
+        <p:spPr>
+          <a:xfrm>
+            <a:off x="584200" y="265733"/>
+            <a:ext cx="10515600" cy="740258"/>
+          </a:xfrm>
+        </p:spPr>
+        <p:txBody>
+          <a:bodyPr>
+            <a:normAutofit/>
+          </a:bodyPr>
+          <a:lstStyle/>
+          <a:p>
+            <a:r>
+              <a:rPr lang="hu-HU" sz="2800" dirty="0">
+                <a:latin typeface="Times New Roman"/>
+                <a:cs typeface="Times New Roman"/>
+              </a:rPr>
+              <a:t>A különbség a CAD és a CAM között:</a:t>
+            </a:r>
+            <a:endParaRPr lang="hu-HU" sz="2800" dirty="0"/>
           </a:p>
         </p:txBody>
       </p:sp>
@@ -3518,7 +4229,7 @@
           <p:cNvPr id="3" name="Tartalom helye 2">
             <a:extLst>
               <a:ext uri="{FF2B5EF4-FFF2-40B4-BE49-F238E27FC236}">
-                <a16:creationId xmlns:a16="http://schemas.microsoft.com/office/drawing/2014/main" id="{57B1F915-C5E5-AD24-61C3-BA1133819E6E}"/>
+                <a16:creationId xmlns:a16="http://schemas.microsoft.com/office/drawing/2014/main" id="{BBD58E1D-F2A8-235B-8BC9-A92248F0CE94}"/>
               </a:ext>
             </a:extLst>
           </p:cNvPr>
@@ -3531,8 +4242,8 @@
         </p:nvSpPr>
         <p:spPr>
           <a:xfrm>
-            <a:off x="838200" y="1333278"/>
-            <a:ext cx="10515600" cy="4351338"/>
+            <a:off x="937591" y="1792495"/>
+            <a:ext cx="10515600" cy="947864"/>
           </a:xfrm>
         </p:spPr>
         <p:txBody>
@@ -3541,89 +4252,160 @@
           </a:bodyPr>
           <a:lstStyle/>
           <a:p>
-            <a:pPr marL="457200" indent="-457200"/>
-            <a:r>
-              <a:rPr lang="hu-HU">
+            <a:r>
+              <a:rPr lang="hu-HU" dirty="0">
                 <a:latin typeface="Times New Roman"/>
                 <a:cs typeface="Times New Roman"/>
               </a:rPr>
-              <a:t>számítógéppel segített gyártás; gyártási folyamatok tervezése, szervezése, vezérlése; gyártórendszerekkel összekapcsolt számítógépes technológia</a:t>
-            </a:r>
-            <a:endParaRPr lang="hu-HU">
-              <a:ea typeface="Calibri" panose="020F0502020204030204"/>
-              <a:cs typeface="Calibri" panose="020F0502020204030204"/>
-            </a:endParaRPr>
-          </a:p>
-          <a:p>
-            <a:r>
-              <a:rPr lang="hu-HU">
+              <a:t>CAD számítógépek használatát jelenti a termék elképzeléseinek részletes mérnöki tervezéssé átalakítására.</a:t>
+            </a:r>
+            <a:endParaRPr lang="hu-HU" dirty="0"/>
+          </a:p>
+        </p:txBody>
+      </p:sp>
+      <p:sp>
+        <p:nvSpPr>
+          <p:cNvPr id="4" name="Szövegdoboz 3">
+            <a:extLst>
+              <a:ext uri="{FF2B5EF4-FFF2-40B4-BE49-F238E27FC236}">
+                <a16:creationId xmlns:a16="http://schemas.microsoft.com/office/drawing/2014/main" id="{89AAAC4F-D2C7-6A40-2558-D9FC82460CDE}"/>
+              </a:ext>
+            </a:extLst>
+          </p:cNvPr>
+          <p:cNvSpPr txBox="1"/>
+          <p:nvPr/>
+        </p:nvSpPr>
+        <p:spPr>
+          <a:xfrm>
+            <a:off x="935088" y="3771459"/>
+            <a:ext cx="10901265" cy="954107"/>
+          </a:xfrm>
+          <a:prstGeom prst="rect">
+            <a:avLst/>
+          </a:prstGeom>
+          <a:noFill/>
+        </p:spPr>
+        <p:txBody>
+          <a:bodyPr rot="0" spcFirstLastPara="0" vertOverflow="overflow" horzOverflow="overflow" vert="horz" wrap="square" lIns="91440" tIns="45720" rIns="91440" bIns="45720" numCol="1" spcCol="0" rtlCol="0" fromWordArt="0" anchor="t" anchorCtr="0" forceAA="0" compatLnSpc="1">
+            <a:prstTxWarp prst="textNoShape">
+              <a:avLst/>
+            </a:prstTxWarp>
+            <a:spAutoFit/>
+          </a:bodyPr>
+          <a:lstStyle/>
+          <a:p>
+            <a:pPr marL="457200" indent="-457200">
+              <a:buFont typeface="Arial" panose="020B0604020202020204" pitchFamily="34" charset="0"/>
+              <a:buChar char="•"/>
+            </a:pPr>
+            <a:r>
+              <a:rPr lang="hu-HU" sz="2800" dirty="0">
                 <a:latin typeface="Times New Roman"/>
                 <a:cs typeface="Times New Roman"/>
               </a:rPr>
-              <a:t>NC (</a:t>
-            </a:r>
-            <a:r>
-              <a:rPr lang="hu-HU" err="1">
+              <a:t>CAD olyan folyamatot tartalmaz, mint a geometriai modell meghatározása és a definíció, a felület, a tervezés</a:t>
+            </a:r>
+          </a:p>
+        </p:txBody>
+      </p:sp>
+    </p:spTree>
+    <p:extLst>
+      <p:ext uri="{BB962C8B-B14F-4D97-AF65-F5344CB8AC3E}">
+        <p14:creationId xmlns:p14="http://schemas.microsoft.com/office/powerpoint/2010/main" val="3039181735"/>
+      </p:ext>
+    </p:extLst>
+  </p:cSld>
+  <p:clrMapOvr>
+    <a:masterClrMapping/>
+  </p:clrMapOvr>
+</p:sld>
+</file>
+
+<file path=ppt/slides/slide6.xml><?xml version="1.0" encoding="utf-8"?>
+<p:sld xmlns:a="http://schemas.openxmlformats.org/drawingml/2006/main" xmlns:r="http://schemas.openxmlformats.org/officeDocument/2006/relationships" xmlns:p="http://schemas.openxmlformats.org/presentationml/2006/main">
+  <p:cSld>
+    <p:spTree>
+      <p:nvGrpSpPr>
+        <p:cNvPr id="1" name=""/>
+        <p:cNvGrpSpPr/>
+        <p:nvPr/>
+      </p:nvGrpSpPr>
+      <p:grpSpPr>
+        <a:xfrm>
+          <a:off x="0" y="0"/>
+          <a:ext cx="0" cy="0"/>
+          <a:chOff x="0" y="0"/>
+          <a:chExt cx="0" cy="0"/>
+        </a:xfrm>
+      </p:grpSpPr>
+      <p:sp>
+        <p:nvSpPr>
+          <p:cNvPr id="2" name="Cím 1">
+            <a:extLst>
+              <a:ext uri="{FF2B5EF4-FFF2-40B4-BE49-F238E27FC236}">
+                <a16:creationId xmlns:a16="http://schemas.microsoft.com/office/drawing/2014/main" id="{0F312D00-CDE3-C76D-2F31-5B3FA9027AE5}"/>
+              </a:ext>
+            </a:extLst>
+          </p:cNvPr>
+          <p:cNvSpPr>
+            <a:spLocks noGrp="1"/>
+          </p:cNvSpPr>
+          <p:nvPr>
+            <p:ph type="title"/>
+          </p:nvPr>
+        </p:nvSpPr>
+        <p:spPr>
+          <a:xfrm>
+            <a:off x="595243" y="343037"/>
+            <a:ext cx="10515600" cy="541476"/>
+          </a:xfrm>
+        </p:spPr>
+        <p:txBody>
+          <a:bodyPr>
+            <a:normAutofit/>
+          </a:bodyPr>
+          <a:lstStyle/>
+          <a:p>
+            <a:r>
+              <a:rPr lang="hu-HU" sz="2800" dirty="0">
                 <a:latin typeface="Times New Roman"/>
                 <a:cs typeface="Times New Roman"/>
               </a:rPr>
-              <a:t>numerical</a:t>
-            </a:r>
-            <a:r>
-              <a:rPr lang="hu-HU">
-                <a:latin typeface="Times New Roman"/>
-                <a:cs typeface="Times New Roman"/>
-              </a:rPr>
-              <a:t> </a:t>
-            </a:r>
-            <a:r>
-              <a:rPr lang="hu-HU" err="1">
-                <a:latin typeface="Times New Roman"/>
-                <a:cs typeface="Times New Roman"/>
-              </a:rPr>
-              <a:t>control</a:t>
-            </a:r>
-            <a:r>
-              <a:rPr lang="hu-HU">
-                <a:latin typeface="Times New Roman"/>
-                <a:cs typeface="Times New Roman"/>
-              </a:rPr>
-              <a:t>) gyártóeszközök programozott vezérlésének technológiája</a:t>
-            </a:r>
+              <a:t>Szünetmentes tápegységek:</a:t>
+            </a:r>
+            <a:endParaRPr lang="hu-HU" sz="2800" dirty="0"/>
+          </a:p>
+        </p:txBody>
+      </p:sp>
+      <p:sp>
+        <p:nvSpPr>
+          <p:cNvPr id="3" name="Tartalom helye 2">
+            <a:extLst>
+              <a:ext uri="{FF2B5EF4-FFF2-40B4-BE49-F238E27FC236}">
+                <a16:creationId xmlns:a16="http://schemas.microsoft.com/office/drawing/2014/main" id="{2005ED89-2DBD-61FF-50B7-835E71CE3C34}"/>
+              </a:ext>
+            </a:extLst>
+          </p:cNvPr>
+          <p:cNvSpPr>
+            <a:spLocks noGrp="1"/>
+          </p:cNvSpPr>
+          <p:nvPr>
+            <p:ph idx="1"/>
+          </p:nvPr>
+        </p:nvSpPr>
+        <p:spPr/>
+        <p:txBody>
+          <a:bodyPr/>
+          <a:lstStyle/>
+          <a:p>
             <a:endParaRPr lang="hu-HU"/>
-          </a:p>
-          <a:p>
-            <a:r>
-              <a:rPr lang="hu-HU">
-                <a:latin typeface="Times New Roman"/>
-                <a:cs typeface="Times New Roman"/>
-              </a:rPr>
-              <a:t>gyártócellában működtethető robotok programozása NC gépek részére (szerszámok, munkadarabok kiválasztása, pozicionálása)</a:t>
-            </a:r>
-            <a:endParaRPr lang="hu-HU"/>
-          </a:p>
-          <a:p>
-            <a:r>
-              <a:rPr lang="hu-HU">
-                <a:latin typeface="Times New Roman"/>
-                <a:cs typeface="Times New Roman"/>
-              </a:rPr>
-              <a:t>folyamat-tervezés: az egyes munkalépések meghatározása</a:t>
-            </a:r>
-            <a:endParaRPr lang="hu-HU"/>
-          </a:p>
-          <a:p>
-            <a:endParaRPr lang="hu-HU">
-              <a:ea typeface="Calibri"/>
-              <a:cs typeface="Calibri"/>
-            </a:endParaRPr>
           </a:p>
         </p:txBody>
       </p:sp>
     </p:spTree>
     <p:extLst>
       <p:ext uri="{BB962C8B-B14F-4D97-AF65-F5344CB8AC3E}">
-        <p14:creationId xmlns:p14="http://schemas.microsoft.com/office/powerpoint/2010/main" val="3139856725"/>
+        <p14:creationId xmlns:p14="http://schemas.microsoft.com/office/powerpoint/2010/main" val="744428930"/>
       </p:ext>
     </p:extLst>
   </p:cSld>

--- a/CADCAM.pptx
+++ b/CADCAM.pptx
@@ -11,6 +11,7 @@
     <p:sldId id="259" r:id="rId5"/>
     <p:sldId id="260" r:id="rId6"/>
     <p:sldId id="261" r:id="rId7"/>
+    <p:sldId id="262" r:id="rId8"/>
   </p:sldIdLst>
   <p:sldSz cx="12192000" cy="6858000"/>
   <p:notesSz cx="6858000" cy="9144000"/>
@@ -653,7 +654,7 @@
           <a:p>
             <a:fld id="{846CE7D5-CF57-46EF-B807-FDD0502418D4}" type="datetimeFigureOut">
               <a:rPr lang="en-US" smtClean="0"/>
-              <a:t>10/10/2023</a:t>
+              <a:t>10/16/2023</a:t>
             </a:fld>
             <a:endParaRPr lang="en-US"/>
           </a:p>
@@ -821,7 +822,7 @@
           <a:p>
             <a:fld id="{846CE7D5-CF57-46EF-B807-FDD0502418D4}" type="datetimeFigureOut">
               <a:rPr lang="en-US" smtClean="0"/>
-              <a:t>10/10/2023</a:t>
+              <a:t>10/16/2023</a:t>
             </a:fld>
             <a:endParaRPr lang="en-US"/>
           </a:p>
@@ -999,7 +1000,7 @@
           <a:p>
             <a:fld id="{846CE7D5-CF57-46EF-B807-FDD0502418D4}" type="datetimeFigureOut">
               <a:rPr lang="en-US" smtClean="0"/>
-              <a:t>10/10/2023</a:t>
+              <a:t>10/16/2023</a:t>
             </a:fld>
             <a:endParaRPr lang="en-US"/>
           </a:p>
@@ -1167,7 +1168,7 @@
           <a:p>
             <a:fld id="{846CE7D5-CF57-46EF-B807-FDD0502418D4}" type="datetimeFigureOut">
               <a:rPr lang="en-US" smtClean="0"/>
-              <a:t>10/10/2023</a:t>
+              <a:t>10/16/2023</a:t>
             </a:fld>
             <a:endParaRPr lang="en-US"/>
           </a:p>
@@ -1412,7 +1413,7 @@
           <a:p>
             <a:fld id="{846CE7D5-CF57-46EF-B807-FDD0502418D4}" type="datetimeFigureOut">
               <a:rPr lang="en-US" smtClean="0"/>
-              <a:t>10/10/2023</a:t>
+              <a:t>10/16/2023</a:t>
             </a:fld>
             <a:endParaRPr lang="en-US"/>
           </a:p>
@@ -1641,7 +1642,7 @@
           <a:p>
             <a:fld id="{846CE7D5-CF57-46EF-B807-FDD0502418D4}" type="datetimeFigureOut">
               <a:rPr lang="en-US" smtClean="0"/>
-              <a:t>10/10/2023</a:t>
+              <a:t>10/16/2023</a:t>
             </a:fld>
             <a:endParaRPr lang="en-US"/>
           </a:p>
@@ -2005,7 +2006,7 @@
           <a:p>
             <a:fld id="{846CE7D5-CF57-46EF-B807-FDD0502418D4}" type="datetimeFigureOut">
               <a:rPr lang="en-US" smtClean="0"/>
-              <a:t>10/10/2023</a:t>
+              <a:t>10/16/2023</a:t>
             </a:fld>
             <a:endParaRPr lang="en-US"/>
           </a:p>
@@ -2122,7 +2123,7 @@
           <a:p>
             <a:fld id="{846CE7D5-CF57-46EF-B807-FDD0502418D4}" type="datetimeFigureOut">
               <a:rPr lang="en-US" smtClean="0"/>
-              <a:t>10/10/2023</a:t>
+              <a:t>10/16/2023</a:t>
             </a:fld>
             <a:endParaRPr lang="en-US"/>
           </a:p>
@@ -2217,7 +2218,7 @@
           <a:p>
             <a:fld id="{846CE7D5-CF57-46EF-B807-FDD0502418D4}" type="datetimeFigureOut">
               <a:rPr lang="en-US" smtClean="0"/>
-              <a:t>10/10/2023</a:t>
+              <a:t>10/16/2023</a:t>
             </a:fld>
             <a:endParaRPr lang="en-US"/>
           </a:p>
@@ -2492,7 +2493,7 @@
           <a:p>
             <a:fld id="{846CE7D5-CF57-46EF-B807-FDD0502418D4}" type="datetimeFigureOut">
               <a:rPr lang="en-US" smtClean="0"/>
-              <a:t>10/10/2023</a:t>
+              <a:t>10/16/2023</a:t>
             </a:fld>
             <a:endParaRPr lang="en-US"/>
           </a:p>
@@ -2747,7 +2748,7 @@
           <a:p>
             <a:fld id="{846CE7D5-CF57-46EF-B807-FDD0502418D4}" type="datetimeFigureOut">
               <a:rPr lang="en-US" smtClean="0"/>
-              <a:t>10/10/2023</a:t>
+              <a:t>10/16/2023</a:t>
             </a:fld>
             <a:endParaRPr lang="en-US"/>
           </a:p>
@@ -2958,7 +2959,7 @@
           <a:p>
             <a:fld id="{846CE7D5-CF57-46EF-B807-FDD0502418D4}" type="datetimeFigureOut">
               <a:rPr lang="en-US" smtClean="0"/>
-              <a:t>10/10/2023</a:t>
+              <a:t>10/16/2023</a:t>
             </a:fld>
             <a:endParaRPr lang="en-US"/>
           </a:p>
@@ -3386,12 +3387,15 @@
           <a:p>
             <a:r>
               <a:rPr lang="hu-HU">
+                <a:latin typeface="+mn-lt"/>
                 <a:ea typeface="Calibri Light"/>
                 <a:cs typeface="Calibri Light"/>
               </a:rPr>
               <a:t>CAD/CAM rendszerek</a:t>
             </a:r>
-            <a:endParaRPr lang="hu-HU"/>
+            <a:endParaRPr lang="hu-HU">
+              <a:latin typeface="+mn-lt"/>
+            </a:endParaRPr>
           </a:p>
         </p:txBody>
       </p:sp>
@@ -3482,9 +3486,7 @@
           <a:lstStyle/>
           <a:p>
             <a:r>
-              <a:rPr lang="hu-HU" sz="2800" dirty="0">
-                <a:latin typeface="Times New Roman"/>
-              </a:rPr>
+              <a:rPr lang="hu-HU" sz="2800" dirty="0"/>
               <a:t>Feladata:</a:t>
             </a:r>
             <a:endParaRPr lang="hu-HU" dirty="0"/>
@@ -3527,9 +3529,7 @@
               <a:buChar char="•"/>
             </a:pPr>
             <a:r>
-              <a:rPr lang="hu-HU" sz="2800">
-                <a:latin typeface="Times New Roman"/>
-              </a:rPr>
+              <a:rPr lang="hu-HU" sz="2800"/>
               <a:t>tervezők és technológusok támogatása</a:t>
             </a:r>
             <a:endParaRPr lang="hu-HU">
@@ -3574,9 +3574,7 @@
               <a:buChar char="•"/>
             </a:pPr>
             <a:r>
-              <a:rPr lang="hu-HU" sz="2800" dirty="0">
-                <a:latin typeface="Times New Roman"/>
-              </a:rPr>
+              <a:rPr lang="hu-HU" sz="2800" dirty="0"/>
               <a:t>biztosítaniuk kell egy geometriai modellt, mellyel az üzemi feladatok megoldhatók</a:t>
             </a:r>
             <a:endParaRPr lang="hu-HU" dirty="0">
@@ -3621,14 +3619,11 @@
               <a:buChar char="•"/>
             </a:pPr>
             <a:r>
+              <a:rPr lang="hu-HU" sz="2800"/>
+              <a:t>létre kell hozniuk, egy az üzemi berendezések számára érthető kódrendszerben leírt technológiát.</a:t>
+            </a:r>
+            <a:r>
               <a:rPr lang="hu-HU" sz="2800">
-                <a:latin typeface="Times New Roman"/>
-              </a:rPr>
-              <a:t>létre kell hozniuk, egy az üzemi berendezések számára érthető kódrendszerben leírt technológiát.</a:t>
-            </a:r>
-            <a:r>
-              <a:rPr lang="hu-HU" sz="2800">
-                <a:latin typeface="Times New Roman"/>
                 <a:cs typeface="Times New Roman"/>
               </a:rPr>
               <a:t>​</a:t>
@@ -3699,41 +3694,41 @@
           <a:p>
             <a:r>
               <a:rPr lang="hu-HU" sz="2800" dirty="0">
-                <a:latin typeface="Times New Roman"/>
+                <a:latin typeface="+mn-lt"/>
                 <a:cs typeface="Calibri Light"/>
               </a:rPr>
               <a:t>CAD </a:t>
             </a:r>
             <a:r>
               <a:rPr lang="hu-HU" sz="2800" dirty="0">
-                <a:latin typeface="Times New Roman"/>
+                <a:latin typeface="+mn-lt"/>
                 <a:cs typeface="Times New Roman"/>
               </a:rPr>
               <a:t>(Computer </a:t>
             </a:r>
             <a:r>
               <a:rPr lang="hu-HU" sz="2800" dirty="0" err="1">
-                <a:latin typeface="Times New Roman"/>
+                <a:latin typeface="+mn-lt"/>
                 <a:cs typeface="Times New Roman"/>
               </a:rPr>
               <a:t>Aided</a:t>
             </a:r>
             <a:r>
               <a:rPr lang="hu-HU" sz="2800" dirty="0">
-                <a:latin typeface="Times New Roman"/>
+                <a:latin typeface="+mn-lt"/>
                 <a:cs typeface="Times New Roman"/>
               </a:rPr>
               <a:t> Design)</a:t>
             </a:r>
             <a:r>
               <a:rPr lang="hu-HU" sz="2800" dirty="0">
-                <a:latin typeface="Times New Roman"/>
+                <a:latin typeface="+mn-lt"/>
                 <a:cs typeface="Calibri Light"/>
               </a:rPr>
               <a:t>:</a:t>
             </a:r>
             <a:endParaRPr lang="hu-HU" sz="2800" dirty="0">
-              <a:latin typeface="Times New Roman"/>
+              <a:latin typeface="+mn-lt"/>
             </a:endParaRPr>
           </a:p>
         </p:txBody>
@@ -3768,7 +3763,6 @@
           <a:p>
             <a:r>
               <a:rPr lang="hu-HU" dirty="0">
-                <a:latin typeface="Times New Roman"/>
                 <a:cs typeface="Times New Roman"/>
               </a:rPr>
               <a:t>alapvető szerepe a geometria definiálása (számítógépes rajzolás)</a:t>
@@ -3813,7 +3807,6 @@
             </a:pPr>
             <a:r>
               <a:rPr lang="hu-HU" sz="2800" dirty="0">
-                <a:latin typeface="Times New Roman"/>
                 <a:cs typeface="Times New Roman"/>
               </a:rPr>
               <a:t>a geometria felhasználható a további CAM, CAE tevékenységekhez (időmegtakarítás)</a:t>
@@ -3861,7 +3854,6 @@
             </a:pPr>
             <a:r>
               <a:rPr lang="hu-HU" sz="2800" dirty="0">
-                <a:latin typeface="Times New Roman"/>
                 <a:cs typeface="Times New Roman"/>
               </a:rPr>
               <a:t>számítógéppel segített tervezés</a:t>
@@ -3932,35 +3924,35 @@
           <a:p>
             <a:r>
               <a:rPr lang="hu-HU" sz="2800" dirty="0">
-                <a:latin typeface="Times New Roman"/>
+                <a:latin typeface="+mn-lt"/>
                 <a:cs typeface="Times New Roman"/>
               </a:rPr>
               <a:t>CAM (Computer </a:t>
             </a:r>
             <a:r>
               <a:rPr lang="hu-HU" sz="2800" dirty="0" err="1">
-                <a:latin typeface="Times New Roman"/>
+                <a:latin typeface="+mn-lt"/>
                 <a:cs typeface="Times New Roman"/>
               </a:rPr>
               <a:t>Aided</a:t>
             </a:r>
             <a:r>
               <a:rPr lang="hu-HU" sz="2800" dirty="0">
-                <a:latin typeface="Times New Roman"/>
+                <a:latin typeface="+mn-lt"/>
                 <a:cs typeface="Times New Roman"/>
               </a:rPr>
               <a:t> </a:t>
             </a:r>
             <a:r>
               <a:rPr lang="hu-HU" sz="2800" dirty="0" err="1">
-                <a:latin typeface="Times New Roman"/>
+                <a:latin typeface="+mn-lt"/>
                 <a:cs typeface="Times New Roman"/>
               </a:rPr>
               <a:t>Manufacturing</a:t>
             </a:r>
             <a:r>
               <a:rPr lang="hu-HU" sz="2800" dirty="0">
-                <a:latin typeface="Times New Roman"/>
+                <a:latin typeface="+mn-lt"/>
                 <a:cs typeface="Times New Roman"/>
               </a:rPr>
               <a:t>):</a:t>
@@ -4005,7 +3997,6 @@
             </a:pPr>
             <a:r>
               <a:rPr lang="hu-HU" sz="2800" dirty="0">
-                <a:latin typeface="Times New Roman"/>
                 <a:cs typeface="Times New Roman"/>
               </a:rPr>
               <a:t>számítógéppel segített gyártás (gyártási folyamatok tervezése)</a:t>
@@ -4096,7 +4087,6 @@
             </a:pPr>
             <a:r>
               <a:rPr lang="hu-HU" sz="2800" dirty="0">
-                <a:latin typeface="Times New Roman"/>
                 <a:cs typeface="Times New Roman"/>
               </a:rPr>
               <a:t>gyártócellában működtethető robotok programozása NC gépek részére</a:t>
@@ -4144,7 +4134,6 @@
             </a:pPr>
             <a:r>
               <a:rPr lang="hu-HU" sz="2800" dirty="0">
-                <a:latin typeface="Times New Roman"/>
                 <a:cs typeface="Times New Roman"/>
               </a:rPr>
               <a:t>folyamat-tervezés</a:t>
@@ -4215,12 +4204,14 @@
           <a:p>
             <a:r>
               <a:rPr lang="hu-HU" sz="2800" dirty="0">
-                <a:latin typeface="Times New Roman"/>
+                <a:latin typeface="+mn-lt"/>
                 <a:cs typeface="Times New Roman"/>
               </a:rPr>
               <a:t>A különbség a CAD és a CAM között:</a:t>
             </a:r>
-            <a:endParaRPr lang="hu-HU" sz="2800" dirty="0"/>
+            <a:endParaRPr lang="hu-HU" sz="2800" dirty="0">
+              <a:latin typeface="+mn-lt"/>
+            </a:endParaRPr>
           </a:p>
         </p:txBody>
       </p:sp>
@@ -4254,7 +4245,6 @@
           <a:p>
             <a:r>
               <a:rPr lang="hu-HU" dirty="0">
-                <a:latin typeface="Times New Roman"/>
                 <a:cs typeface="Times New Roman"/>
               </a:rPr>
               <a:t>CAD számítógépek használatát jelenti a termék elképzeléseinek részletes mérnöki tervezéssé átalakítására.</a:t>
@@ -4300,7 +4290,6 @@
             </a:pPr>
             <a:r>
               <a:rPr lang="hu-HU" sz="2800" dirty="0">
-                <a:latin typeface="Times New Roman"/>
                 <a:cs typeface="Times New Roman"/>
               </a:rPr>
               <a:t>CAD olyan folyamatot tartalmaz, mint a geometriai modell meghatározása és a definíció, a felület, a tervezés</a:t>
@@ -4368,37 +4357,131 @@
           <a:p>
             <a:r>
               <a:rPr lang="hu-HU" sz="2800" dirty="0">
-                <a:latin typeface="Times New Roman"/>
+                <a:latin typeface="+mn-lt"/>
                 <a:cs typeface="Times New Roman"/>
               </a:rPr>
               <a:t>Szünetmentes tápegységek:</a:t>
             </a:r>
+            <a:endParaRPr lang="hu-HU" sz="2800" dirty="0">
+              <a:latin typeface="+mn-lt"/>
+            </a:endParaRPr>
+          </a:p>
+        </p:txBody>
+      </p:sp>
+      <p:sp>
+        <p:nvSpPr>
+          <p:cNvPr id="4" name="Szövegdoboz 3"/>
+          <p:cNvSpPr txBox="1"/>
+          <p:nvPr/>
+        </p:nvSpPr>
+        <p:spPr>
+          <a:xfrm>
+            <a:off x="1283109" y="1607575"/>
+            <a:ext cx="7905136" cy="523220"/>
+          </a:xfrm>
+          <a:prstGeom prst="rect">
+            <a:avLst/>
+          </a:prstGeom>
+          <a:noFill/>
+        </p:spPr>
+        <p:txBody>
+          <a:bodyPr wrap="square" rtlCol="0">
+            <a:spAutoFit/>
+          </a:bodyPr>
+          <a:lstStyle/>
+          <a:p>
+            <a:pPr marL="285750" indent="-285750">
+              <a:buFont typeface="Arial" panose="020B0604020202020204" pitchFamily="34" charset="0"/>
+              <a:buChar char="•"/>
+            </a:pPr>
+            <a:r>
+              <a:rPr lang="hu-HU" sz="2800" dirty="0"/>
+              <a:t>Hirtelen áramkimaradás esetén bekapcsolva marad </a:t>
+            </a:r>
             <a:endParaRPr lang="hu-HU" sz="2800" dirty="0"/>
           </a:p>
         </p:txBody>
       </p:sp>
       <p:sp>
         <p:nvSpPr>
-          <p:cNvPr id="3" name="Tartalom helye 2">
-            <a:extLst>
-              <a:ext uri="{FF2B5EF4-FFF2-40B4-BE49-F238E27FC236}">
-                <a16:creationId xmlns:a16="http://schemas.microsoft.com/office/drawing/2014/main" id="{2005ED89-2DBD-61FF-50B7-835E71CE3C34}"/>
-              </a:ext>
-            </a:extLst>
-          </p:cNvPr>
-          <p:cNvSpPr>
-            <a:spLocks noGrp="1"/>
-          </p:cNvSpPr>
-          <p:nvPr>
-            <p:ph idx="1"/>
-          </p:nvPr>
-        </p:nvSpPr>
-        <p:spPr/>
-        <p:txBody>
-          <a:bodyPr/>
-          <a:lstStyle/>
-          <a:p>
-            <a:endParaRPr lang="hu-HU"/>
+          <p:cNvPr id="5" name="Szövegdoboz 4"/>
+          <p:cNvSpPr txBox="1"/>
+          <p:nvPr/>
+        </p:nvSpPr>
+        <p:spPr>
+          <a:xfrm>
+            <a:off x="1253613" y="3126659"/>
+            <a:ext cx="7934632" cy="523220"/>
+          </a:xfrm>
+          <a:prstGeom prst="rect">
+            <a:avLst/>
+          </a:prstGeom>
+          <a:noFill/>
+        </p:spPr>
+        <p:txBody>
+          <a:bodyPr wrap="square" rtlCol="0">
+            <a:spAutoFit/>
+          </a:bodyPr>
+          <a:lstStyle/>
+          <a:p>
+            <a:pPr marL="285750" lvl="0" indent="-285750">
+              <a:buFont typeface="Arial" panose="020B0604020202020204" pitchFamily="34" charset="0"/>
+              <a:buChar char="•"/>
+            </a:pPr>
+            <a:r>
+              <a:rPr lang="hu-HU" sz="2800" dirty="0" err="1"/>
+              <a:t>T</a:t>
+            </a:r>
+            <a:r>
+              <a:rPr lang="hu-HU" sz="2800" dirty="0" err="1" smtClean="0"/>
+              <a:t>úlfeszűltség</a:t>
+            </a:r>
+            <a:r>
+              <a:rPr lang="hu-HU" sz="2800" dirty="0" smtClean="0"/>
+              <a:t> </a:t>
+            </a:r>
+            <a:r>
+              <a:rPr lang="hu-HU" sz="2800" dirty="0"/>
+              <a:t>védő</a:t>
+            </a:r>
+          </a:p>
+        </p:txBody>
+      </p:sp>
+      <p:sp>
+        <p:nvSpPr>
+          <p:cNvPr id="6" name="Szövegdoboz 5"/>
+          <p:cNvSpPr txBox="1"/>
+          <p:nvPr/>
+        </p:nvSpPr>
+        <p:spPr>
+          <a:xfrm>
+            <a:off x="1283109" y="4645743"/>
+            <a:ext cx="6828504" cy="523220"/>
+          </a:xfrm>
+          <a:prstGeom prst="rect">
+            <a:avLst/>
+          </a:prstGeom>
+          <a:noFill/>
+        </p:spPr>
+        <p:txBody>
+          <a:bodyPr wrap="square" rtlCol="0">
+            <a:spAutoFit/>
+          </a:bodyPr>
+          <a:lstStyle/>
+          <a:p>
+            <a:pPr marL="285750" indent="-285750">
+              <a:buFont typeface="Arial" panose="020B0604020202020204" pitchFamily="34" charset="0"/>
+              <a:buChar char="•"/>
+            </a:pPr>
+            <a:r>
+              <a:rPr lang="hu-HU" sz="2800" dirty="0" err="1"/>
+              <a:t>Hosszabítóként</a:t>
+            </a:r>
+            <a:r>
+              <a:rPr lang="hu-HU" sz="2800" dirty="0"/>
+              <a:t> is használható</a:t>
+            </a:r>
+            <a:endParaRPr lang="hu-HU" sz="2800" dirty="0"/>
           </a:p>
         </p:txBody>
       </p:sp>
@@ -4406,6 +4489,240 @@
     <p:extLst>
       <p:ext uri="{BB962C8B-B14F-4D97-AF65-F5344CB8AC3E}">
         <p14:creationId xmlns:p14="http://schemas.microsoft.com/office/powerpoint/2010/main" val="744428930"/>
+      </p:ext>
+    </p:extLst>
+  </p:cSld>
+  <p:clrMapOvr>
+    <a:masterClrMapping/>
+  </p:clrMapOvr>
+</p:sld>
+</file>
+
+<file path=ppt/slides/slide7.xml><?xml version="1.0" encoding="utf-8"?>
+<p:sld xmlns:a="http://schemas.openxmlformats.org/drawingml/2006/main" xmlns:r="http://schemas.openxmlformats.org/officeDocument/2006/relationships" xmlns:p="http://schemas.openxmlformats.org/presentationml/2006/main">
+  <p:cSld>
+    <p:spTree>
+      <p:nvGrpSpPr>
+        <p:cNvPr id="1" name=""/>
+        <p:cNvGrpSpPr/>
+        <p:nvPr/>
+      </p:nvGrpSpPr>
+      <p:grpSpPr>
+        <a:xfrm>
+          <a:off x="0" y="0"/>
+          <a:ext cx="0" cy="0"/>
+          <a:chOff x="0" y="0"/>
+          <a:chExt cx="0" cy="0"/>
+        </a:xfrm>
+      </p:grpSpPr>
+      <p:sp>
+        <p:nvSpPr>
+          <p:cNvPr id="4" name="Szövegdoboz 3"/>
+          <p:cNvSpPr txBox="1"/>
+          <p:nvPr/>
+        </p:nvSpPr>
+        <p:spPr>
+          <a:xfrm>
+            <a:off x="619432" y="339213"/>
+            <a:ext cx="1533833" cy="523220"/>
+          </a:xfrm>
+          <a:prstGeom prst="rect">
+            <a:avLst/>
+          </a:prstGeom>
+          <a:noFill/>
+        </p:spPr>
+        <p:txBody>
+          <a:bodyPr wrap="square" rtlCol="0">
+            <a:spAutoFit/>
+          </a:bodyPr>
+          <a:lstStyle/>
+          <a:p>
+            <a:r>
+              <a:rPr lang="hu-HU" sz="2800" dirty="0" smtClean="0"/>
+              <a:t>Típusai:</a:t>
+            </a:r>
+            <a:endParaRPr lang="hu-HU" sz="2800" dirty="0"/>
+          </a:p>
+        </p:txBody>
+      </p:sp>
+      <p:sp>
+        <p:nvSpPr>
+          <p:cNvPr id="5" name="Szövegdoboz 4"/>
+          <p:cNvSpPr txBox="1"/>
+          <p:nvPr/>
+        </p:nvSpPr>
+        <p:spPr>
+          <a:xfrm>
+            <a:off x="1283110" y="1076632"/>
+            <a:ext cx="8229600" cy="523220"/>
+          </a:xfrm>
+          <a:prstGeom prst="rect">
+            <a:avLst/>
+          </a:prstGeom>
+          <a:noFill/>
+        </p:spPr>
+        <p:txBody>
+          <a:bodyPr wrap="square" rtlCol="0">
+            <a:spAutoFit/>
+          </a:bodyPr>
+          <a:lstStyle/>
+          <a:p>
+            <a:r>
+              <a:rPr lang="hu-HU" sz="2800" dirty="0"/>
+              <a:t>Offline (</a:t>
+            </a:r>
+            <a:r>
+              <a:rPr lang="hu-HU" sz="2800" dirty="0" err="1"/>
+              <a:t>Standby</a:t>
+            </a:r>
+            <a:r>
+              <a:rPr lang="hu-HU" sz="2800" dirty="0"/>
+              <a:t>) </a:t>
+            </a:r>
+            <a:r>
+              <a:rPr lang="hu-HU" sz="2800" dirty="0" smtClean="0"/>
+              <a:t>UPS</a:t>
+            </a:r>
+            <a:endParaRPr lang="hu-HU" sz="2800" dirty="0"/>
+          </a:p>
+        </p:txBody>
+      </p:sp>
+      <p:sp>
+        <p:nvSpPr>
+          <p:cNvPr id="6" name="Szövegdoboz 5"/>
+          <p:cNvSpPr txBox="1"/>
+          <p:nvPr/>
+        </p:nvSpPr>
+        <p:spPr>
+          <a:xfrm>
+            <a:off x="1932038" y="2005781"/>
+            <a:ext cx="8583561" cy="954107"/>
+          </a:xfrm>
+          <a:prstGeom prst="rect">
+            <a:avLst/>
+          </a:prstGeom>
+          <a:noFill/>
+        </p:spPr>
+        <p:txBody>
+          <a:bodyPr wrap="square" rtlCol="0">
+            <a:spAutoFit/>
+          </a:bodyPr>
+          <a:lstStyle/>
+          <a:p>
+            <a:pPr marL="285750" indent="-285750">
+              <a:buFont typeface="Arial" panose="020B0604020202020204" pitchFamily="34" charset="0"/>
+              <a:buChar char="•"/>
+            </a:pPr>
+            <a:r>
+              <a:rPr lang="hu-HU" sz="2800" dirty="0"/>
+              <a:t>Feltölti az akkumulátort az eszköz házában</a:t>
+            </a:r>
+          </a:p>
+          <a:p>
+            <a:pPr marL="285750" indent="-285750">
+              <a:buFont typeface="Arial" panose="020B0604020202020204" pitchFamily="34" charset="0"/>
+              <a:buChar char="•"/>
+            </a:pPr>
+            <a:endParaRPr lang="hu-HU" sz="2800" dirty="0"/>
+          </a:p>
+        </p:txBody>
+      </p:sp>
+      <p:sp>
+        <p:nvSpPr>
+          <p:cNvPr id="7" name="Szövegdoboz 6"/>
+          <p:cNvSpPr txBox="1"/>
+          <p:nvPr/>
+        </p:nvSpPr>
+        <p:spPr>
+          <a:xfrm>
+            <a:off x="1932038" y="3365817"/>
+            <a:ext cx="9542206" cy="954107"/>
+          </a:xfrm>
+          <a:prstGeom prst="rect">
+            <a:avLst/>
+          </a:prstGeom>
+          <a:noFill/>
+        </p:spPr>
+        <p:txBody>
+          <a:bodyPr wrap="square" rtlCol="0">
+            <a:spAutoFit/>
+          </a:bodyPr>
+          <a:lstStyle/>
+          <a:p>
+            <a:pPr marL="285750" indent="-285750">
+              <a:buFont typeface="Arial" panose="020B0604020202020204" pitchFamily="34" charset="0"/>
+              <a:buChar char="•"/>
+            </a:pPr>
+            <a:r>
+              <a:rPr lang="hu-HU" sz="2800" dirty="0"/>
+              <a:t>Ha a hálózati áram </a:t>
+            </a:r>
+            <a:r>
+              <a:rPr lang="hu-HU" sz="2800" dirty="0" err="1"/>
+              <a:t>kimerül,átkapcsolódik</a:t>
+            </a:r>
+            <a:r>
+              <a:rPr lang="hu-HU" sz="2800" dirty="0"/>
+              <a:t> az akkumulátor </a:t>
+            </a:r>
+            <a:r>
+              <a:rPr lang="hu-HU" sz="2800" dirty="0" smtClean="0"/>
+              <a:t>tartalékra</a:t>
+            </a:r>
+            <a:endParaRPr lang="hu-HU" sz="2800" dirty="0"/>
+          </a:p>
+        </p:txBody>
+      </p:sp>
+      <p:sp>
+        <p:nvSpPr>
+          <p:cNvPr id="8" name="Szövegdoboz 7"/>
+          <p:cNvSpPr txBox="1"/>
+          <p:nvPr/>
+        </p:nvSpPr>
+        <p:spPr>
+          <a:xfrm>
+            <a:off x="1932038" y="5088194"/>
+            <a:ext cx="8539316" cy="523220"/>
+          </a:xfrm>
+          <a:prstGeom prst="rect">
+            <a:avLst/>
+          </a:prstGeom>
+          <a:noFill/>
+        </p:spPr>
+        <p:txBody>
+          <a:bodyPr wrap="square" rtlCol="0">
+            <a:spAutoFit/>
+          </a:bodyPr>
+          <a:lstStyle/>
+          <a:p>
+            <a:pPr marL="285750" indent="-285750">
+              <a:buFont typeface="Arial" panose="020B0604020202020204" pitchFamily="34" charset="0"/>
+              <a:buChar char="•"/>
+            </a:pPr>
+            <a:r>
+              <a:rPr lang="hu-HU" sz="2800" dirty="0"/>
+              <a:t>20-100 </a:t>
+            </a:r>
+            <a:r>
+              <a:rPr lang="hu-HU" sz="2800" dirty="0" err="1"/>
+              <a:t>ms-ot</a:t>
+            </a:r>
+            <a:r>
+              <a:rPr lang="hu-HU" sz="2800" dirty="0"/>
+              <a:t> vesz ez </a:t>
+            </a:r>
+            <a:r>
+              <a:rPr lang="hu-HU" sz="2800" dirty="0" smtClean="0"/>
+              <a:t>igénybe</a:t>
+            </a:r>
+            <a:endParaRPr lang="hu-HU" sz="2800" dirty="0"/>
+          </a:p>
+        </p:txBody>
+      </p:sp>
+    </p:spTree>
+    <p:extLst>
+      <p:ext uri="{BB962C8B-B14F-4D97-AF65-F5344CB8AC3E}">
+        <p14:creationId xmlns:p14="http://schemas.microsoft.com/office/powerpoint/2010/main" val="2292955894"/>
       </p:ext>
     </p:extLst>
   </p:cSld>

--- a/CADCAM.pptx
+++ b/CADCAM.pptx
@@ -8,23 +8,24 @@
     <p:sldId id="256" r:id="rId2"/>
     <p:sldId id="257" r:id="rId3"/>
     <p:sldId id="258" r:id="rId4"/>
-    <p:sldId id="259" r:id="rId5"/>
-    <p:sldId id="260" r:id="rId6"/>
-    <p:sldId id="261" r:id="rId7"/>
-    <p:sldId id="262" r:id="rId8"/>
-    <p:sldId id="263" r:id="rId9"/>
-    <p:sldId id="264" r:id="rId10"/>
-    <p:sldId id="265" r:id="rId11"/>
+    <p:sldId id="263" r:id="rId5"/>
+    <p:sldId id="259" r:id="rId6"/>
+    <p:sldId id="260" r:id="rId7"/>
+    <p:sldId id="261" r:id="rId8"/>
+    <p:sldId id="262" r:id="rId9"/>
+    <p:sldId id="277" r:id="rId10"/>
+    <p:sldId id="278" r:id="rId11"/>
     <p:sldId id="266" r:id="rId12"/>
     <p:sldId id="267" r:id="rId13"/>
     <p:sldId id="268" r:id="rId14"/>
     <p:sldId id="269" r:id="rId15"/>
-    <p:sldId id="270" r:id="rId16"/>
-    <p:sldId id="271" r:id="rId17"/>
-    <p:sldId id="272" r:id="rId18"/>
-    <p:sldId id="273" r:id="rId19"/>
-    <p:sldId id="274" r:id="rId20"/>
-    <p:sldId id="275" r:id="rId21"/>
+    <p:sldId id="271" r:id="rId16"/>
+    <p:sldId id="279" r:id="rId17"/>
+    <p:sldId id="280" r:id="rId18"/>
+    <p:sldId id="281" r:id="rId19"/>
+    <p:sldId id="282" r:id="rId20"/>
+    <p:sldId id="283" r:id="rId21"/>
+    <p:sldId id="276" r:id="rId22"/>
   </p:sldIdLst>
   <p:sldSz cx="12192000" cy="6858000"/>
   <p:notesSz cx="6858000" cy="9144000"/>
@@ -667,7 +668,7 @@
           <a:p>
             <a:fld id="{846CE7D5-CF57-46EF-B807-FDD0502418D4}" type="datetimeFigureOut">
               <a:rPr lang="en-US" smtClean="0"/>
-              <a:t>11/13/2023</a:t>
+              <a:t>11/14/2023</a:t>
             </a:fld>
             <a:endParaRPr lang="en-US"/>
           </a:p>
@@ -835,7 +836,7 @@
           <a:p>
             <a:fld id="{846CE7D5-CF57-46EF-B807-FDD0502418D4}" type="datetimeFigureOut">
               <a:rPr lang="en-US" smtClean="0"/>
-              <a:t>11/13/2023</a:t>
+              <a:t>11/14/2023</a:t>
             </a:fld>
             <a:endParaRPr lang="en-US"/>
           </a:p>
@@ -1013,7 +1014,7 @@
           <a:p>
             <a:fld id="{846CE7D5-CF57-46EF-B807-FDD0502418D4}" type="datetimeFigureOut">
               <a:rPr lang="en-US" smtClean="0"/>
-              <a:t>11/13/2023</a:t>
+              <a:t>11/14/2023</a:t>
             </a:fld>
             <a:endParaRPr lang="en-US"/>
           </a:p>
@@ -1181,7 +1182,7 @@
           <a:p>
             <a:fld id="{846CE7D5-CF57-46EF-B807-FDD0502418D4}" type="datetimeFigureOut">
               <a:rPr lang="en-US" smtClean="0"/>
-              <a:t>11/13/2023</a:t>
+              <a:t>11/14/2023</a:t>
             </a:fld>
             <a:endParaRPr lang="en-US"/>
           </a:p>
@@ -1426,7 +1427,7 @@
           <a:p>
             <a:fld id="{846CE7D5-CF57-46EF-B807-FDD0502418D4}" type="datetimeFigureOut">
               <a:rPr lang="en-US" smtClean="0"/>
-              <a:t>11/13/2023</a:t>
+              <a:t>11/14/2023</a:t>
             </a:fld>
             <a:endParaRPr lang="en-US"/>
           </a:p>
@@ -1655,7 +1656,7 @@
           <a:p>
             <a:fld id="{846CE7D5-CF57-46EF-B807-FDD0502418D4}" type="datetimeFigureOut">
               <a:rPr lang="en-US" smtClean="0"/>
-              <a:t>11/13/2023</a:t>
+              <a:t>11/14/2023</a:t>
             </a:fld>
             <a:endParaRPr lang="en-US"/>
           </a:p>
@@ -2019,7 +2020,7 @@
           <a:p>
             <a:fld id="{846CE7D5-CF57-46EF-B807-FDD0502418D4}" type="datetimeFigureOut">
               <a:rPr lang="en-US" smtClean="0"/>
-              <a:t>11/13/2023</a:t>
+              <a:t>11/14/2023</a:t>
             </a:fld>
             <a:endParaRPr lang="en-US"/>
           </a:p>
@@ -2136,7 +2137,7 @@
           <a:p>
             <a:fld id="{846CE7D5-CF57-46EF-B807-FDD0502418D4}" type="datetimeFigureOut">
               <a:rPr lang="en-US" smtClean="0"/>
-              <a:t>11/13/2023</a:t>
+              <a:t>11/14/2023</a:t>
             </a:fld>
             <a:endParaRPr lang="en-US"/>
           </a:p>
@@ -2231,7 +2232,7 @@
           <a:p>
             <a:fld id="{846CE7D5-CF57-46EF-B807-FDD0502418D4}" type="datetimeFigureOut">
               <a:rPr lang="en-US" smtClean="0"/>
-              <a:t>11/13/2023</a:t>
+              <a:t>11/14/2023</a:t>
             </a:fld>
             <a:endParaRPr lang="en-US"/>
           </a:p>
@@ -2506,7 +2507,7 @@
           <a:p>
             <a:fld id="{846CE7D5-CF57-46EF-B807-FDD0502418D4}" type="datetimeFigureOut">
               <a:rPr lang="en-US" smtClean="0"/>
-              <a:t>11/13/2023</a:t>
+              <a:t>11/14/2023</a:t>
             </a:fld>
             <a:endParaRPr lang="en-US"/>
           </a:p>
@@ -2761,7 +2762,7 @@
           <a:p>
             <a:fld id="{846CE7D5-CF57-46EF-B807-FDD0502418D4}" type="datetimeFigureOut">
               <a:rPr lang="en-US" smtClean="0"/>
-              <a:t>11/13/2023</a:t>
+              <a:t>11/14/2023</a:t>
             </a:fld>
             <a:endParaRPr lang="en-US"/>
           </a:p>
@@ -2826,9 +2827,12 @@
 <p:sldMaster xmlns:a="http://schemas.openxmlformats.org/drawingml/2006/main" xmlns:r="http://schemas.openxmlformats.org/officeDocument/2006/relationships" xmlns:p="http://schemas.openxmlformats.org/presentationml/2006/main">
   <p:cSld>
     <p:bg>
-      <p:bgRef idx="1001">
-        <a:schemeClr val="bg1"/>
-      </p:bgRef>
+      <p:bgPr>
+        <a:solidFill>
+          <a:schemeClr val="tx1"/>
+        </a:solidFill>
+        <a:effectLst/>
+      </p:bgPr>
     </p:bg>
     <p:spTree>
       <p:nvGrpSpPr>
@@ -2972,7 +2976,7 @@
           <a:p>
             <a:fld id="{846CE7D5-CF57-46EF-B807-FDD0502418D4}" type="datetimeFigureOut">
               <a:rPr lang="en-US" smtClean="0"/>
-              <a:t>11/13/2023</a:t>
+              <a:t>11/14/2023</a:t>
             </a:fld>
             <a:endParaRPr lang="en-US"/>
           </a:p>
@@ -3363,6 +3367,14 @@
 <file path=ppt/slides/slide1.xml><?xml version="1.0" encoding="utf-8"?>
 <p:sld xmlns:a="http://schemas.openxmlformats.org/drawingml/2006/main" xmlns:r="http://schemas.openxmlformats.org/officeDocument/2006/relationships" xmlns:p="http://schemas.openxmlformats.org/presentationml/2006/main">
   <p:cSld>
+    <p:bg>
+      <p:bgPr>
+        <a:solidFill>
+          <a:schemeClr val="bg1"/>
+        </a:solidFill>
+        <a:effectLst/>
+      </p:bgPr>
+    </p:bg>
     <p:spTree>
       <p:nvGrpSpPr>
         <p:cNvPr id="1" name=""/>
@@ -3393,21 +3405,38 @@
             <p:ph type="ctrTitle"/>
           </p:nvPr>
         </p:nvSpPr>
-        <p:spPr/>
-        <p:txBody>
-          <a:bodyPr/>
-          <a:lstStyle/>
-          <a:p>
-            <a:r>
-              <a:rPr lang="hu-HU">
-                <a:latin typeface="+mn-lt"/>
-                <a:ea typeface="Calibri Light"/>
-                <a:cs typeface="Calibri Light"/>
+        <p:spPr>
+          <a:xfrm>
+            <a:off x="1524000" y="1978269"/>
+            <a:ext cx="9144000" cy="1531694"/>
+          </a:xfrm>
+        </p:spPr>
+        <p:txBody>
+          <a:bodyPr>
+            <a:normAutofit fontScale="90000"/>
+          </a:bodyPr>
+          <a:lstStyle/>
+          <a:p>
+            <a:r>
+              <a:rPr lang="hu-HU" dirty="0">
+                <a:latin typeface="Cambria" panose="02040503050406030204" pitchFamily="18" charset="0"/>
+                <a:ea typeface="Cambria" panose="02040503050406030204" pitchFamily="18" charset="0"/>
+                <a:cs typeface="Times New Roman" panose="02020603050405020304" pitchFamily="18" charset="0"/>
               </a:rPr>
-              <a:t>CAD/CAM rendszerek</a:t>
-            </a:r>
-            <a:endParaRPr lang="hu-HU">
-              <a:latin typeface="+mn-lt"/>
+              <a:t>CAD/CAM </a:t>
+            </a:r>
+            <a:r>
+              <a:rPr lang="hu-HU" dirty="0" smtClean="0">
+                <a:latin typeface="Cambria" panose="02040503050406030204" pitchFamily="18" charset="0"/>
+                <a:ea typeface="Cambria" panose="02040503050406030204" pitchFamily="18" charset="0"/>
+                <a:cs typeface="Times New Roman" panose="02020603050405020304" pitchFamily="18" charset="0"/>
+              </a:rPr>
+              <a:t>rendszerek és a Szünetmentes Tápegységek</a:t>
+            </a:r>
+            <a:endParaRPr lang="hu-HU" dirty="0">
+              <a:latin typeface="Cambria" panose="02040503050406030204" pitchFamily="18" charset="0"/>
+              <a:ea typeface="Cambria" panose="02040503050406030204" pitchFamily="18" charset="0"/>
+              <a:cs typeface="Times New Roman" panose="02020603050405020304" pitchFamily="18" charset="0"/>
             </a:endParaRPr>
           </a:p>
         </p:txBody>
@@ -3436,27 +3465,27 @@
           <a:lstStyle/>
           <a:p>
             <a:r>
-              <a:rPr lang="hu-HU" dirty="0">
+              <a:rPr lang="hu-HU" dirty="0" smtClean="0">
                 <a:latin typeface="Cambria" panose="02040503050406030204" pitchFamily="18" charset="0"/>
                 <a:ea typeface="Cambria" panose="02040503050406030204" pitchFamily="18" charset="0"/>
               </a:rPr>
               <a:t>Készítette:</a:t>
             </a:r>
             <a:br>
-              <a:rPr lang="hu-HU" dirty="0">
+              <a:rPr lang="hu-HU" dirty="0" smtClean="0">
                 <a:latin typeface="Cambria" panose="02040503050406030204" pitchFamily="18" charset="0"/>
                 <a:ea typeface="Cambria" panose="02040503050406030204" pitchFamily="18" charset="0"/>
               </a:rPr>
             </a:br>
             <a:r>
-              <a:rPr lang="hu-HU" dirty="0" err="1">
+              <a:rPr lang="hu-HU" dirty="0" err="1" smtClean="0">
                 <a:latin typeface="Cambria" panose="02040503050406030204" pitchFamily="18" charset="0"/>
                 <a:ea typeface="Cambria" panose="02040503050406030204" pitchFamily="18" charset="0"/>
               </a:rPr>
               <a:t>Brúnyai</a:t>
             </a:r>
             <a:r>
-              <a:rPr lang="hu-HU" dirty="0">
+              <a:rPr lang="hu-HU" dirty="0" smtClean="0">
                 <a:latin typeface="Cambria" panose="02040503050406030204" pitchFamily="18" charset="0"/>
                 <a:ea typeface="Cambria" panose="02040503050406030204" pitchFamily="18" charset="0"/>
               </a:rPr>
@@ -3465,7 +3494,7 @@
           </a:p>
           <a:p>
             <a:r>
-              <a:rPr lang="hu-HU" dirty="0">
+              <a:rPr lang="hu-HU" dirty="0" smtClean="0">
                 <a:latin typeface="Cambria" panose="02040503050406030204" pitchFamily="18" charset="0"/>
                 <a:ea typeface="Cambria" panose="02040503050406030204" pitchFamily="18" charset="0"/>
               </a:rPr>
@@ -3474,22 +3503,16 @@
           </a:p>
           <a:p>
             <a:r>
-              <a:rPr lang="hu-HU" dirty="0" err="1">
+              <a:rPr lang="hu-HU" dirty="0" smtClean="0">
                 <a:latin typeface="Cambria" panose="02040503050406030204" pitchFamily="18" charset="0"/>
                 <a:ea typeface="Cambria" panose="02040503050406030204" pitchFamily="18" charset="0"/>
               </a:rPr>
-              <a:t>Riazáncev</a:t>
-            </a:r>
-            <a:r>
-              <a:rPr lang="hu-HU" dirty="0">
-                <a:latin typeface="Cambria" panose="02040503050406030204" pitchFamily="18" charset="0"/>
-                <a:ea typeface="Cambria" panose="02040503050406030204" pitchFamily="18" charset="0"/>
-              </a:rPr>
-              <a:t> Csanád</a:t>
-            </a:r>
-          </a:p>
-          <a:p>
-            <a:endParaRPr lang="hu-HU" dirty="0"/>
+              <a:t>Riazáncev Csanád</a:t>
+            </a:r>
+            <a:endParaRPr lang="hu-HU" dirty="0">
+              <a:latin typeface="Cambria" panose="02040503050406030204" pitchFamily="18" charset="0"/>
+              <a:ea typeface="Cambria" panose="02040503050406030204" pitchFamily="18" charset="0"/>
+            </a:endParaRPr>
           </a:p>
         </p:txBody>
       </p:sp>
@@ -3503,12 +3526,35 @@
   <p:clrMapOvr>
     <a:masterClrMapping/>
   </p:clrMapOvr>
+  <mc:AlternateContent xmlns:mc="http://schemas.openxmlformats.org/markup-compatibility/2006">
+    <mc:Choice xmlns:p14="http://schemas.microsoft.com/office/powerpoint/2010/main" Requires="p14">
+      <p:transition p14:dur="0"/>
+    </mc:Choice>
+    <mc:Fallback>
+      <p:transition/>
+    </mc:Fallback>
+  </mc:AlternateContent>
+  <p:timing>
+    <p:tnLst>
+      <p:par>
+        <p:cTn id="1" dur="indefinite" restart="never" nodeType="tmRoot"/>
+      </p:par>
+    </p:tnLst>
+  </p:timing>
 </p:sld>
 </file>
 
 <file path=ppt/slides/slide10.xml><?xml version="1.0" encoding="utf-8"?>
 <p:sld xmlns:a="http://schemas.openxmlformats.org/drawingml/2006/main" xmlns:r="http://schemas.openxmlformats.org/officeDocument/2006/relationships" xmlns:p="http://schemas.openxmlformats.org/presentationml/2006/main">
   <p:cSld>
+    <p:bg>
+      <p:bgPr>
+        <a:solidFill>
+          <a:schemeClr val="bg1"/>
+        </a:solidFill>
+        <a:effectLst/>
+      </p:bgPr>
+    </p:bg>
     <p:spTree>
       <p:nvGrpSpPr>
         <p:cNvPr id="1" name=""/>
@@ -3525,14 +3571,14 @@
       </p:grpSpPr>
       <p:sp>
         <p:nvSpPr>
-          <p:cNvPr id="4" name="Szövegdoboz 3"/>
+          <p:cNvPr id="5" name="Szövegdoboz 4"/>
           <p:cNvSpPr txBox="1"/>
           <p:nvPr/>
         </p:nvSpPr>
         <p:spPr>
           <a:xfrm>
             <a:off x="619432" y="339213"/>
-            <a:ext cx="2101997" cy="523220"/>
+            <a:ext cx="1533833" cy="523220"/>
           </a:xfrm>
           <a:prstGeom prst="rect">
             <a:avLst/>
@@ -3547,7 +3593,7 @@
           <a:p>
             <a:r>
               <a:rPr lang="hu-HU" sz="2800" dirty="0" smtClean="0"/>
-              <a:t>Kialakításai:</a:t>
+              <a:t>Típusai:</a:t>
             </a:r>
             <a:endParaRPr lang="hu-HU" sz="2800" dirty="0"/>
           </a:p>
@@ -3555,14 +3601,14 @@
       </p:sp>
       <p:sp>
         <p:nvSpPr>
-          <p:cNvPr id="11" name="Szövegdoboz 10"/>
+          <p:cNvPr id="4" name="Szövegdoboz 3"/>
           <p:cNvSpPr txBox="1"/>
           <p:nvPr/>
         </p:nvSpPr>
         <p:spPr>
           <a:xfrm>
-            <a:off x="995865" y="1243781"/>
-            <a:ext cx="8583561" cy="2677656"/>
+            <a:off x="619432" y="1006928"/>
+            <a:ext cx="8229600" cy="2246769"/>
           </a:xfrm>
           <a:prstGeom prst="rect">
             <a:avLst/>
@@ -3575,95 +3621,89 @@
           </a:bodyPr>
           <a:lstStyle/>
           <a:p>
-            <a:pPr marL="285750" indent="-285750">
+            <a:r>
+              <a:rPr lang="hu-HU" sz="2800" dirty="0"/>
+              <a:t>O</a:t>
+            </a:r>
+            <a:r>
+              <a:rPr lang="hu-HU" sz="2800" dirty="0" smtClean="0"/>
+              <a:t>nline UPS</a:t>
+            </a:r>
+          </a:p>
+          <a:p>
+            <a:pPr marL="457200" indent="-457200">
               <a:buFont typeface="Arial" panose="020B0604020202020204" pitchFamily="34" charset="0"/>
               <a:buChar char="•"/>
             </a:pPr>
             <a:r>
               <a:rPr lang="hu-HU" sz="2800" dirty="0" smtClean="0"/>
-              <a:t>Asztali és torony</a:t>
-            </a:r>
-          </a:p>
-          <a:p>
-            <a:pPr marL="285750" indent="-285750">
+              <a:t>Stabil</a:t>
+            </a:r>
+          </a:p>
+          <a:p>
+            <a:pPr marL="457200" indent="-457200">
               <a:buFont typeface="Arial" panose="020B0604020202020204" pitchFamily="34" charset="0"/>
               <a:buChar char="•"/>
             </a:pPr>
             <a:r>
+              <a:rPr lang="hu-HU" sz="2800" dirty="0"/>
+              <a:t>Azonos áramellátási minőség, zavaroktól </a:t>
+            </a:r>
+            <a:r>
               <a:rPr lang="hu-HU" sz="2800" dirty="0" smtClean="0"/>
-              <a:t>Falra szerelhető</a:t>
-            </a:r>
-          </a:p>
-          <a:p>
-            <a:pPr marL="285750" indent="-285750">
+              <a:t>függetlenül</a:t>
+            </a:r>
+          </a:p>
+          <a:p>
+            <a:pPr marL="457200" indent="-457200">
               <a:buFont typeface="Arial" panose="020B0604020202020204" pitchFamily="34" charset="0"/>
               <a:buChar char="•"/>
             </a:pPr>
             <a:r>
-              <a:rPr lang="hu-HU" sz="2800" dirty="0" err="1" smtClean="0"/>
-              <a:t>Rack</a:t>
-            </a:r>
-            <a:r>
-              <a:rPr lang="hu-HU" sz="2800" dirty="0" smtClean="0"/>
-              <a:t>-be szerelhető</a:t>
-            </a:r>
-          </a:p>
-          <a:p>
-            <a:pPr marL="285750" indent="-285750">
+              <a:rPr lang="hu-HU" sz="2800" dirty="0"/>
+              <a:t>Tranziens nincs átváltáskor</a:t>
+            </a:r>
+          </a:p>
+          <a:p>
+            <a:pPr marL="457200" indent="-457200">
               <a:buFont typeface="Arial" panose="020B0604020202020204" pitchFamily="34" charset="0"/>
               <a:buChar char="•"/>
             </a:pPr>
-            <a:r>
-              <a:rPr lang="hu-HU" sz="2800" dirty="0" smtClean="0"/>
-              <a:t>2 az 1ben (</a:t>
-            </a:r>
-            <a:r>
-              <a:rPr lang="hu-HU" sz="2800" dirty="0" err="1" smtClean="0"/>
-              <a:t>rackre</a:t>
-            </a:r>
-            <a:r>
-              <a:rPr lang="hu-HU" sz="2800" dirty="0" smtClean="0"/>
-              <a:t> és földre állítható torony)</a:t>
-            </a:r>
-          </a:p>
-          <a:p>
-            <a:pPr marL="285750" indent="-285750">
-              <a:buFont typeface="Arial" panose="020B0604020202020204" pitchFamily="34" charset="0"/>
-              <a:buChar char="•"/>
-            </a:pPr>
-            <a:r>
-              <a:rPr lang="hu-HU" sz="2800" dirty="0" smtClean="0"/>
-              <a:t>Skálázható</a:t>
-            </a:r>
-          </a:p>
-          <a:p>
-            <a:pPr marL="285750" indent="-285750">
-              <a:buFont typeface="Arial" panose="020B0604020202020204" pitchFamily="34" charset="0"/>
-              <a:buChar char="•"/>
-            </a:pPr>
-            <a:r>
-              <a:rPr lang="hu-HU" sz="2800" dirty="0" smtClean="0"/>
-              <a:t>Nagyméretű Torony</a:t>
-            </a:r>
+            <a:endParaRPr lang="hu-HU" sz="2800" dirty="0"/>
           </a:p>
         </p:txBody>
       </p:sp>
     </p:spTree>
     <p:extLst>
       <p:ext uri="{BB962C8B-B14F-4D97-AF65-F5344CB8AC3E}">
-        <p14:creationId xmlns:p14="http://schemas.microsoft.com/office/powerpoint/2010/main" val="3544098582"/>
+        <p14:creationId xmlns:p14="http://schemas.microsoft.com/office/powerpoint/2010/main" val="626338441"/>
       </p:ext>
     </p:extLst>
   </p:cSld>
   <p:clrMapOvr>
     <a:masterClrMapping/>
   </p:clrMapOvr>
+  <p:timing>
+    <p:tnLst>
+      <p:par>
+        <p:cTn id="1" dur="indefinite" restart="never" nodeType="tmRoot"/>
+      </p:par>
+    </p:tnLst>
+  </p:timing>
 </p:sld>
 </file>
 
 <file path=ppt/slides/slide11.xml><?xml version="1.0" encoding="utf-8"?>
 <p:sld xmlns:a="http://schemas.openxmlformats.org/drawingml/2006/main" xmlns:r="http://schemas.openxmlformats.org/officeDocument/2006/relationships" xmlns:p="http://schemas.openxmlformats.org/presentationml/2006/main">
   <p:cSld>
+    <p:bg>
+      <p:bgPr>
+        <a:solidFill>
+          <a:schemeClr val="bg1"/>
+        </a:solidFill>
+        <a:effectLst/>
+      </p:bgPr>
+    </p:bg>
     <p:spTree>
       <p:nvGrpSpPr>
         <p:cNvPr id="1" name=""/>
@@ -3702,7 +3742,7 @@
           <a:p>
             <a:r>
               <a:rPr lang="hu-HU" sz="2800" dirty="0" smtClean="0"/>
-              <a:t>Fogyasztás:</a:t>
+              <a:t>Kialakításai:</a:t>
             </a:r>
             <a:endParaRPr lang="hu-HU" sz="2800" dirty="0"/>
           </a:p>
@@ -3717,7 +3757,7 @@
         <p:spPr>
           <a:xfrm>
             <a:off x="995865" y="1243781"/>
-            <a:ext cx="8583561" cy="1384995"/>
+            <a:ext cx="8583561" cy="2677656"/>
           </a:xfrm>
           <a:prstGeom prst="rect">
             <a:avLst/>
@@ -3736,35 +3776,69 @@
             </a:pPr>
             <a:r>
               <a:rPr lang="hu-HU" sz="2800" dirty="0" smtClean="0"/>
-              <a:t>Fogyasztás kiszámításának a menete:</a:t>
-            </a:r>
-          </a:p>
-          <a:p>
-            <a:pPr marL="742950" lvl="1" indent="-285750">
+              <a:t>Asztali és torony</a:t>
+            </a:r>
+          </a:p>
+          <a:p>
+            <a:pPr marL="285750" indent="-285750">
               <a:buFont typeface="Arial" panose="020B0604020202020204" pitchFamily="34" charset="0"/>
               <a:buChar char="•"/>
             </a:pPr>
             <a:r>
               <a:rPr lang="hu-HU" sz="2800" dirty="0" smtClean="0"/>
-              <a:t>Összeadjuk a komponensek áramfelhasználtságát</a:t>
-            </a:r>
-          </a:p>
-          <a:p>
-            <a:pPr marL="1200150" lvl="2" indent="-285750">
+              <a:t>Falra szerelhető</a:t>
+            </a:r>
+          </a:p>
+          <a:p>
+            <a:pPr marL="285750" indent="-285750">
               <a:buFont typeface="Arial" panose="020B0604020202020204" pitchFamily="34" charset="0"/>
               <a:buChar char="•"/>
             </a:pPr>
             <a:r>
+              <a:rPr lang="hu-HU" sz="2800" dirty="0" err="1" smtClean="0"/>
+              <a:t>Rack</a:t>
+            </a:r>
+            <a:r>
               <a:rPr lang="hu-HU" sz="2800" dirty="0" smtClean="0"/>
-              <a:t>20-25%-</a:t>
+              <a:t>-be szerelhető</a:t>
+            </a:r>
+          </a:p>
+          <a:p>
+            <a:pPr marL="285750" indent="-285750">
+              <a:buFont typeface="Arial" panose="020B0604020202020204" pitchFamily="34" charset="0"/>
+              <a:buChar char="•"/>
+            </a:pPr>
+            <a:r>
+              <a:rPr lang="hu-HU" sz="2800" dirty="0" smtClean="0"/>
+              <a:t>2 az 1ben (</a:t>
             </a:r>
             <a:r>
               <a:rPr lang="hu-HU" sz="2800" dirty="0" err="1" smtClean="0"/>
-              <a:t>kal</a:t>
+              <a:t>rackre</a:t>
             </a:r>
             <a:r>
               <a:rPr lang="hu-HU" sz="2800" dirty="0" smtClean="0"/>
-              <a:t> nagyobb teljesítményű tápot veszünk</a:t>
+              <a:t> és földre állítható torony)</a:t>
+            </a:r>
+          </a:p>
+          <a:p>
+            <a:pPr marL="285750" indent="-285750">
+              <a:buFont typeface="Arial" panose="020B0604020202020204" pitchFamily="34" charset="0"/>
+              <a:buChar char="•"/>
+            </a:pPr>
+            <a:r>
+              <a:rPr lang="hu-HU" sz="2800" dirty="0" smtClean="0"/>
+              <a:t>Skálázható</a:t>
+            </a:r>
+          </a:p>
+          <a:p>
+            <a:pPr marL="285750" indent="-285750">
+              <a:buFont typeface="Arial" panose="020B0604020202020204" pitchFamily="34" charset="0"/>
+              <a:buChar char="•"/>
+            </a:pPr>
+            <a:r>
+              <a:rPr lang="hu-HU" sz="2800" dirty="0" smtClean="0"/>
+              <a:t>Nagyméretű Torony</a:t>
             </a:r>
           </a:p>
         </p:txBody>
@@ -3772,19 +3846,42 @@
     </p:spTree>
     <p:extLst>
       <p:ext uri="{BB962C8B-B14F-4D97-AF65-F5344CB8AC3E}">
-        <p14:creationId xmlns:p14="http://schemas.microsoft.com/office/powerpoint/2010/main" val="353397922"/>
+        <p14:creationId xmlns:p14="http://schemas.microsoft.com/office/powerpoint/2010/main" val="3282104850"/>
       </p:ext>
     </p:extLst>
   </p:cSld>
   <p:clrMapOvr>
     <a:masterClrMapping/>
   </p:clrMapOvr>
+  <mc:AlternateContent xmlns:mc="http://schemas.openxmlformats.org/markup-compatibility/2006">
+    <mc:Choice xmlns:p14="http://schemas.microsoft.com/office/powerpoint/2010/main" Requires="p14">
+      <p:transition p14:dur="0"/>
+    </mc:Choice>
+    <mc:Fallback>
+      <p:transition/>
+    </mc:Fallback>
+  </mc:AlternateContent>
+  <p:timing>
+    <p:tnLst>
+      <p:par>
+        <p:cTn id="1" dur="indefinite" restart="never" nodeType="tmRoot"/>
+      </p:par>
+    </p:tnLst>
+  </p:timing>
 </p:sld>
 </file>
 
 <file path=ppt/slides/slide12.xml><?xml version="1.0" encoding="utf-8"?>
 <p:sld xmlns:a="http://schemas.openxmlformats.org/drawingml/2006/main" xmlns:r="http://schemas.openxmlformats.org/officeDocument/2006/relationships" xmlns:p="http://schemas.openxmlformats.org/presentationml/2006/main">
   <p:cSld>
+    <p:bg>
+      <p:bgPr>
+        <a:solidFill>
+          <a:schemeClr val="bg1"/>
+        </a:solidFill>
+        <a:effectLst/>
+      </p:bgPr>
+    </p:bg>
     <p:spTree>
       <p:nvGrpSpPr>
         <p:cNvPr id="1" name=""/>
@@ -3808,7 +3905,7 @@
         <p:spPr>
           <a:xfrm>
             <a:off x="619432" y="339213"/>
-            <a:ext cx="3408282" cy="523220"/>
+            <a:ext cx="2101997" cy="523220"/>
           </a:xfrm>
           <a:prstGeom prst="rect">
             <a:avLst/>
@@ -3822,10 +3919,26 @@
           <a:lstStyle/>
           <a:p>
             <a:r>
-              <a:rPr lang="hu-HU" sz="2800" dirty="0" smtClean="0"/>
-              <a:t>Szoftveres támogatás</a:t>
-            </a:r>
-            <a:endParaRPr lang="hu-HU" sz="2800" dirty="0"/>
+              <a:rPr lang="hu-HU" sz="2800" dirty="0" smtClean="0">
+                <a:effectLst>
+                  <a:outerShdw blurRad="38100" dist="38100" dir="2700000" algn="tl">
+                    <a:srgbClr val="000000">
+                      <a:alpha val="43137"/>
+                    </a:srgbClr>
+                  </a:outerShdw>
+                </a:effectLst>
+              </a:rPr>
+              <a:t>Fogyasztás:</a:t>
+            </a:r>
+            <a:endParaRPr lang="hu-HU" sz="2800" dirty="0">
+              <a:effectLst>
+                <a:outerShdw blurRad="38100" dist="38100" dir="2700000" algn="tl">
+                  <a:srgbClr val="000000">
+                    <a:alpha val="43137"/>
+                  </a:srgbClr>
+                </a:outerShdw>
+              </a:effectLst>
+            </a:endParaRPr>
           </a:p>
         </p:txBody>
       </p:sp>
@@ -3837,8 +3950,8 @@
         </p:nvSpPr>
         <p:spPr>
           <a:xfrm>
-            <a:off x="995865" y="1222010"/>
-            <a:ext cx="9236706" cy="1384995"/>
+            <a:off x="995865" y="1243781"/>
+            <a:ext cx="8583561" cy="1384995"/>
           </a:xfrm>
           <a:prstGeom prst="rect">
             <a:avLst/>
@@ -3856,8 +3969,16 @@
               <a:buChar char="•"/>
             </a:pPr>
             <a:r>
-              <a:rPr lang="hu-HU" sz="2800" dirty="0" smtClean="0"/>
-              <a:t>Lehet állítani különböző beállításait</a:t>
+              <a:rPr lang="hu-HU" sz="2800" dirty="0" smtClean="0">
+                <a:effectLst>
+                  <a:outerShdw blurRad="38100" dist="38100" dir="2700000" algn="tl">
+                    <a:srgbClr val="000000">
+                      <a:alpha val="43137"/>
+                    </a:srgbClr>
+                  </a:outerShdw>
+                </a:effectLst>
+              </a:rPr>
+              <a:t>Fogyasztás kiszámításának a menete:</a:t>
             </a:r>
           </a:p>
           <a:p>
@@ -3866,95 +3987,101 @@
               <a:buChar char="•"/>
             </a:pPr>
             <a:r>
-              <a:rPr lang="hu-HU" sz="2800" dirty="0" smtClean="0"/>
-              <a:t>pl.: LED gomb, sípolás kikapcsolása áramkimaradáskor</a:t>
-            </a:r>
-          </a:p>
-          <a:p>
-            <a:pPr lvl="2"/>
-            <a:r>
-              <a:rPr lang="hu-HU" sz="2800" dirty="0" smtClean="0"/>
-              <a:t>     </a:t>
-            </a:r>
-          </a:p>
-        </p:txBody>
-      </p:sp>
-      <p:sp>
-        <p:nvSpPr>
-          <p:cNvPr id="5" name="Szövegdoboz 4"/>
-          <p:cNvSpPr txBox="1"/>
-          <p:nvPr/>
-        </p:nvSpPr>
-        <p:spPr>
-          <a:xfrm>
-            <a:off x="995865" y="2607005"/>
-            <a:ext cx="9236706" cy="1384995"/>
-          </a:xfrm>
-          <a:prstGeom prst="rect">
-            <a:avLst/>
-          </a:prstGeom>
-          <a:noFill/>
-        </p:spPr>
-        <p:txBody>
-          <a:bodyPr wrap="square" rtlCol="0">
-            <a:spAutoFit/>
-          </a:bodyPr>
-          <a:lstStyle/>
-          <a:p>
-            <a:pPr marL="285750" indent="-285750">
+              <a:rPr lang="hu-HU" sz="2800" dirty="0" smtClean="0">
+                <a:effectLst>
+                  <a:outerShdw blurRad="38100" dist="38100" dir="2700000" algn="tl">
+                    <a:srgbClr val="000000">
+                      <a:alpha val="43137"/>
+                    </a:srgbClr>
+                  </a:outerShdw>
+                </a:effectLst>
+              </a:rPr>
+              <a:t>Összeadjuk a komponensek áramfelhasználtságát</a:t>
+            </a:r>
+          </a:p>
+          <a:p>
+            <a:pPr marL="1200150" lvl="2" indent="-285750">
               <a:buFont typeface="Arial" panose="020B0604020202020204" pitchFamily="34" charset="0"/>
               <a:buChar char="•"/>
             </a:pPr>
             <a:r>
-              <a:rPr lang="hu-HU" sz="2800" dirty="0" smtClean="0"/>
-              <a:t>Többféle program létezik</a:t>
-            </a:r>
-          </a:p>
-          <a:p>
-            <a:pPr marL="742950" lvl="1" indent="-285750">
-              <a:buFont typeface="Arial" panose="020B0604020202020204" pitchFamily="34" charset="0"/>
-              <a:buChar char="•"/>
-            </a:pPr>
-            <a:r>
-              <a:rPr lang="hu-HU" sz="2800" dirty="0" smtClean="0"/>
-              <a:t>pl.: Network UPS </a:t>
-            </a:r>
-            <a:r>
-              <a:rPr lang="hu-HU" sz="2800" dirty="0" err="1" smtClean="0"/>
-              <a:t>tools</a:t>
-            </a:r>
-            <a:endParaRPr lang="hu-HU" sz="2800" dirty="0" smtClean="0"/>
-          </a:p>
-          <a:p>
-            <a:pPr lvl="2"/>
-            <a:r>
-              <a:rPr lang="hu-HU" sz="2800" dirty="0" smtClean="0"/>
-              <a:t>     </a:t>
-            </a:r>
-            <a:r>
-              <a:rPr lang="hu-HU" sz="2800" dirty="0" err="1" smtClean="0"/>
-              <a:t>apcupsd</a:t>
-            </a:r>
-            <a:endParaRPr lang="hu-HU" sz="2800" dirty="0" smtClean="0"/>
+              <a:rPr lang="hu-HU" sz="2800" dirty="0" smtClean="0">
+                <a:effectLst>
+                  <a:outerShdw blurRad="38100" dist="38100" dir="2700000" algn="tl">
+                    <a:srgbClr val="000000">
+                      <a:alpha val="43137"/>
+                    </a:srgbClr>
+                  </a:outerShdw>
+                </a:effectLst>
+              </a:rPr>
+              <a:t>20-25%-</a:t>
+            </a:r>
+            <a:r>
+              <a:rPr lang="hu-HU" sz="2800" dirty="0" err="1" smtClean="0">
+                <a:effectLst>
+                  <a:outerShdw blurRad="38100" dist="38100" dir="2700000" algn="tl">
+                    <a:srgbClr val="000000">
+                      <a:alpha val="43137"/>
+                    </a:srgbClr>
+                  </a:outerShdw>
+                </a:effectLst>
+              </a:rPr>
+              <a:t>kal</a:t>
+            </a:r>
+            <a:r>
+              <a:rPr lang="hu-HU" sz="2800" dirty="0" smtClean="0">
+                <a:effectLst>
+                  <a:outerShdw blurRad="38100" dist="38100" dir="2700000" algn="tl">
+                    <a:srgbClr val="000000">
+                      <a:alpha val="43137"/>
+                    </a:srgbClr>
+                  </a:outerShdw>
+                </a:effectLst>
+              </a:rPr>
+              <a:t> nagyobb teljesítményű tápot veszünk</a:t>
+            </a:r>
           </a:p>
         </p:txBody>
       </p:sp>
     </p:spTree>
     <p:extLst>
       <p:ext uri="{BB962C8B-B14F-4D97-AF65-F5344CB8AC3E}">
-        <p14:creationId xmlns:p14="http://schemas.microsoft.com/office/powerpoint/2010/main" val="409770069"/>
+        <p14:creationId xmlns:p14="http://schemas.microsoft.com/office/powerpoint/2010/main" val="1079687922"/>
       </p:ext>
     </p:extLst>
   </p:cSld>
   <p:clrMapOvr>
     <a:masterClrMapping/>
   </p:clrMapOvr>
+  <mc:AlternateContent xmlns:mc="http://schemas.openxmlformats.org/markup-compatibility/2006">
+    <mc:Choice xmlns:p14="http://schemas.microsoft.com/office/powerpoint/2010/main" Requires="p14">
+      <p:transition p14:dur="0"/>
+    </mc:Choice>
+    <mc:Fallback>
+      <p:transition/>
+    </mc:Fallback>
+  </mc:AlternateContent>
+  <p:timing>
+    <p:tnLst>
+      <p:par>
+        <p:cTn id="1" dur="indefinite" restart="never" nodeType="tmRoot"/>
+      </p:par>
+    </p:tnLst>
+  </p:timing>
 </p:sld>
 </file>
 
 <file path=ppt/slides/slide13.xml><?xml version="1.0" encoding="utf-8"?>
 <p:sld xmlns:a="http://schemas.openxmlformats.org/drawingml/2006/main" xmlns:r="http://schemas.openxmlformats.org/officeDocument/2006/relationships" xmlns:p="http://schemas.openxmlformats.org/presentationml/2006/main">
   <p:cSld>
+    <p:bg>
+      <p:bgPr>
+        <a:solidFill>
+          <a:schemeClr val="bg1"/>
+        </a:solidFill>
+        <a:effectLst/>
+      </p:bgPr>
+    </p:bg>
     <p:spTree>
       <p:nvGrpSpPr>
         <p:cNvPr id="1" name=""/>
@@ -3993,7 +4120,7 @@
           <a:p>
             <a:r>
               <a:rPr lang="hu-HU" sz="2800" dirty="0" smtClean="0"/>
-              <a:t>Akkumulátor</a:t>
+              <a:t>Szoftveres támogatás</a:t>
             </a:r>
             <a:endParaRPr lang="hu-HU" sz="2800" dirty="0"/>
           </a:p>
@@ -4001,14 +4128,14 @@
       </p:sp>
       <p:sp>
         <p:nvSpPr>
-          <p:cNvPr id="5" name="Szövegdoboz 4"/>
+          <p:cNvPr id="11" name="Szövegdoboz 10"/>
           <p:cNvSpPr txBox="1"/>
           <p:nvPr/>
         </p:nvSpPr>
         <p:spPr>
           <a:xfrm>
-            <a:off x="995865" y="1418306"/>
-            <a:ext cx="9236706" cy="3108543"/>
+            <a:off x="995865" y="1222010"/>
+            <a:ext cx="9236706" cy="1384995"/>
           </a:xfrm>
           <a:prstGeom prst="rect">
             <a:avLst/>
@@ -4027,88 +4154,127 @@
             </a:pPr>
             <a:r>
               <a:rPr lang="hu-HU" sz="2800" dirty="0" smtClean="0"/>
-              <a:t>Ólom-kénsav akkumulátor</a:t>
-            </a:r>
-          </a:p>
-          <a:p>
+              <a:t>Lehet állítani különböző beállításait</a:t>
+            </a:r>
+          </a:p>
+          <a:p>
+            <a:pPr marL="742950" lvl="1" indent="-285750">
+              <a:buFont typeface="Arial" panose="020B0604020202020204" pitchFamily="34" charset="0"/>
+              <a:buChar char="•"/>
+            </a:pPr>
             <a:r>
               <a:rPr lang="hu-HU" sz="2800" dirty="0" smtClean="0"/>
-              <a:t>• </a:t>
+              <a:t>pl.: LED gomb, sípolás kikapcsolása áramkimaradáskor</a:t>
+            </a:r>
+          </a:p>
+          <a:p>
+            <a:pPr lvl="2"/>
+            <a:r>
+              <a:rPr lang="hu-HU" sz="2800" dirty="0" smtClean="0"/>
+              <a:t>     </a:t>
+            </a:r>
+          </a:p>
+        </p:txBody>
+      </p:sp>
+      <p:sp>
+        <p:nvSpPr>
+          <p:cNvPr id="5" name="Szövegdoboz 4"/>
+          <p:cNvSpPr txBox="1"/>
+          <p:nvPr/>
+        </p:nvSpPr>
+        <p:spPr>
+          <a:xfrm>
+            <a:off x="995865" y="2607005"/>
+            <a:ext cx="9236706" cy="1384995"/>
+          </a:xfrm>
+          <a:prstGeom prst="rect">
+            <a:avLst/>
+          </a:prstGeom>
+          <a:noFill/>
+        </p:spPr>
+        <p:txBody>
+          <a:bodyPr wrap="square" rtlCol="0">
+            <a:spAutoFit/>
+          </a:bodyPr>
+          <a:lstStyle/>
+          <a:p>
+            <a:pPr marL="285750" indent="-285750">
+              <a:buFont typeface="Arial" panose="020B0604020202020204" pitchFamily="34" charset="0"/>
+              <a:buChar char="•"/>
+            </a:pPr>
+            <a:r>
+              <a:rPr lang="hu-HU" sz="2800" dirty="0" smtClean="0"/>
+              <a:t>Többféle program létezik</a:t>
+            </a:r>
+          </a:p>
+          <a:p>
+            <a:pPr marL="742950" lvl="1" indent="-285750">
+              <a:buFont typeface="Arial" panose="020B0604020202020204" pitchFamily="34" charset="0"/>
+              <a:buChar char="•"/>
+            </a:pPr>
+            <a:r>
+              <a:rPr lang="hu-HU" sz="2800" dirty="0" smtClean="0"/>
+              <a:t>pl.: Network UPS </a:t>
             </a:r>
             <a:r>
               <a:rPr lang="hu-HU" sz="2800" dirty="0" err="1" smtClean="0"/>
-              <a:t>Líthium</a:t>
-            </a:r>
+              <a:t>tools</a:t>
+            </a:r>
+            <a:endParaRPr lang="hu-HU" sz="2800" dirty="0" smtClean="0"/>
+          </a:p>
+          <a:p>
+            <a:pPr lvl="2"/>
             <a:r>
               <a:rPr lang="hu-HU" sz="2800" dirty="0" smtClean="0"/>
-              <a:t>-ion </a:t>
-            </a:r>
-            <a:r>
-              <a:rPr lang="hu-HU" sz="2800" dirty="0"/>
-              <a:t>akkumulátor</a:t>
-            </a:r>
-          </a:p>
-          <a:p>
-            <a:r>
-              <a:rPr lang="hu-HU" sz="2800" dirty="0" smtClean="0"/>
-              <a:t>• Zselés akkumulátor</a:t>
-            </a:r>
-          </a:p>
-          <a:p>
-            <a:r>
-              <a:rPr lang="hu-HU" sz="2800" dirty="0" smtClean="0"/>
-              <a:t>• Hosszú használat után problémák léphetnek fel vele.</a:t>
-            </a:r>
-          </a:p>
-          <a:p>
-            <a:r>
-              <a:rPr lang="hu-HU" sz="2800" dirty="0" smtClean="0"/>
-              <a:t>• Néhány </a:t>
-            </a:r>
-            <a:r>
-              <a:rPr lang="hu-HU" sz="2800" dirty="0"/>
-              <a:t>évente cserélendő</a:t>
-            </a:r>
-          </a:p>
-          <a:p>
-            <a:r>
-              <a:rPr lang="hu-HU" sz="2800" dirty="0" smtClean="0"/>
-              <a:t>• Kerüljük </a:t>
-            </a:r>
-            <a:r>
-              <a:rPr lang="hu-HU" sz="2800" dirty="0"/>
-              <a:t>a teljes kisütést</a:t>
-            </a:r>
-          </a:p>
-          <a:p>
-            <a:r>
-              <a:rPr lang="hu-HU" sz="2800" dirty="0" smtClean="0"/>
-              <a:t>• </a:t>
+              <a:t>     </a:t>
             </a:r>
             <a:r>
               <a:rPr lang="hu-HU" sz="2800" dirty="0" err="1" smtClean="0"/>
-              <a:t>Újrakalibrálandók</a:t>
-            </a:r>
-            <a:endParaRPr lang="hu-HU" sz="2800" dirty="0"/>
+              <a:t>apcupsd</a:t>
+            </a:r>
+            <a:endParaRPr lang="hu-HU" sz="2800" dirty="0" smtClean="0"/>
           </a:p>
         </p:txBody>
       </p:sp>
     </p:spTree>
     <p:extLst>
       <p:ext uri="{BB962C8B-B14F-4D97-AF65-F5344CB8AC3E}">
-        <p14:creationId xmlns:p14="http://schemas.microsoft.com/office/powerpoint/2010/main" val="73848220"/>
+        <p14:creationId xmlns:p14="http://schemas.microsoft.com/office/powerpoint/2010/main" val="1785737051"/>
       </p:ext>
     </p:extLst>
   </p:cSld>
   <p:clrMapOvr>
     <a:masterClrMapping/>
   </p:clrMapOvr>
+  <mc:AlternateContent xmlns:mc="http://schemas.openxmlformats.org/markup-compatibility/2006">
+    <mc:Choice xmlns:p14="http://schemas.microsoft.com/office/powerpoint/2010/main" Requires="p14">
+      <p:transition p14:dur="0"/>
+    </mc:Choice>
+    <mc:Fallback>
+      <p:transition/>
+    </mc:Fallback>
+  </mc:AlternateContent>
+  <p:timing>
+    <p:tnLst>
+      <p:par>
+        <p:cTn id="1" dur="indefinite" restart="never" nodeType="tmRoot"/>
+      </p:par>
+    </p:tnLst>
+  </p:timing>
 </p:sld>
 </file>
 
 <file path=ppt/slides/slide14.xml><?xml version="1.0" encoding="utf-8"?>
 <p:sld xmlns:a="http://schemas.openxmlformats.org/drawingml/2006/main" xmlns:r="http://schemas.openxmlformats.org/officeDocument/2006/relationships" xmlns:p="http://schemas.openxmlformats.org/presentationml/2006/main">
   <p:cSld>
+    <p:bg>
+      <p:bgPr>
+        <a:solidFill>
+          <a:schemeClr val="bg1"/>
+        </a:solidFill>
+        <a:effectLst/>
+      </p:bgPr>
+    </p:bg>
     <p:spTree>
       <p:nvGrpSpPr>
         <p:cNvPr id="1" name=""/>
@@ -4132,7 +4298,7 @@
         <p:spPr>
           <a:xfrm>
             <a:off x="619432" y="339213"/>
-            <a:ext cx="2863997" cy="523220"/>
+            <a:ext cx="3408282" cy="523220"/>
           </a:xfrm>
           <a:prstGeom prst="rect">
             <a:avLst/>
@@ -4147,7 +4313,7 @@
           <a:p>
             <a:r>
               <a:rPr lang="hu-HU" sz="2800" dirty="0" smtClean="0"/>
-              <a:t>UPS felépítések</a:t>
+              <a:t>Akkumulátor</a:t>
             </a:r>
             <a:endParaRPr lang="hu-HU" sz="2800" dirty="0"/>
           </a:p>
@@ -4161,8 +4327,8 @@
         </p:nvSpPr>
         <p:spPr>
           <a:xfrm>
-            <a:off x="1283110" y="1076632"/>
-            <a:ext cx="8229600" cy="523220"/>
+            <a:off x="995865" y="1418306"/>
+            <a:ext cx="9236706" cy="3108543"/>
           </a:xfrm>
           <a:prstGeom prst="rect">
             <a:avLst/>
@@ -4175,162 +4341,117 @@
           </a:bodyPr>
           <a:lstStyle/>
           <a:p>
-            <a:r>
-              <a:rPr lang="hu-HU" sz="2800" dirty="0" smtClean="0"/>
-              <a:t>Statikus szünetmentes tápegység:</a:t>
-            </a:r>
-            <a:endParaRPr lang="hu-HU" sz="2800" dirty="0"/>
-          </a:p>
-        </p:txBody>
-      </p:sp>
-      <p:sp>
-        <p:nvSpPr>
-          <p:cNvPr id="9" name="Szövegdoboz 8"/>
-          <p:cNvSpPr txBox="1"/>
-          <p:nvPr/>
-        </p:nvSpPr>
-        <p:spPr>
-          <a:xfrm>
-            <a:off x="1283110" y="1814051"/>
-            <a:ext cx="3680776" cy="2677656"/>
-          </a:xfrm>
-          <a:prstGeom prst="rect">
-            <a:avLst/>
-          </a:prstGeom>
-          <a:noFill/>
-        </p:spPr>
-        <p:txBody>
-          <a:bodyPr wrap="square" rtlCol="0">
-            <a:spAutoFit/>
-          </a:bodyPr>
-          <a:lstStyle/>
-          <a:p>
             <a:pPr marL="285750" indent="-285750">
               <a:buFont typeface="Arial" panose="020B0604020202020204" pitchFamily="34" charset="0"/>
               <a:buChar char="•"/>
             </a:pPr>
             <a:r>
               <a:rPr lang="hu-HU" sz="2800" dirty="0" smtClean="0"/>
-              <a:t>Akkumulátor</a:t>
-            </a:r>
-          </a:p>
-          <a:p>
-            <a:pPr marL="285750" indent="-285750">
-              <a:buFont typeface="Arial" panose="020B0604020202020204" pitchFamily="34" charset="0"/>
-              <a:buChar char="•"/>
-            </a:pPr>
+              <a:t>Ólom-kénsav akkumulátor</a:t>
+            </a:r>
+          </a:p>
+          <a:p>
+            <a:r>
+              <a:rPr lang="hu-HU" sz="2800" dirty="0" smtClean="0"/>
+              <a:t>• </a:t>
+            </a:r>
             <a:r>
               <a:rPr lang="hu-HU" sz="2800" dirty="0" err="1" smtClean="0"/>
-              <a:t>Inverter</a:t>
-            </a:r>
-            <a:endParaRPr lang="hu-HU" sz="2800" dirty="0" smtClean="0"/>
-          </a:p>
-          <a:p>
-            <a:pPr marL="285750" indent="-285750">
-              <a:buFont typeface="Arial" panose="020B0604020202020204" pitchFamily="34" charset="0"/>
-              <a:buChar char="•"/>
-            </a:pPr>
+              <a:t>Líthium</a:t>
+            </a:r>
             <a:r>
               <a:rPr lang="hu-HU" sz="2800" dirty="0" smtClean="0"/>
-              <a:t>Kapcsoló</a:t>
-            </a:r>
-          </a:p>
-          <a:p>
-            <a:pPr marL="285750" indent="-285750">
-              <a:buFont typeface="Arial" panose="020B0604020202020204" pitchFamily="34" charset="0"/>
-              <a:buChar char="•"/>
-            </a:pPr>
+              <a:t>-ion </a:t>
+            </a:r>
+            <a:r>
+              <a:rPr lang="hu-HU" sz="2800" dirty="0"/>
+              <a:t>akkumulátor</a:t>
+            </a:r>
+          </a:p>
+          <a:p>
             <a:r>
               <a:rPr lang="hu-HU" sz="2800" dirty="0" smtClean="0"/>
-              <a:t>Töltő</a:t>
-            </a:r>
-          </a:p>
-          <a:p>
-            <a:pPr marL="285750" indent="-285750">
-              <a:buFont typeface="Arial" panose="020B0604020202020204" pitchFamily="34" charset="0"/>
-              <a:buChar char="•"/>
-            </a:pPr>
+              <a:t>• Zselés akkumulátor</a:t>
+            </a:r>
+          </a:p>
+          <a:p>
             <a:r>
               <a:rPr lang="hu-HU" sz="2800" dirty="0" smtClean="0"/>
-              <a:t>Szűrők</a:t>
-            </a:r>
-          </a:p>
-          <a:p>
-            <a:pPr marL="285750" indent="-285750">
-              <a:buFont typeface="Arial" panose="020B0604020202020204" pitchFamily="34" charset="0"/>
-              <a:buChar char="•"/>
-            </a:pPr>
+              <a:t>• Hosszú használat után problémák léphetnek fel vele.</a:t>
+            </a:r>
+          </a:p>
+          <a:p>
             <a:r>
               <a:rPr lang="hu-HU" sz="2800" dirty="0" smtClean="0"/>
-              <a:t>Érzékelők</a:t>
-            </a:r>
-          </a:p>
-        </p:txBody>
-      </p:sp>
-      <p:sp>
-        <p:nvSpPr>
-          <p:cNvPr id="10" name="Szövegdoboz 9"/>
-          <p:cNvSpPr txBox="1"/>
-          <p:nvPr/>
-        </p:nvSpPr>
-        <p:spPr>
-          <a:xfrm>
-            <a:off x="4963886" y="1814051"/>
-            <a:ext cx="4066342" cy="1384995"/>
-          </a:xfrm>
-          <a:prstGeom prst="rect">
-            <a:avLst/>
-          </a:prstGeom>
-          <a:noFill/>
-        </p:spPr>
-        <p:txBody>
-          <a:bodyPr wrap="square" rtlCol="0">
-            <a:spAutoFit/>
-          </a:bodyPr>
-          <a:lstStyle/>
-          <a:p>
-            <a:pPr marL="285750" indent="-285750">
-              <a:buFont typeface="Arial" panose="020B0604020202020204" pitchFamily="34" charset="0"/>
-              <a:buChar char="•"/>
-            </a:pPr>
+              <a:t>• Néhány </a:t>
+            </a:r>
+            <a:r>
+              <a:rPr lang="hu-HU" sz="2800" dirty="0"/>
+              <a:t>évente cserélendő</a:t>
+            </a:r>
+          </a:p>
+          <a:p>
             <a:r>
               <a:rPr lang="hu-HU" sz="2800" dirty="0" smtClean="0"/>
-              <a:t>PWM </a:t>
+              <a:t>• Kerüljük </a:t>
+            </a:r>
+            <a:r>
+              <a:rPr lang="hu-HU" sz="2800" dirty="0"/>
+              <a:t>a teljes kisütést</a:t>
+            </a:r>
+          </a:p>
+          <a:p>
+            <a:r>
+              <a:rPr lang="hu-HU" sz="2800" dirty="0" smtClean="0"/>
+              <a:t>• </a:t>
             </a:r>
             <a:r>
               <a:rPr lang="hu-HU" sz="2800" dirty="0" err="1" smtClean="0"/>
-              <a:t>inverter</a:t>
+              <a:t>Újrakalibrálandók</a:t>
             </a:r>
             <a:endParaRPr lang="hu-HU" sz="2800" dirty="0"/>
-          </a:p>
-          <a:p>
-            <a:pPr marL="285750" indent="-285750">
-              <a:buFont typeface="Arial" panose="020B0604020202020204" pitchFamily="34" charset="0"/>
-              <a:buChar char="•"/>
-            </a:pPr>
-            <a:r>
-              <a:rPr lang="hu-HU" sz="2800" dirty="0" smtClean="0"/>
-              <a:t>Úszó akkumulátoros rendszer</a:t>
-            </a:r>
           </a:p>
         </p:txBody>
       </p:sp>
     </p:spTree>
     <p:extLst>
       <p:ext uri="{BB962C8B-B14F-4D97-AF65-F5344CB8AC3E}">
-        <p14:creationId xmlns:p14="http://schemas.microsoft.com/office/powerpoint/2010/main" val="4094731693"/>
+        <p14:creationId xmlns:p14="http://schemas.microsoft.com/office/powerpoint/2010/main" val="324132179"/>
       </p:ext>
     </p:extLst>
   </p:cSld>
   <p:clrMapOvr>
     <a:masterClrMapping/>
   </p:clrMapOvr>
+  <mc:AlternateContent xmlns:mc="http://schemas.openxmlformats.org/markup-compatibility/2006">
+    <mc:Choice xmlns:p14="http://schemas.microsoft.com/office/powerpoint/2010/main" Requires="p14">
+      <p:transition p14:dur="10"/>
+    </mc:Choice>
+    <mc:Fallback>
+      <p:transition/>
+    </mc:Fallback>
+  </mc:AlternateContent>
+  <p:timing>
+    <p:tnLst>
+      <p:par>
+        <p:cTn id="1" dur="indefinite" restart="never" nodeType="tmRoot"/>
+      </p:par>
+    </p:tnLst>
+  </p:timing>
 </p:sld>
 </file>
 
 <file path=ppt/slides/slide15.xml><?xml version="1.0" encoding="utf-8"?>
 <p:sld xmlns:a="http://schemas.openxmlformats.org/drawingml/2006/main" xmlns:r="http://schemas.openxmlformats.org/officeDocument/2006/relationships" xmlns:p="http://schemas.openxmlformats.org/presentationml/2006/main">
   <p:cSld>
+    <p:bg>
+      <p:bgPr>
+        <a:solidFill>
+          <a:schemeClr val="bg1"/>
+        </a:solidFill>
+        <a:effectLst/>
+      </p:bgPr>
+    </p:bg>
     <p:spTree>
       <p:nvGrpSpPr>
         <p:cNvPr id="1" name=""/>
@@ -4377,14 +4498,14 @@
       </p:sp>
       <p:sp>
         <p:nvSpPr>
-          <p:cNvPr id="5" name="Szövegdoboz 4"/>
+          <p:cNvPr id="11" name="Szövegdoboz 10"/>
           <p:cNvSpPr txBox="1"/>
           <p:nvPr/>
         </p:nvSpPr>
         <p:spPr>
           <a:xfrm>
-            <a:off x="1283110" y="1076632"/>
-            <a:ext cx="8229600" cy="523220"/>
+            <a:off x="619432" y="729053"/>
+            <a:ext cx="5136163" cy="4832092"/>
           </a:xfrm>
           <a:prstGeom prst="rect">
             <a:avLst/>
@@ -4398,34 +4519,13 @@
           <a:lstStyle/>
           <a:p>
             <a:r>
-              <a:rPr lang="hu-HU" sz="2800" dirty="0" err="1" smtClean="0"/>
-              <a:t>Standby</a:t>
-            </a:r>
-            <a:endParaRPr lang="hu-HU" sz="2800" dirty="0"/>
-          </a:p>
-        </p:txBody>
-      </p:sp>
-      <p:sp>
-        <p:nvSpPr>
-          <p:cNvPr id="10" name="Szövegdoboz 9"/>
-          <p:cNvSpPr txBox="1"/>
-          <p:nvPr/>
-        </p:nvSpPr>
-        <p:spPr>
-          <a:xfrm>
-            <a:off x="1331567" y="2039141"/>
-            <a:ext cx="4786203" cy="1815882"/>
-          </a:xfrm>
-          <a:prstGeom prst="rect">
-            <a:avLst/>
-          </a:prstGeom>
-          <a:noFill/>
-        </p:spPr>
-        <p:txBody>
-          <a:bodyPr wrap="square" rtlCol="0">
-            <a:spAutoFit/>
-          </a:bodyPr>
-          <a:lstStyle/>
+              <a:rPr lang="hu-HU" sz="2800" dirty="0"/>
+              <a:t>Statikus szünetmentes tápegység:</a:t>
+            </a:r>
+          </a:p>
+          <a:p>
+            <a:endParaRPr lang="hu-HU" sz="2800" dirty="0" smtClean="0"/>
+          </a:p>
           <a:p>
             <a:pPr marL="285750" indent="-285750">
               <a:buFont typeface="Arial" panose="020B0604020202020204" pitchFamily="34" charset="0"/>
@@ -4433,7 +4533,7 @@
             </a:pPr>
             <a:r>
               <a:rPr lang="hu-HU" sz="2800" dirty="0" smtClean="0"/>
-              <a:t>Folyamatos kapcsolat nincs</a:t>
+              <a:t>Akkumulátor</a:t>
             </a:r>
           </a:p>
           <a:p>
@@ -4442,9 +4542,10 @@
               <a:buChar char="•"/>
             </a:pPr>
             <a:r>
-              <a:rPr lang="hu-HU" sz="2800" dirty="0" smtClean="0"/>
-              <a:t>Korrigálás nincs</a:t>
-            </a:r>
+              <a:rPr lang="hu-HU" sz="2800" dirty="0" err="1" smtClean="0"/>
+              <a:t>Inverter</a:t>
+            </a:r>
+            <a:endParaRPr lang="hu-HU" sz="2800" dirty="0" smtClean="0"/>
           </a:p>
           <a:p>
             <a:pPr marL="285750" indent="-285750">
@@ -4453,7 +4554,7 @@
             </a:pPr>
             <a:r>
               <a:rPr lang="hu-HU" sz="2800" dirty="0" smtClean="0"/>
-              <a:t>Otthoni használat</a:t>
+              <a:t>Kapcsoló</a:t>
             </a:r>
           </a:p>
           <a:p>
@@ -4463,27 +4564,102 @@
             </a:pPr>
             <a:r>
               <a:rPr lang="hu-HU" sz="2800" dirty="0" smtClean="0"/>
-              <a:t>Általában &lt;600w teljesítmény</a:t>
-            </a:r>
+              <a:t>Töltő</a:t>
+            </a:r>
+          </a:p>
+          <a:p>
+            <a:pPr marL="285750" indent="-285750">
+              <a:buFont typeface="Arial" panose="020B0604020202020204" pitchFamily="34" charset="0"/>
+              <a:buChar char="•"/>
+            </a:pPr>
+            <a:r>
+              <a:rPr lang="hu-HU" sz="2800" dirty="0" smtClean="0"/>
+              <a:t>Szűrők</a:t>
+            </a:r>
+          </a:p>
+          <a:p>
+            <a:pPr marL="285750" indent="-285750">
+              <a:buFont typeface="Arial" panose="020B0604020202020204" pitchFamily="34" charset="0"/>
+              <a:buChar char="•"/>
+            </a:pPr>
+            <a:r>
+              <a:rPr lang="hu-HU" sz="2800" dirty="0" smtClean="0"/>
+              <a:t>Érzékelők</a:t>
+            </a:r>
+          </a:p>
+          <a:p>
+            <a:pPr marL="285750" indent="-285750">
+              <a:buFont typeface="Arial" panose="020B0604020202020204" pitchFamily="34" charset="0"/>
+              <a:buChar char="•"/>
+            </a:pPr>
+            <a:r>
+              <a:rPr lang="hu-HU" sz="2800" dirty="0"/>
+              <a:t>PWM </a:t>
+            </a:r>
+            <a:r>
+              <a:rPr lang="hu-HU" sz="2800" dirty="0" err="1"/>
+              <a:t>inverter</a:t>
+            </a:r>
+            <a:endParaRPr lang="hu-HU" sz="2800" dirty="0"/>
+          </a:p>
+          <a:p>
+            <a:pPr marL="285750" indent="-285750">
+              <a:buFont typeface="Arial" panose="020B0604020202020204" pitchFamily="34" charset="0"/>
+              <a:buChar char="•"/>
+            </a:pPr>
+            <a:r>
+              <a:rPr lang="hu-HU" sz="2800" dirty="0"/>
+              <a:t>Úszó akkumulátoros rendszer</a:t>
+            </a:r>
+          </a:p>
+          <a:p>
+            <a:pPr marL="285750" indent="-285750">
+              <a:buFont typeface="Arial" panose="020B0604020202020204" pitchFamily="34" charset="0"/>
+              <a:buChar char="•"/>
+            </a:pPr>
+            <a:endParaRPr lang="hu-HU" sz="2800" dirty="0" smtClean="0"/>
           </a:p>
         </p:txBody>
       </p:sp>
     </p:spTree>
     <p:extLst>
       <p:ext uri="{BB962C8B-B14F-4D97-AF65-F5344CB8AC3E}">
-        <p14:creationId xmlns:p14="http://schemas.microsoft.com/office/powerpoint/2010/main" val="2276842234"/>
+        <p14:creationId xmlns:p14="http://schemas.microsoft.com/office/powerpoint/2010/main" val="1837798880"/>
       </p:ext>
     </p:extLst>
   </p:cSld>
   <p:clrMapOvr>
     <a:masterClrMapping/>
   </p:clrMapOvr>
+  <mc:AlternateContent xmlns:mc="http://schemas.openxmlformats.org/markup-compatibility/2006">
+    <mc:Choice xmlns:p14="http://schemas.microsoft.com/office/powerpoint/2010/main" Requires="p14">
+      <p:transition p14:dur="0"/>
+    </mc:Choice>
+    <mc:Fallback>
+      <p:transition/>
+    </mc:Fallback>
+  </mc:AlternateContent>
+  <p:timing>
+    <p:tnLst>
+      <p:par>
+        <p:cTn id="1" dur="indefinite" restart="never" nodeType="tmRoot"/>
+      </p:par>
+    </p:tnLst>
+  </p:timing>
 </p:sld>
 </file>
 
 <file path=ppt/slides/slide16.xml><?xml version="1.0" encoding="utf-8"?>
 <p:sld xmlns:a="http://schemas.openxmlformats.org/drawingml/2006/main" xmlns:r="http://schemas.openxmlformats.org/officeDocument/2006/relationships" xmlns:p="http://schemas.openxmlformats.org/presentationml/2006/main">
   <p:cSld>
+    <p:bg>
+      <p:bgPr>
+        <a:solidFill>
+          <a:schemeClr val="bg1"/>
+        </a:solidFill>
+        <a:effectLst/>
+      </p:bgPr>
+    </p:bg>
     <p:spTree>
       <p:nvGrpSpPr>
         <p:cNvPr id="1" name=""/>
@@ -4536,8 +4712,8 @@
         </p:nvSpPr>
         <p:spPr>
           <a:xfrm>
-            <a:off x="1283110" y="1076632"/>
-            <a:ext cx="8229600" cy="523220"/>
+            <a:off x="619432" y="862433"/>
+            <a:ext cx="4786203" cy="2677656"/>
           </a:xfrm>
           <a:prstGeom prst="rect">
             <a:avLst/>
@@ -4551,47 +4727,17 @@
           <a:lstStyle/>
           <a:p>
             <a:r>
-              <a:rPr lang="hu-HU" sz="2800" dirty="0" smtClean="0"/>
-              <a:t>Line-Interaktív</a:t>
-            </a:r>
-            <a:endParaRPr lang="hu-HU" sz="2800" dirty="0"/>
-          </a:p>
-        </p:txBody>
-      </p:sp>
-      <p:sp>
-        <p:nvSpPr>
-          <p:cNvPr id="10" name="Szövegdoboz 9"/>
-          <p:cNvSpPr txBox="1"/>
-          <p:nvPr/>
-        </p:nvSpPr>
-        <p:spPr>
-          <a:xfrm>
-            <a:off x="1283110" y="2017370"/>
-            <a:ext cx="5134547" cy="1384995"/>
-          </a:xfrm>
-          <a:prstGeom prst="rect">
-            <a:avLst/>
-          </a:prstGeom>
-          <a:noFill/>
-        </p:spPr>
-        <p:txBody>
-          <a:bodyPr wrap="square" rtlCol="0">
-            <a:spAutoFit/>
-          </a:bodyPr>
-          <a:lstStyle/>
+              <a:rPr lang="hu-HU" sz="2800" dirty="0" err="1" smtClean="0"/>
+              <a:t>Standby</a:t>
+            </a:r>
+            <a:endParaRPr lang="hu-HU" sz="2800" dirty="0" smtClean="0"/>
+          </a:p>
           <a:p>
             <a:pPr marL="285750" indent="-285750">
               <a:buFont typeface="Arial" panose="020B0604020202020204" pitchFamily="34" charset="0"/>
               <a:buChar char="•"/>
             </a:pPr>
-            <a:r>
-              <a:rPr lang="hu-HU" sz="2800" dirty="0" err="1" smtClean="0"/>
-              <a:t>Inverter</a:t>
-            </a:r>
-            <a:r>
-              <a:rPr lang="hu-HU" sz="2800" dirty="0" smtClean="0"/>
-              <a:t> folyamatos kapcsolat</a:t>
-            </a:r>
+            <a:endParaRPr lang="hu-HU" sz="2800" dirty="0"/>
           </a:p>
           <a:p>
             <a:pPr marL="285750" indent="-285750">
@@ -4600,7 +4746,7 @@
             </a:pPr>
             <a:r>
               <a:rPr lang="hu-HU" sz="2800" dirty="0" smtClean="0"/>
-              <a:t>Korrigálás van</a:t>
+              <a:t>Folyamatos kapcsolat nincs</a:t>
             </a:r>
           </a:p>
           <a:p>
@@ -4610,7 +4756,27 @@
             </a:pPr>
             <a:r>
               <a:rPr lang="hu-HU" sz="2800" dirty="0" smtClean="0"/>
-              <a:t>Átkapcsolások számát csökkenti</a:t>
+              <a:t>Korrigálás nincs</a:t>
+            </a:r>
+          </a:p>
+          <a:p>
+            <a:pPr marL="285750" indent="-285750">
+              <a:buFont typeface="Arial" panose="020B0604020202020204" pitchFamily="34" charset="0"/>
+              <a:buChar char="•"/>
+            </a:pPr>
+            <a:r>
+              <a:rPr lang="hu-HU" sz="2800" dirty="0" smtClean="0"/>
+              <a:t>Otthoni használat</a:t>
+            </a:r>
+          </a:p>
+          <a:p>
+            <a:pPr marL="285750" indent="-285750">
+              <a:buFont typeface="Arial" panose="020B0604020202020204" pitchFamily="34" charset="0"/>
+              <a:buChar char="•"/>
+            </a:pPr>
+            <a:r>
+              <a:rPr lang="hu-HU" sz="2800" dirty="0" smtClean="0"/>
+              <a:t>Általában &lt;600w teljesítmény</a:t>
             </a:r>
           </a:p>
         </p:txBody>
@@ -4618,19 +4784,34 @@
     </p:spTree>
     <p:extLst>
       <p:ext uri="{BB962C8B-B14F-4D97-AF65-F5344CB8AC3E}">
-        <p14:creationId xmlns:p14="http://schemas.microsoft.com/office/powerpoint/2010/main" val="845543590"/>
+        <p14:creationId xmlns:p14="http://schemas.microsoft.com/office/powerpoint/2010/main" val="2781949709"/>
       </p:ext>
     </p:extLst>
   </p:cSld>
   <p:clrMapOvr>
     <a:masterClrMapping/>
   </p:clrMapOvr>
+  <p:timing>
+    <p:tnLst>
+      <p:par>
+        <p:cTn id="1" dur="indefinite" restart="never" nodeType="tmRoot"/>
+      </p:par>
+    </p:tnLst>
+  </p:timing>
 </p:sld>
 </file>
 
 <file path=ppt/slides/slide17.xml><?xml version="1.0" encoding="utf-8"?>
 <p:sld xmlns:a="http://schemas.openxmlformats.org/drawingml/2006/main" xmlns:r="http://schemas.openxmlformats.org/officeDocument/2006/relationships" xmlns:p="http://schemas.openxmlformats.org/presentationml/2006/main">
   <p:cSld>
+    <p:bg>
+      <p:bgPr>
+        <a:solidFill>
+          <a:schemeClr val="bg1"/>
+        </a:solidFill>
+        <a:effectLst/>
+      </p:bgPr>
+    </p:bg>
     <p:spTree>
       <p:nvGrpSpPr>
         <p:cNvPr id="1" name=""/>
@@ -4677,14 +4858,14 @@
       </p:sp>
       <p:sp>
         <p:nvSpPr>
-          <p:cNvPr id="5" name="Szövegdoboz 4"/>
+          <p:cNvPr id="6" name="Szövegdoboz 5"/>
           <p:cNvSpPr txBox="1"/>
           <p:nvPr/>
         </p:nvSpPr>
         <p:spPr>
           <a:xfrm>
-            <a:off x="1283110" y="1076632"/>
-            <a:ext cx="8229600" cy="523220"/>
+            <a:off x="619432" y="862433"/>
+            <a:ext cx="5134547" cy="2246769"/>
           </a:xfrm>
           <a:prstGeom prst="rect">
             <a:avLst/>
@@ -4699,42 +4880,15 @@
           <a:p>
             <a:r>
               <a:rPr lang="hu-HU" sz="2800" dirty="0" smtClean="0"/>
-              <a:t>Delta konverzió</a:t>
-            </a:r>
-            <a:endParaRPr lang="hu-HU" sz="2800" dirty="0"/>
-          </a:p>
-        </p:txBody>
-      </p:sp>
-      <p:sp>
-        <p:nvSpPr>
-          <p:cNvPr id="10" name="Szövegdoboz 9"/>
-          <p:cNvSpPr txBox="1"/>
-          <p:nvPr/>
-        </p:nvSpPr>
-        <p:spPr>
-          <a:xfrm>
-            <a:off x="1283110" y="2017370"/>
-            <a:ext cx="5531347" cy="2246769"/>
-          </a:xfrm>
-          <a:prstGeom prst="rect">
-            <a:avLst/>
-          </a:prstGeom>
-          <a:noFill/>
-        </p:spPr>
-        <p:txBody>
-          <a:bodyPr wrap="square" rtlCol="0">
-            <a:spAutoFit/>
-          </a:bodyPr>
-          <a:lstStyle/>
+              <a:t>Line-Interaktív</a:t>
+            </a:r>
+          </a:p>
           <a:p>
             <a:pPr marL="285750" indent="-285750">
               <a:buFont typeface="Arial" panose="020B0604020202020204" pitchFamily="34" charset="0"/>
               <a:buChar char="•"/>
             </a:pPr>
-            <a:r>
-              <a:rPr lang="hu-HU" sz="2800" dirty="0" smtClean="0"/>
-              <a:t>Kapcsolási időre nincs szükség</a:t>
-            </a:r>
+            <a:endParaRPr lang="hu-HU" sz="2800" dirty="0"/>
           </a:p>
           <a:p>
             <a:pPr marL="285750" indent="-285750">
@@ -4742,16 +4896,12 @@
               <a:buChar char="•"/>
             </a:pPr>
             <a:r>
+              <a:rPr lang="hu-HU" sz="2800" dirty="0" err="1" smtClean="0"/>
+              <a:t>Inverter</a:t>
+            </a:r>
+            <a:r>
               <a:rPr lang="hu-HU" sz="2800" dirty="0" smtClean="0"/>
-              <a:t>Hiba esetén megy át csak áram az </a:t>
-            </a:r>
-            <a:r>
-              <a:rPr lang="hu-HU" sz="2800" dirty="0" err="1" smtClean="0"/>
-              <a:t>inverteren</a:t>
-            </a:r>
-            <a:r>
-              <a:rPr lang="hu-HU" sz="2800" dirty="0" smtClean="0"/>
-              <a:t> keresztül</a:t>
+              <a:t> folyamatos kapcsolat</a:t>
             </a:r>
           </a:p>
           <a:p>
@@ -4761,7 +4911,7 @@
             </a:pPr>
             <a:r>
               <a:rPr lang="hu-HU" sz="2800" dirty="0" smtClean="0"/>
-              <a:t>Nem befolyásolja a frekvenciát</a:t>
+              <a:t>Korrigálás van</a:t>
             </a:r>
           </a:p>
           <a:p>
@@ -4771,7 +4921,7 @@
             </a:pPr>
             <a:r>
               <a:rPr lang="hu-HU" sz="2800" dirty="0" smtClean="0"/>
-              <a:t>97% hatékonyság</a:t>
+              <a:t>Átkapcsolások számát csökkenti</a:t>
             </a:r>
           </a:p>
         </p:txBody>
@@ -4779,19 +4929,34 @@
     </p:spTree>
     <p:extLst>
       <p:ext uri="{BB962C8B-B14F-4D97-AF65-F5344CB8AC3E}">
-        <p14:creationId xmlns:p14="http://schemas.microsoft.com/office/powerpoint/2010/main" val="3418129980"/>
+        <p14:creationId xmlns:p14="http://schemas.microsoft.com/office/powerpoint/2010/main" val="1357642977"/>
       </p:ext>
     </p:extLst>
   </p:cSld>
   <p:clrMapOvr>
     <a:masterClrMapping/>
   </p:clrMapOvr>
+  <p:timing>
+    <p:tnLst>
+      <p:par>
+        <p:cTn id="1" dur="indefinite" restart="never" nodeType="tmRoot"/>
+      </p:par>
+    </p:tnLst>
+  </p:timing>
 </p:sld>
 </file>
 
 <file path=ppt/slides/slide18.xml><?xml version="1.0" encoding="utf-8"?>
 <p:sld xmlns:a="http://schemas.openxmlformats.org/drawingml/2006/main" xmlns:r="http://schemas.openxmlformats.org/officeDocument/2006/relationships" xmlns:p="http://schemas.openxmlformats.org/presentationml/2006/main">
   <p:cSld>
+    <p:bg>
+      <p:bgPr>
+        <a:solidFill>
+          <a:schemeClr val="bg1"/>
+        </a:solidFill>
+        <a:effectLst/>
+      </p:bgPr>
+    </p:bg>
     <p:spTree>
       <p:nvGrpSpPr>
         <p:cNvPr id="1" name=""/>
@@ -4838,14 +5003,14 @@
       </p:sp>
       <p:sp>
         <p:nvSpPr>
-          <p:cNvPr id="5" name="Szövegdoboz 4"/>
+          <p:cNvPr id="7" name="Szövegdoboz 6"/>
           <p:cNvSpPr txBox="1"/>
           <p:nvPr/>
         </p:nvSpPr>
         <p:spPr>
           <a:xfrm>
-            <a:off x="1283110" y="1076632"/>
-            <a:ext cx="8229600" cy="523220"/>
+            <a:off x="619432" y="862433"/>
+            <a:ext cx="5134547" cy="3970318"/>
           </a:xfrm>
           <a:prstGeom prst="rect">
             <a:avLst/>
@@ -4859,38 +5024,17 @@
           <a:lstStyle/>
           <a:p>
             <a:r>
-              <a:rPr lang="hu-HU" sz="2800" dirty="0" err="1" smtClean="0"/>
+              <a:rPr lang="hu-HU" sz="2800" dirty="0" err="1"/>
               <a:t>Dual</a:t>
             </a:r>
             <a:r>
-              <a:rPr lang="hu-HU" sz="2800" dirty="0" smtClean="0"/>
+              <a:rPr lang="hu-HU" sz="2800" dirty="0"/>
               <a:t> konverzió</a:t>
             </a:r>
+          </a:p>
+          <a:p>
             <a:endParaRPr lang="hu-HU" sz="2800" dirty="0"/>
           </a:p>
-        </p:txBody>
-      </p:sp>
-      <p:sp>
-        <p:nvSpPr>
-          <p:cNvPr id="10" name="Szövegdoboz 9"/>
-          <p:cNvSpPr txBox="1"/>
-          <p:nvPr/>
-        </p:nvSpPr>
-        <p:spPr>
-          <a:xfrm>
-            <a:off x="1283110" y="2017370"/>
-            <a:ext cx="5134547" cy="3108543"/>
-          </a:xfrm>
-          <a:prstGeom prst="rect">
-            <a:avLst/>
-          </a:prstGeom>
-          <a:noFill/>
-        </p:spPr>
-        <p:txBody>
-          <a:bodyPr wrap="square" rtlCol="0">
-            <a:spAutoFit/>
-          </a:bodyPr>
-          <a:lstStyle/>
           <a:p>
             <a:pPr marL="285750" indent="-285750">
               <a:buFont typeface="Arial" panose="020B0604020202020204" pitchFamily="34" charset="0"/>
@@ -4943,19 +5087,34 @@
     </p:spTree>
     <p:extLst>
       <p:ext uri="{BB962C8B-B14F-4D97-AF65-F5344CB8AC3E}">
-        <p14:creationId xmlns:p14="http://schemas.microsoft.com/office/powerpoint/2010/main" val="4171219019"/>
+        <p14:creationId xmlns:p14="http://schemas.microsoft.com/office/powerpoint/2010/main" val="802186321"/>
       </p:ext>
     </p:extLst>
   </p:cSld>
   <p:clrMapOvr>
     <a:masterClrMapping/>
   </p:clrMapOvr>
+  <p:timing>
+    <p:tnLst>
+      <p:par>
+        <p:cTn id="1" dur="indefinite" restart="never" nodeType="tmRoot"/>
+      </p:par>
+    </p:tnLst>
+  </p:timing>
 </p:sld>
 </file>
 
 <file path=ppt/slides/slide19.xml><?xml version="1.0" encoding="utf-8"?>
 <p:sld xmlns:a="http://schemas.openxmlformats.org/drawingml/2006/main" xmlns:r="http://schemas.openxmlformats.org/officeDocument/2006/relationships" xmlns:p="http://schemas.openxmlformats.org/presentationml/2006/main">
   <p:cSld>
+    <p:bg>
+      <p:bgPr>
+        <a:solidFill>
+          <a:schemeClr val="bg1"/>
+        </a:solidFill>
+        <a:effectLst/>
+      </p:bgPr>
+    </p:bg>
     <p:spTree>
       <p:nvGrpSpPr>
         <p:cNvPr id="1" name=""/>
@@ -5002,14 +5161,14 @@
       </p:sp>
       <p:sp>
         <p:nvSpPr>
-          <p:cNvPr id="5" name="Szövegdoboz 4"/>
+          <p:cNvPr id="6" name="Szövegdoboz 5"/>
           <p:cNvSpPr txBox="1"/>
           <p:nvPr/>
         </p:nvSpPr>
         <p:spPr>
           <a:xfrm>
-            <a:off x="1283110" y="1076632"/>
-            <a:ext cx="8229600" cy="523220"/>
+            <a:off x="619432" y="862433"/>
+            <a:ext cx="5531347" cy="3108543"/>
           </a:xfrm>
           <a:prstGeom prst="rect">
             <a:avLst/>
@@ -5023,43 +5182,20 @@
           <a:lstStyle/>
           <a:p>
             <a:r>
+              <a:rPr lang="hu-HU" sz="2800" dirty="0"/>
+              <a:t>Delta </a:t>
+            </a:r>
+            <a:r>
               <a:rPr lang="hu-HU" sz="2800" dirty="0" smtClean="0"/>
-              <a:t>Kültéri tápegység</a:t>
-            </a:r>
-            <a:endParaRPr lang="hu-HU" sz="2800" dirty="0"/>
-          </a:p>
-        </p:txBody>
-      </p:sp>
-      <p:sp>
-        <p:nvSpPr>
-          <p:cNvPr id="10" name="Szövegdoboz 9"/>
-          <p:cNvSpPr txBox="1"/>
-          <p:nvPr/>
-        </p:nvSpPr>
-        <p:spPr>
-          <a:xfrm>
-            <a:off x="1283110" y="2017370"/>
-            <a:ext cx="5134547" cy="2246769"/>
-          </a:xfrm>
-          <a:prstGeom prst="rect">
-            <a:avLst/>
-          </a:prstGeom>
-          <a:noFill/>
-        </p:spPr>
-        <p:txBody>
-          <a:bodyPr wrap="square" rtlCol="0">
-            <a:spAutoFit/>
-          </a:bodyPr>
-          <a:lstStyle/>
+              <a:t>konverzió</a:t>
+            </a:r>
+          </a:p>
           <a:p>
             <a:pPr marL="285750" indent="-285750">
               <a:buFont typeface="Arial" panose="020B0604020202020204" pitchFamily="34" charset="0"/>
               <a:buChar char="•"/>
             </a:pPr>
-            <a:r>
-              <a:rPr lang="hu-HU" sz="2800" dirty="0" smtClean="0"/>
-              <a:t>Időjárási különbség kiküszöbölése</a:t>
-            </a:r>
+            <a:endParaRPr lang="hu-HU" sz="2800" dirty="0"/>
           </a:p>
           <a:p>
             <a:pPr marL="285750" indent="-285750">
@@ -5068,7 +5204,7 @@
             </a:pPr>
             <a:r>
               <a:rPr lang="hu-HU" sz="2800" dirty="0" smtClean="0"/>
-              <a:t>Zárt egység</a:t>
+              <a:t>Kapcsolási időre nincs szükség</a:t>
             </a:r>
           </a:p>
           <a:p>
@@ -5078,7 +5214,15 @@
             </a:pPr>
             <a:r>
               <a:rPr lang="hu-HU" sz="2800" dirty="0" smtClean="0"/>
-              <a:t>Energia modul</a:t>
+              <a:t>Hiba esetén megy át csak áram az </a:t>
+            </a:r>
+            <a:r>
+              <a:rPr lang="hu-HU" sz="2800" dirty="0" err="1" smtClean="0"/>
+              <a:t>inverteren</a:t>
+            </a:r>
+            <a:r>
+              <a:rPr lang="hu-HU" sz="2800" dirty="0" smtClean="0"/>
+              <a:t> keresztül</a:t>
             </a:r>
           </a:p>
           <a:p>
@@ -5088,7 +5232,17 @@
             </a:pPr>
             <a:r>
               <a:rPr lang="hu-HU" sz="2800" dirty="0" smtClean="0"/>
-              <a:t>Több akkumulátor</a:t>
+              <a:t>Nem befolyásolja a frekvenciát</a:t>
+            </a:r>
+          </a:p>
+          <a:p>
+            <a:pPr marL="285750" indent="-285750">
+              <a:buFont typeface="Arial" panose="020B0604020202020204" pitchFamily="34" charset="0"/>
+              <a:buChar char="•"/>
+            </a:pPr>
+            <a:r>
+              <a:rPr lang="hu-HU" sz="2800" dirty="0" smtClean="0"/>
+              <a:t>97% hatékonyság</a:t>
             </a:r>
           </a:p>
         </p:txBody>
@@ -5096,19 +5250,34 @@
     </p:spTree>
     <p:extLst>
       <p:ext uri="{BB962C8B-B14F-4D97-AF65-F5344CB8AC3E}">
-        <p14:creationId xmlns:p14="http://schemas.microsoft.com/office/powerpoint/2010/main" val="2667657835"/>
+        <p14:creationId xmlns:p14="http://schemas.microsoft.com/office/powerpoint/2010/main" val="4003199576"/>
       </p:ext>
     </p:extLst>
   </p:cSld>
   <p:clrMapOvr>
     <a:masterClrMapping/>
   </p:clrMapOvr>
+  <p:timing>
+    <p:tnLst>
+      <p:par>
+        <p:cTn id="1" dur="indefinite" restart="never" nodeType="tmRoot"/>
+      </p:par>
+    </p:tnLst>
+  </p:timing>
 </p:sld>
 </file>
 
 <file path=ppt/slides/slide2.xml><?xml version="1.0" encoding="utf-8"?>
 <p:sld xmlns:a="http://schemas.openxmlformats.org/drawingml/2006/main" xmlns:r="http://schemas.openxmlformats.org/officeDocument/2006/relationships" xmlns:p="http://schemas.openxmlformats.org/presentationml/2006/main">
   <p:cSld>
+    <p:bg>
+      <p:bgPr>
+        <a:solidFill>
+          <a:schemeClr val="bg1"/>
+        </a:solidFill>
+        <a:effectLst/>
+      </p:bgPr>
+    </p:bg>
     <p:spTree>
       <p:nvGrpSpPr>
         <p:cNvPr id="1" name=""/>
@@ -5137,8 +5306,8 @@
         </p:nvSpPr>
         <p:spPr>
           <a:xfrm>
-            <a:off x="540589" y="540589"/>
-            <a:ext cx="2743200" cy="523220"/>
+            <a:off x="0" y="0"/>
+            <a:ext cx="2743200" cy="830997"/>
           </a:xfrm>
           <a:prstGeom prst="rect">
             <a:avLst/>
@@ -5155,10 +5324,12 @@
           <a:lstStyle/>
           <a:p>
             <a:r>
-              <a:rPr lang="hu-HU" sz="2800" dirty="0"/>
+              <a:rPr lang="hu-HU" sz="4800" dirty="0">
+                <a:latin typeface="Cambria" panose="02040503050406030204" pitchFamily="18" charset="0"/>
+                <a:ea typeface="Cambria" panose="02040503050406030204" pitchFamily="18" charset="0"/>
+              </a:rPr>
               <a:t>Feladata:</a:t>
             </a:r>
-            <a:endParaRPr lang="hu-HU" dirty="0"/>
           </a:p>
         </p:txBody>
       </p:sp>
@@ -5176,8 +5347,8 @@
         </p:nvSpPr>
         <p:spPr>
           <a:xfrm>
-            <a:off x="756249" y="1719532"/>
-            <a:ext cx="8005313" cy="523220"/>
+            <a:off x="385784" y="830997"/>
+            <a:ext cx="8005313" cy="1569660"/>
           </a:xfrm>
           <a:prstGeom prst="rect">
             <a:avLst/>
@@ -5198,106 +5369,41 @@
               <a:buChar char="•"/>
             </a:pPr>
             <a:r>
-              <a:rPr lang="hu-HU" sz="2800"/>
-              <a:t>tervezők és technológusok támogatása</a:t>
-            </a:r>
-            <a:endParaRPr lang="hu-HU">
-              <a:cs typeface="Calibri" panose="020F0502020204030204"/>
-            </a:endParaRPr>
-          </a:p>
-        </p:txBody>
-      </p:sp>
-      <p:sp>
-        <p:nvSpPr>
-          <p:cNvPr id="5" name="Szövegdoboz 4">
-            <a:extLst>
-              <a:ext uri="{FF2B5EF4-FFF2-40B4-BE49-F238E27FC236}">
-                <a16:creationId xmlns:a16="http://schemas.microsoft.com/office/drawing/2014/main" id="{1ABE9666-F973-DAAB-3488-E202F5E2F8F4}"/>
-              </a:ext>
-            </a:extLst>
-          </p:cNvPr>
-          <p:cNvSpPr txBox="1"/>
-          <p:nvPr/>
-        </p:nvSpPr>
-        <p:spPr>
-          <a:xfrm>
-            <a:off x="756249" y="2812211"/>
-            <a:ext cx="11340860" cy="954107"/>
-          </a:xfrm>
-          <a:prstGeom prst="rect">
-            <a:avLst/>
-          </a:prstGeom>
-          <a:noFill/>
-        </p:spPr>
-        <p:txBody>
-          <a:bodyPr rot="0" spcFirstLastPara="0" vertOverflow="overflow" horzOverflow="overflow" vert="horz" wrap="square" lIns="91440" tIns="45720" rIns="91440" bIns="45720" numCol="1" spcCol="0" rtlCol="0" fromWordArt="0" anchor="t" anchorCtr="0" forceAA="0" compatLnSpc="1">
-            <a:prstTxWarp prst="textNoShape">
-              <a:avLst/>
-            </a:prstTxWarp>
-            <a:spAutoFit/>
-          </a:bodyPr>
-          <a:lstStyle/>
-          <a:p>
-            <a:pPr marL="457200" indent="-457200">
-              <a:buFont typeface="Arial"/>
-              <a:buChar char="•"/>
-            </a:pPr>
-            <a:r>
-              <a:rPr lang="hu-HU" sz="2800" dirty="0"/>
-              <a:t>biztosítaniuk kell egy geometriai modellt, mellyel az üzemi feladatok megoldhatók</a:t>
-            </a:r>
-            <a:endParaRPr lang="hu-HU" dirty="0">
-              <a:cs typeface="Calibri" panose="020F0502020204030204"/>
-            </a:endParaRPr>
-          </a:p>
-        </p:txBody>
-      </p:sp>
-      <p:sp>
-        <p:nvSpPr>
-          <p:cNvPr id="6" name="Szövegdoboz 5">
-            <a:extLst>
-              <a:ext uri="{FF2B5EF4-FFF2-40B4-BE49-F238E27FC236}">
-                <a16:creationId xmlns:a16="http://schemas.microsoft.com/office/drawing/2014/main" id="{D6F18963-35F0-1C8D-46E8-A1861AE61C5F}"/>
-              </a:ext>
-            </a:extLst>
-          </p:cNvPr>
-          <p:cNvSpPr txBox="1"/>
-          <p:nvPr/>
-        </p:nvSpPr>
-        <p:spPr>
-          <a:xfrm>
-            <a:off x="756249" y="4336211"/>
-            <a:ext cx="9443048" cy="954107"/>
-          </a:xfrm>
-          <a:prstGeom prst="rect">
-            <a:avLst/>
-          </a:prstGeom>
-          <a:noFill/>
-        </p:spPr>
-        <p:txBody>
-          <a:bodyPr rot="0" spcFirstLastPara="0" vertOverflow="overflow" horzOverflow="overflow" vert="horz" wrap="square" lIns="91440" tIns="45720" rIns="91440" bIns="45720" numCol="1" spcCol="0" rtlCol="0" fromWordArt="0" anchor="t" anchorCtr="0" forceAA="0" compatLnSpc="1">
-            <a:prstTxWarp prst="textNoShape">
-              <a:avLst/>
-            </a:prstTxWarp>
-            <a:spAutoFit/>
-          </a:bodyPr>
-          <a:lstStyle/>
+              <a:rPr lang="hu-HU" sz="3200" dirty="0" smtClean="0">
+                <a:latin typeface="Cambria" panose="02040503050406030204" pitchFamily="18" charset="0"/>
+                <a:ea typeface="Cambria" panose="02040503050406030204" pitchFamily="18" charset="0"/>
+              </a:rPr>
+              <a:t>Támogatása</a:t>
+            </a:r>
+          </a:p>
           <a:p>
             <a:pPr marL="457200" indent="-457200">
               <a:buFont typeface="Arial" panose="020B0604020202020204" pitchFamily="34" charset="0"/>
               <a:buChar char="•"/>
             </a:pPr>
             <a:r>
-              <a:rPr lang="hu-HU" sz="2800"/>
-              <a:t>létre kell hozniuk, egy az üzemi berendezések számára érthető kódrendszerben leírt technológiát.</a:t>
-            </a:r>
-            <a:r>
-              <a:rPr lang="hu-HU" sz="2800">
-                <a:cs typeface="Times New Roman"/>
+              <a:rPr lang="hu-HU" sz="3200" dirty="0" smtClean="0">
+                <a:latin typeface="Cambria" panose="02040503050406030204" pitchFamily="18" charset="0"/>
+                <a:ea typeface="Cambria" panose="02040503050406030204" pitchFamily="18" charset="0"/>
               </a:rPr>
-              <a:t>​</a:t>
-            </a:r>
-            <a:endParaRPr lang="hu-HU">
+              <a:t>Megoldhatóság</a:t>
+            </a:r>
+          </a:p>
+          <a:p>
+            <a:pPr marL="457200" indent="-457200">
+              <a:buFont typeface="Arial" panose="020B0604020202020204" pitchFamily="34" charset="0"/>
+              <a:buChar char="•"/>
+            </a:pPr>
+            <a:r>
+              <a:rPr lang="hu-HU" sz="3200" dirty="0">
+                <a:latin typeface="Cambria" panose="02040503050406030204" pitchFamily="18" charset="0"/>
+                <a:ea typeface="Cambria" panose="02040503050406030204" pitchFamily="18" charset="0"/>
+              </a:rPr>
+              <a:t>Létrehozás</a:t>
+            </a:r>
+            <a:endParaRPr lang="hu-HU" sz="3200" dirty="0">
+              <a:latin typeface="Cambria" panose="02040503050406030204" pitchFamily="18" charset="0"/>
+              <a:ea typeface="Cambria" panose="02040503050406030204" pitchFamily="18" charset="0"/>
               <a:cs typeface="Calibri" panose="020F0502020204030204"/>
             </a:endParaRPr>
           </a:p>
@@ -5313,12 +5419,35 @@
   <p:clrMapOvr>
     <a:masterClrMapping/>
   </p:clrMapOvr>
+  <mc:AlternateContent xmlns:mc="http://schemas.openxmlformats.org/markup-compatibility/2006">
+    <mc:Choice xmlns:p14="http://schemas.microsoft.com/office/powerpoint/2010/main" Requires="p14">
+      <p:transition p14:dur="0"/>
+    </mc:Choice>
+    <mc:Fallback>
+      <p:transition/>
+    </mc:Fallback>
+  </mc:AlternateContent>
+  <p:timing>
+    <p:tnLst>
+      <p:par>
+        <p:cTn id="1" dur="indefinite" restart="never" nodeType="tmRoot"/>
+      </p:par>
+    </p:tnLst>
+  </p:timing>
 </p:sld>
 </file>
 
 <file path=ppt/slides/slide20.xml><?xml version="1.0" encoding="utf-8"?>
 <p:sld xmlns:a="http://schemas.openxmlformats.org/drawingml/2006/main" xmlns:r="http://schemas.openxmlformats.org/officeDocument/2006/relationships" xmlns:p="http://schemas.openxmlformats.org/presentationml/2006/main">
   <p:cSld>
+    <p:bg>
+      <p:bgPr>
+        <a:solidFill>
+          <a:schemeClr val="bg1"/>
+        </a:solidFill>
+        <a:effectLst/>
+      </p:bgPr>
+    </p:bg>
     <p:spTree>
       <p:nvGrpSpPr>
         <p:cNvPr id="1" name=""/>
@@ -5335,84 +5464,137 @@
       </p:grpSpPr>
       <p:sp>
         <p:nvSpPr>
-          <p:cNvPr id="2" name="Cím 1"/>
-          <p:cNvSpPr>
-            <a:spLocks noGrp="1"/>
-          </p:cNvSpPr>
-          <p:nvPr>
-            <p:ph type="ctrTitle"/>
-          </p:nvPr>
-        </p:nvSpPr>
-        <p:spPr/>
-        <p:txBody>
-          <a:bodyPr/>
-          <a:lstStyle/>
-          <a:p>
-            <a:r>
-              <a:rPr lang="hu-HU" dirty="0" smtClean="0"/>
-              <a:t>Köszönjük a figyelmet!</a:t>
-            </a:r>
-            <a:endParaRPr lang="hu-HU" dirty="0"/>
-          </a:p>
-        </p:txBody>
-      </p:sp>
-      <p:pic>
-        <p:nvPicPr>
-          <p:cNvPr id="1032" name="Picture 8" descr="Smiley face - Download free icons"/>
-          <p:cNvPicPr>
-            <a:picLocks noChangeAspect="1" noChangeArrowheads="1"/>
-          </p:cNvPicPr>
+          <p:cNvPr id="4" name="Szövegdoboz 3"/>
+          <p:cNvSpPr txBox="1"/>
           <p:nvPr/>
-        </p:nvPicPr>
-        <p:blipFill>
-          <a:blip r:embed="rId2">
-            <a:extLst>
-              <a:ext uri="{28A0092B-C50C-407E-A947-70E740481C1C}">
-                <a14:useLocalDpi xmlns:a14="http://schemas.microsoft.com/office/drawing/2010/main" val="0"/>
-              </a:ext>
-            </a:extLst>
-          </a:blip>
-          <a:srcRect/>
-          <a:stretch>
-            <a:fillRect/>
-          </a:stretch>
-        </p:blipFill>
-        <p:spPr bwMode="auto">
+        </p:nvSpPr>
+        <p:spPr>
           <a:xfrm>
-            <a:off x="3657600" y="2545846"/>
-            <a:ext cx="4876800" cy="4876801"/>
+            <a:off x="619432" y="339213"/>
+            <a:ext cx="2863997" cy="523220"/>
           </a:xfrm>
           <a:prstGeom prst="rect">
             <a:avLst/>
           </a:prstGeom>
           <a:noFill/>
-          <a:extLst>
-            <a:ext uri="{909E8E84-426E-40DD-AFC4-6F175D3DCCD1}">
-              <a14:hiddenFill xmlns:a14="http://schemas.microsoft.com/office/drawing/2010/main">
-                <a:solidFill>
-                  <a:srgbClr val="FFFFFF"/>
-                </a:solidFill>
-              </a14:hiddenFill>
-            </a:ext>
-          </a:extLst>
         </p:spPr>
-      </p:pic>
+        <p:txBody>
+          <a:bodyPr wrap="square" rtlCol="0">
+            <a:spAutoFit/>
+          </a:bodyPr>
+          <a:lstStyle/>
+          <a:p>
+            <a:r>
+              <a:rPr lang="hu-HU" sz="2800" dirty="0" smtClean="0"/>
+              <a:t>UPS felépítések</a:t>
+            </a:r>
+            <a:endParaRPr lang="hu-HU" sz="2800" dirty="0"/>
+          </a:p>
+        </p:txBody>
+      </p:sp>
+      <p:sp>
+        <p:nvSpPr>
+          <p:cNvPr id="5" name="Szövegdoboz 4"/>
+          <p:cNvSpPr txBox="1"/>
+          <p:nvPr/>
+        </p:nvSpPr>
+        <p:spPr>
+          <a:xfrm>
+            <a:off x="619432" y="862433"/>
+            <a:ext cx="5134547" cy="3108543"/>
+          </a:xfrm>
+          <a:prstGeom prst="rect">
+            <a:avLst/>
+          </a:prstGeom>
+          <a:noFill/>
+        </p:spPr>
+        <p:txBody>
+          <a:bodyPr wrap="square" rtlCol="0">
+            <a:spAutoFit/>
+          </a:bodyPr>
+          <a:lstStyle/>
+          <a:p>
+            <a:r>
+              <a:rPr lang="hu-HU" sz="2800" dirty="0"/>
+              <a:t>Kültéri tápegység</a:t>
+            </a:r>
+          </a:p>
+          <a:p>
+            <a:endParaRPr lang="hu-HU" sz="2800" dirty="0" smtClean="0"/>
+          </a:p>
+          <a:p>
+            <a:pPr marL="285750" indent="-285750">
+              <a:buFont typeface="Arial" panose="020B0604020202020204" pitchFamily="34" charset="0"/>
+              <a:buChar char="•"/>
+            </a:pPr>
+            <a:r>
+              <a:rPr lang="hu-HU" sz="2800" dirty="0" smtClean="0"/>
+              <a:t>Időjárási különbség kiküszöbölése</a:t>
+            </a:r>
+          </a:p>
+          <a:p>
+            <a:pPr marL="285750" indent="-285750">
+              <a:buFont typeface="Arial" panose="020B0604020202020204" pitchFamily="34" charset="0"/>
+              <a:buChar char="•"/>
+            </a:pPr>
+            <a:r>
+              <a:rPr lang="hu-HU" sz="2800" dirty="0" smtClean="0"/>
+              <a:t>Zárt egység</a:t>
+            </a:r>
+          </a:p>
+          <a:p>
+            <a:pPr marL="285750" indent="-285750">
+              <a:buFont typeface="Arial" panose="020B0604020202020204" pitchFamily="34" charset="0"/>
+              <a:buChar char="•"/>
+            </a:pPr>
+            <a:r>
+              <a:rPr lang="hu-HU" sz="2800" dirty="0" smtClean="0"/>
+              <a:t>Energia modul</a:t>
+            </a:r>
+          </a:p>
+          <a:p>
+            <a:pPr marL="285750" indent="-285750">
+              <a:buFont typeface="Arial" panose="020B0604020202020204" pitchFamily="34" charset="0"/>
+              <a:buChar char="•"/>
+            </a:pPr>
+            <a:r>
+              <a:rPr lang="hu-HU" sz="2800" dirty="0" smtClean="0"/>
+              <a:t>Több akkumulátor</a:t>
+            </a:r>
+          </a:p>
+        </p:txBody>
+      </p:sp>
     </p:spTree>
     <p:extLst>
       <p:ext uri="{BB962C8B-B14F-4D97-AF65-F5344CB8AC3E}">
-        <p14:creationId xmlns:p14="http://schemas.microsoft.com/office/powerpoint/2010/main" val="696382568"/>
+        <p14:creationId xmlns:p14="http://schemas.microsoft.com/office/powerpoint/2010/main" val="4202970130"/>
       </p:ext>
     </p:extLst>
   </p:cSld>
   <p:clrMapOvr>
     <a:masterClrMapping/>
   </p:clrMapOvr>
+  <p:timing>
+    <p:tnLst>
+      <p:par>
+        <p:cTn id="1" dur="indefinite" restart="never" nodeType="tmRoot"/>
+      </p:par>
+    </p:tnLst>
+  </p:timing>
 </p:sld>
 </file>
 
-<file path=ppt/slides/slide3.xml><?xml version="1.0" encoding="utf-8"?>
+<file path=ppt/slides/slide21.xml><?xml version="1.0" encoding="utf-8"?>
 <p:sld xmlns:a="http://schemas.openxmlformats.org/drawingml/2006/main" xmlns:r="http://schemas.openxmlformats.org/officeDocument/2006/relationships" xmlns:p="http://schemas.openxmlformats.org/presentationml/2006/main">
   <p:cSld>
+    <p:bg>
+      <p:bgPr>
+        <a:solidFill>
+          <a:schemeClr val="bg1"/>
+        </a:solidFill>
+        <a:effectLst/>
+      </p:bgPr>
+    </p:bg>
     <p:spTree>
       <p:nvGrpSpPr>
         <p:cNvPr id="1" name=""/>
@@ -5429,220 +5611,66 @@
       </p:grpSpPr>
       <p:sp>
         <p:nvSpPr>
-          <p:cNvPr id="2" name="Cím 1">
-            <a:extLst>
-              <a:ext uri="{FF2B5EF4-FFF2-40B4-BE49-F238E27FC236}">
-                <a16:creationId xmlns:a16="http://schemas.microsoft.com/office/drawing/2014/main" id="{747B81ED-167F-00E7-5A18-CA9027E64E0B}"/>
-              </a:ext>
-            </a:extLst>
-          </p:cNvPr>
+          <p:cNvPr id="2" name="Cím 1"/>
           <p:cNvSpPr>
             <a:spLocks noGrp="1"/>
           </p:cNvSpPr>
           <p:nvPr>
-            <p:ph type="title"/>
+            <p:ph type="ctrTitle"/>
           </p:nvPr>
         </p:nvSpPr>
-        <p:spPr>
-          <a:xfrm>
-            <a:off x="542499" y="421990"/>
-            <a:ext cx="10515600" cy="620429"/>
-          </a:xfrm>
-        </p:spPr>
-        <p:txBody>
-          <a:bodyPr>
-            <a:normAutofit/>
-          </a:bodyPr>
-          <a:lstStyle/>
-          <a:p>
-            <a:r>
-              <a:rPr lang="hu-HU" sz="2800" dirty="0">
-                <a:latin typeface="+mn-lt"/>
-                <a:cs typeface="Calibri Light"/>
-              </a:rPr>
-              <a:t>CAD </a:t>
-            </a:r>
-            <a:r>
-              <a:rPr lang="hu-HU" sz="2800" dirty="0">
-                <a:latin typeface="+mn-lt"/>
-                <a:cs typeface="Times New Roman"/>
-              </a:rPr>
-              <a:t>(Computer </a:t>
-            </a:r>
-            <a:r>
-              <a:rPr lang="hu-HU" sz="2800" dirty="0" err="1">
-                <a:latin typeface="+mn-lt"/>
-                <a:cs typeface="Times New Roman"/>
-              </a:rPr>
-              <a:t>Aided</a:t>
-            </a:r>
-            <a:r>
-              <a:rPr lang="hu-HU" sz="2800" dirty="0">
-                <a:latin typeface="+mn-lt"/>
-                <a:cs typeface="Times New Roman"/>
-              </a:rPr>
-              <a:t> Design)</a:t>
-            </a:r>
-            <a:r>
-              <a:rPr lang="hu-HU" sz="2800" dirty="0">
-                <a:latin typeface="+mn-lt"/>
-                <a:cs typeface="Calibri Light"/>
-              </a:rPr>
-              <a:t>:</a:t>
-            </a:r>
-            <a:endParaRPr lang="hu-HU" sz="2800" dirty="0">
-              <a:latin typeface="+mn-lt"/>
-            </a:endParaRPr>
-          </a:p>
-        </p:txBody>
-      </p:sp>
-      <p:sp>
-        <p:nvSpPr>
-          <p:cNvPr id="3" name="Tartalom helye 2">
-            <a:extLst>
-              <a:ext uri="{FF2B5EF4-FFF2-40B4-BE49-F238E27FC236}">
-                <a16:creationId xmlns:a16="http://schemas.microsoft.com/office/drawing/2014/main" id="{72063DD7-BCB8-F089-1524-DF756AC88411}"/>
-              </a:ext>
-            </a:extLst>
-          </p:cNvPr>
-          <p:cNvSpPr>
-            <a:spLocks noGrp="1"/>
-          </p:cNvSpPr>
-          <p:nvPr>
-            <p:ph idx="1"/>
-          </p:nvPr>
-        </p:nvSpPr>
-        <p:spPr>
-          <a:xfrm>
-            <a:off x="1319075" y="3091389"/>
-            <a:ext cx="10515600" cy="526961"/>
-          </a:xfrm>
-        </p:spPr>
-        <p:txBody>
-          <a:bodyPr vert="horz" lIns="91440" tIns="45720" rIns="91440" bIns="45720" rtlCol="0" anchor="t">
-            <a:normAutofit/>
-          </a:bodyPr>
-          <a:lstStyle/>
-          <a:p>
-            <a:r>
-              <a:rPr lang="hu-HU" dirty="0">
-                <a:cs typeface="Times New Roman"/>
-              </a:rPr>
-              <a:t>alapvető szerepe a geometria definiálása (számítógépes rajzolás)</a:t>
-            </a:r>
-          </a:p>
-        </p:txBody>
-      </p:sp>
-      <p:sp>
-        <p:nvSpPr>
-          <p:cNvPr id="4" name="Szövegdoboz 3">
-            <a:extLst>
-              <a:ext uri="{FF2B5EF4-FFF2-40B4-BE49-F238E27FC236}">
-                <a16:creationId xmlns:a16="http://schemas.microsoft.com/office/drawing/2014/main" id="{9463C8C4-1837-DA59-8577-3B87E987B0EF}"/>
-              </a:ext>
-            </a:extLst>
-          </p:cNvPr>
-          <p:cNvSpPr txBox="1"/>
-          <p:nvPr/>
-        </p:nvSpPr>
-        <p:spPr>
-          <a:xfrm>
-            <a:off x="1325893" y="4357215"/>
-            <a:ext cx="8936555" cy="954107"/>
-          </a:xfrm>
-          <a:prstGeom prst="rect">
-            <a:avLst/>
-          </a:prstGeom>
-          <a:noFill/>
-        </p:spPr>
-        <p:txBody>
-          <a:bodyPr rot="0" spcFirstLastPara="0" vertOverflow="overflow" horzOverflow="overflow" vert="horz" wrap="square" lIns="91440" tIns="45720" rIns="91440" bIns="45720" numCol="1" spcCol="0" rtlCol="0" fromWordArt="0" anchor="t" anchorCtr="0" forceAA="0" compatLnSpc="1">
-            <a:prstTxWarp prst="textNoShape">
-              <a:avLst/>
-            </a:prstTxWarp>
-            <a:spAutoFit/>
-          </a:bodyPr>
-          <a:lstStyle/>
-          <a:p>
-            <a:pPr marL="457200" indent="-457200">
-              <a:buFont typeface="Arial" panose="020B0604020202020204" pitchFamily="34" charset="0"/>
-              <a:buChar char="•"/>
-            </a:pPr>
-            <a:r>
-              <a:rPr lang="hu-HU" sz="2800" dirty="0">
-                <a:cs typeface="Times New Roman"/>
-              </a:rPr>
-              <a:t>a geometria felhasználható a további CAM, CAE tevékenységekhez (időmegtakarítás)</a:t>
-            </a:r>
-            <a:endParaRPr lang="hu-HU" sz="2800" dirty="0">
-              <a:cs typeface="Calibri" panose="020F0502020204030204"/>
-            </a:endParaRPr>
-          </a:p>
-        </p:txBody>
-      </p:sp>
-      <p:sp>
-        <p:nvSpPr>
-          <p:cNvPr id="5" name="Szövegdoboz 4">
-            <a:extLst>
-              <a:ext uri="{FF2B5EF4-FFF2-40B4-BE49-F238E27FC236}">
-                <a16:creationId xmlns:a16="http://schemas.microsoft.com/office/drawing/2014/main" id="{54580B51-30E4-7647-C009-056847EDE48E}"/>
-              </a:ext>
-            </a:extLst>
-          </p:cNvPr>
-          <p:cNvSpPr txBox="1"/>
-          <p:nvPr/>
-        </p:nvSpPr>
-        <p:spPr>
-          <a:xfrm>
-            <a:off x="1322921" y="1790969"/>
-            <a:ext cx="7324330" cy="523220"/>
-          </a:xfrm>
-          <a:prstGeom prst="rect">
-            <a:avLst/>
-          </a:prstGeom>
-          <a:noFill/>
-        </p:spPr>
-        <p:txBody>
-          <a:bodyPr rot="0" spcFirstLastPara="0" vertOverflow="overflow" horzOverflow="overflow" vert="horz" wrap="square" lIns="91440" tIns="45720" rIns="91440" bIns="45720" numCol="1" spcCol="0" rtlCol="0" fromWordArt="0" anchor="t" anchorCtr="0" forceAA="0" compatLnSpc="1">
-            <a:prstTxWarp prst="textNoShape">
-              <a:avLst/>
-            </a:prstTxWarp>
-            <a:spAutoFit/>
-          </a:bodyPr>
-          <a:lstStyle/>
-          <a:p>
-            <a:pPr marL="457200" indent="-457200">
-              <a:buFont typeface="Arial" panose="020B0604020202020204" pitchFamily="34" charset="0"/>
-              <a:buChar char="•"/>
-            </a:pPr>
-            <a:r>
-              <a:rPr lang="hu-HU" sz="2800" dirty="0">
-                <a:cs typeface="Times New Roman"/>
-              </a:rPr>
-              <a:t>számítógéppel segített tervezés</a:t>
-            </a:r>
-            <a:endParaRPr lang="hu-HU" sz="2800" dirty="0">
-              <a:cs typeface="Calibri" panose="020F0502020204030204"/>
-            </a:endParaRPr>
+        <p:spPr/>
+        <p:txBody>
+          <a:bodyPr/>
+          <a:lstStyle/>
+          <a:p>
+            <a:r>
+              <a:rPr lang="hu-HU" dirty="0" smtClean="0"/>
+              <a:t>Köszönjük a figyelmet!</a:t>
+            </a:r>
+            <a:endParaRPr lang="hu-HU" dirty="0"/>
           </a:p>
         </p:txBody>
       </p:sp>
     </p:spTree>
     <p:extLst>
       <p:ext uri="{BB962C8B-B14F-4D97-AF65-F5344CB8AC3E}">
-        <p14:creationId xmlns:p14="http://schemas.microsoft.com/office/powerpoint/2010/main" val="1299804670"/>
+        <p14:creationId xmlns:p14="http://schemas.microsoft.com/office/powerpoint/2010/main" val="1292648027"/>
       </p:ext>
     </p:extLst>
   </p:cSld>
   <p:clrMapOvr>
     <a:masterClrMapping/>
   </p:clrMapOvr>
+  <mc:AlternateContent xmlns:mc="http://schemas.openxmlformats.org/markup-compatibility/2006">
+    <mc:Choice xmlns:p14="http://schemas.microsoft.com/office/powerpoint/2010/main" Requires="p14">
+      <p:transition p14:dur="0"/>
+    </mc:Choice>
+    <mc:Fallback>
+      <p:transition/>
+    </mc:Fallback>
+  </mc:AlternateContent>
+  <p:timing>
+    <p:tnLst>
+      <p:par>
+        <p:cTn id="1" dur="indefinite" restart="never" nodeType="tmRoot"/>
+      </p:par>
+    </p:tnLst>
+  </p:timing>
 </p:sld>
 </file>
 
-<file path=ppt/slides/slide4.xml><?xml version="1.0" encoding="utf-8"?>
+<file path=ppt/slides/slide3.xml><?xml version="1.0" encoding="utf-8"?>
 <p:sld xmlns:a="http://schemas.openxmlformats.org/drawingml/2006/main" xmlns:r="http://schemas.openxmlformats.org/officeDocument/2006/relationships" xmlns:p="http://schemas.openxmlformats.org/presentationml/2006/main">
   <p:cSld>
+    <p:bg>
+      <p:bgPr>
+        <a:solidFill>
+          <a:schemeClr val="bg1"/>
+        </a:solidFill>
+        <a:effectLst/>
+      </p:bgPr>
+    </p:bg>
     <p:spTree>
       <p:nvGrpSpPr>
         <p:cNvPr id="1" name=""/>
@@ -5662,7 +5690,7 @@
           <p:cNvPr id="2" name="Cím 1">
             <a:extLst>
               <a:ext uri="{FF2B5EF4-FFF2-40B4-BE49-F238E27FC236}">
-                <a16:creationId xmlns:a16="http://schemas.microsoft.com/office/drawing/2014/main" id="{7A57F089-33D6-3AD3-FD0B-8F0C6E97887D}"/>
+                <a16:creationId xmlns:a16="http://schemas.microsoft.com/office/drawing/2014/main" id="{747B81ED-167F-00E7-5A18-CA9027E64E0B}"/>
               </a:ext>
             </a:extLst>
           </p:cNvPr>
@@ -5675,60 +5703,63 @@
         </p:nvSpPr>
         <p:spPr>
           <a:xfrm>
-            <a:off x="562113" y="365125"/>
-            <a:ext cx="10515600" cy="793601"/>
+            <a:off x="0" y="14038"/>
+            <a:ext cx="10515600" cy="620429"/>
           </a:xfrm>
         </p:spPr>
         <p:txBody>
           <a:bodyPr>
-            <a:normAutofit/>
+            <a:noAutofit/>
           </a:bodyPr>
           <a:lstStyle/>
           <a:p>
             <a:r>
-              <a:rPr lang="hu-HU" sz="2800" dirty="0">
+              <a:rPr lang="hu-HU" sz="4800" dirty="0">
+                <a:latin typeface="+mn-lt"/>
+                <a:cs typeface="Calibri Light"/>
+              </a:rPr>
+              <a:t>CAD </a:t>
+            </a:r>
+            <a:r>
+              <a:rPr lang="hu-HU" sz="4800" dirty="0">
                 <a:latin typeface="+mn-lt"/>
                 <a:cs typeface="Times New Roman"/>
               </a:rPr>
-              <a:t>CAM (Computer </a:t>
-            </a:r>
-            <a:r>
-              <a:rPr lang="hu-HU" sz="2800" dirty="0" err="1">
+              <a:t>(Computer </a:t>
+            </a:r>
+            <a:r>
+              <a:rPr lang="hu-HU" sz="4800" dirty="0" err="1">
                 <a:latin typeface="+mn-lt"/>
                 <a:cs typeface="Times New Roman"/>
               </a:rPr>
               <a:t>Aided</a:t>
             </a:r>
             <a:r>
-              <a:rPr lang="hu-HU" sz="2800" dirty="0">
+              <a:rPr lang="hu-HU" sz="4800" dirty="0">
                 <a:latin typeface="+mn-lt"/>
                 <a:cs typeface="Times New Roman"/>
               </a:rPr>
-              <a:t> </a:t>
-            </a:r>
-            <a:r>
-              <a:rPr lang="hu-HU" sz="2800" dirty="0" err="1">
+              <a:t> Design)</a:t>
+            </a:r>
+            <a:r>
+              <a:rPr lang="hu-HU" sz="4800" dirty="0">
                 <a:latin typeface="+mn-lt"/>
-                <a:cs typeface="Times New Roman"/>
+                <a:cs typeface="Calibri Light"/>
               </a:rPr>
-              <a:t>Manufacturing</a:t>
-            </a:r>
-            <a:r>
-              <a:rPr lang="hu-HU" sz="2800" dirty="0">
-                <a:latin typeface="+mn-lt"/>
-                <a:cs typeface="Times New Roman"/>
-              </a:rPr>
-              <a:t>):</a:t>
-            </a:r>
-          </a:p>
-        </p:txBody>
-      </p:sp>
-      <p:sp>
-        <p:nvSpPr>
-          <p:cNvPr id="4" name="Szövegdoboz 3">
+              <a:t>:</a:t>
+            </a:r>
+            <a:endParaRPr lang="hu-HU" sz="4800" dirty="0">
+              <a:latin typeface="+mn-lt"/>
+            </a:endParaRPr>
+          </a:p>
+        </p:txBody>
+      </p:sp>
+      <p:sp>
+        <p:nvSpPr>
+          <p:cNvPr id="5" name="Szövegdoboz 4">
             <a:extLst>
               <a:ext uri="{FF2B5EF4-FFF2-40B4-BE49-F238E27FC236}">
-                <a16:creationId xmlns:a16="http://schemas.microsoft.com/office/drawing/2014/main" id="{5243CC0B-FC13-F349-31A4-399FE66A463D}"/>
+                <a16:creationId xmlns:a16="http://schemas.microsoft.com/office/drawing/2014/main" id="{54580B51-30E4-7647-C009-056847EDE48E}"/>
               </a:ext>
             </a:extLst>
           </p:cNvPr>
@@ -5737,8 +5768,8 @@
         </p:nvSpPr>
         <p:spPr>
           <a:xfrm>
-            <a:off x="1035382" y="1561187"/>
-            <a:ext cx="9594979" cy="523220"/>
+            <a:off x="3784441" y="957852"/>
+            <a:ext cx="7324330" cy="2062103"/>
           </a:xfrm>
           <a:prstGeom prst="rect">
             <a:avLst/>
@@ -5759,149 +5790,54 @@
               <a:buChar char="•"/>
             </a:pPr>
             <a:r>
-              <a:rPr lang="hu-HU" sz="2800" dirty="0">
+              <a:rPr lang="hu-HU" sz="3200" dirty="0" smtClean="0">
                 <a:cs typeface="Times New Roman"/>
               </a:rPr>
-              <a:t>számítógéppel segített gyártás (gyártási folyamatok tervezése)</a:t>
-            </a:r>
-            <a:endParaRPr lang="hu-HU" sz="2800" dirty="0">
-              <a:cs typeface="Calibri" panose="020F0502020204030204"/>
+              <a:t>Számítógépes Tervezés</a:t>
+            </a:r>
+            <a:endParaRPr lang="hu-HU" sz="3200" dirty="0">
+              <a:cs typeface="Times New Roman"/>
             </a:endParaRPr>
           </a:p>
-        </p:txBody>
-      </p:sp>
-      <p:sp>
-        <p:nvSpPr>
-          <p:cNvPr id="5" name="Szövegdoboz 4">
-            <a:extLst>
-              <a:ext uri="{FF2B5EF4-FFF2-40B4-BE49-F238E27FC236}">
-                <a16:creationId xmlns:a16="http://schemas.microsoft.com/office/drawing/2014/main" id="{D9CB996E-6FCA-4C68-D085-95A738B7BB13}"/>
-              </a:ext>
-            </a:extLst>
-          </p:cNvPr>
-          <p:cNvSpPr txBox="1"/>
-          <p:nvPr/>
-        </p:nvSpPr>
-        <p:spPr>
-          <a:xfrm>
-            <a:off x="1038312" y="2464273"/>
-            <a:ext cx="10279449" cy="954107"/>
-          </a:xfrm>
-          <a:prstGeom prst="rect">
-            <a:avLst/>
-          </a:prstGeom>
-          <a:noFill/>
-        </p:spPr>
-        <p:txBody>
-          <a:bodyPr rot="0" spcFirstLastPara="0" vertOverflow="overflow" horzOverflow="overflow" vert="horz" wrap="square" lIns="91440" tIns="45720" rIns="91440" bIns="45720" numCol="1" spcCol="0" rtlCol="0" fromWordArt="0" anchor="t" anchorCtr="0" forceAA="0" compatLnSpc="1">
-            <a:prstTxWarp prst="textNoShape">
-              <a:avLst/>
-            </a:prstTxWarp>
-            <a:spAutoFit/>
-          </a:bodyPr>
-          <a:lstStyle/>
-          <a:p>
-            <a:pPr marL="457200" indent="-457200" algn="l">
-              <a:buFont typeface="Arial" panose="020B0604020202020204" pitchFamily="34" charset="0"/>
-              <a:buChar char="•"/>
-            </a:pPr>
-            <a:r>
-              <a:rPr lang="hu-HU" sz="2800"/>
-              <a:t>NC (numerical control) gyártóeszközök programozott vezérlésének technológiája</a:t>
-            </a:r>
-            <a:endParaRPr lang="hu-HU"/>
-          </a:p>
-        </p:txBody>
-      </p:sp>
-      <p:sp>
-        <p:nvSpPr>
-          <p:cNvPr id="6" name="Szövegdoboz 5">
-            <a:extLst>
-              <a:ext uri="{FF2B5EF4-FFF2-40B4-BE49-F238E27FC236}">
-                <a16:creationId xmlns:a16="http://schemas.microsoft.com/office/drawing/2014/main" id="{68D7C658-9378-01CB-8EC2-48DFDA168E20}"/>
-              </a:ext>
-            </a:extLst>
-          </p:cNvPr>
-          <p:cNvSpPr txBox="1"/>
-          <p:nvPr/>
-        </p:nvSpPr>
-        <p:spPr>
-          <a:xfrm>
-            <a:off x="1040340" y="3748246"/>
-            <a:ext cx="9734938" cy="954107"/>
-          </a:xfrm>
-          <a:prstGeom prst="rect">
-            <a:avLst/>
-          </a:prstGeom>
-          <a:noFill/>
-        </p:spPr>
-        <p:txBody>
-          <a:bodyPr rot="0" spcFirstLastPara="0" vertOverflow="overflow" horzOverflow="overflow" vert="horz" wrap="square" lIns="91440" tIns="45720" rIns="91440" bIns="45720" numCol="1" spcCol="0" rtlCol="0" fromWordArt="0" anchor="t" anchorCtr="0" forceAA="0" compatLnSpc="1">
-            <a:prstTxWarp prst="textNoShape">
-              <a:avLst/>
-            </a:prstTxWarp>
-            <a:spAutoFit/>
-          </a:bodyPr>
-          <a:lstStyle/>
           <a:p>
             <a:pPr marL="457200" indent="-457200">
               <a:buFont typeface="Arial" panose="020B0604020202020204" pitchFamily="34" charset="0"/>
               <a:buChar char="•"/>
             </a:pPr>
             <a:r>
-              <a:rPr lang="hu-HU" sz="2800" dirty="0">
+              <a:rPr lang="hu-HU" sz="3200" dirty="0">
                 <a:cs typeface="Times New Roman"/>
               </a:rPr>
-              <a:t>gyártócellában működtethető robotok programozása NC gépek részére</a:t>
-            </a:r>
-            <a:endParaRPr lang="hu-HU" sz="2800" dirty="0">
-              <a:cs typeface="Calibri" panose="020F0502020204030204"/>
-            </a:endParaRPr>
-          </a:p>
-        </p:txBody>
-      </p:sp>
-      <p:sp>
-        <p:nvSpPr>
-          <p:cNvPr id="7" name="Szövegdoboz 6">
-            <a:extLst>
-              <a:ext uri="{FF2B5EF4-FFF2-40B4-BE49-F238E27FC236}">
-                <a16:creationId xmlns:a16="http://schemas.microsoft.com/office/drawing/2014/main" id="{E9E9851C-8205-36DF-2E2C-A42F23CE9309}"/>
-              </a:ext>
-            </a:extLst>
-          </p:cNvPr>
-          <p:cNvSpPr txBox="1"/>
-          <p:nvPr/>
-        </p:nvSpPr>
-        <p:spPr>
-          <a:xfrm>
-            <a:off x="1035833" y="5306503"/>
-            <a:ext cx="9501673" cy="523220"/>
-          </a:xfrm>
-          <a:prstGeom prst="rect">
-            <a:avLst/>
-          </a:prstGeom>
-          <a:noFill/>
-        </p:spPr>
-        <p:txBody>
-          <a:bodyPr rot="0" spcFirstLastPara="0" vertOverflow="overflow" horzOverflow="overflow" vert="horz" wrap="square" lIns="91440" tIns="45720" rIns="91440" bIns="45720" numCol="1" spcCol="0" rtlCol="0" fromWordArt="0" anchor="t" anchorCtr="0" forceAA="0" compatLnSpc="1">
-            <a:prstTxWarp prst="textNoShape">
-              <a:avLst/>
-            </a:prstTxWarp>
-            <a:spAutoFit/>
-          </a:bodyPr>
-          <a:lstStyle/>
-          <a:p>
-            <a:pPr marL="457200" indent="-457200" algn="l">
+              <a:t>Számítógépes </a:t>
+            </a:r>
+            <a:r>
+              <a:rPr lang="hu-HU" sz="3200" dirty="0" smtClean="0">
+                <a:cs typeface="Times New Roman"/>
+              </a:rPr>
+              <a:t>Rajzolás</a:t>
+            </a:r>
+          </a:p>
+          <a:p>
+            <a:pPr marL="457200" indent="-457200">
               <a:buFont typeface="Arial" panose="020B0604020202020204" pitchFamily="34" charset="0"/>
               <a:buChar char="•"/>
             </a:pPr>
             <a:r>
-              <a:rPr lang="hu-HU" sz="2800" dirty="0">
+              <a:rPr lang="hu-HU" sz="3200" dirty="0">
                 <a:cs typeface="Times New Roman"/>
               </a:rPr>
-              <a:t>folyamat-tervezés</a:t>
-            </a:r>
-            <a:endParaRPr lang="hu-HU" sz="2800" dirty="0">
+              <a:t>Időmegtakarítás</a:t>
+            </a:r>
+            <a:endParaRPr lang="hu-HU" sz="3200" dirty="0">
+              <a:cs typeface="Calibri" panose="020F0502020204030204"/>
+            </a:endParaRPr>
+          </a:p>
+          <a:p>
+            <a:pPr marL="457200" indent="-457200">
+              <a:buFont typeface="Arial" panose="020B0604020202020204" pitchFamily="34" charset="0"/>
+              <a:buChar char="•"/>
+            </a:pPr>
+            <a:endParaRPr lang="hu-HU" sz="3200" dirty="0">
               <a:cs typeface="Calibri" panose="020F0502020204030204"/>
             </a:endParaRPr>
           </a:p>
@@ -5910,19 +5846,42 @@
     </p:spTree>
     <p:extLst>
       <p:ext uri="{BB962C8B-B14F-4D97-AF65-F5344CB8AC3E}">
-        <p14:creationId xmlns:p14="http://schemas.microsoft.com/office/powerpoint/2010/main" val="4168598281"/>
+        <p14:creationId xmlns:p14="http://schemas.microsoft.com/office/powerpoint/2010/main" val="1299804670"/>
       </p:ext>
     </p:extLst>
   </p:cSld>
   <p:clrMapOvr>
     <a:masterClrMapping/>
   </p:clrMapOvr>
+  <mc:AlternateContent xmlns:mc="http://schemas.openxmlformats.org/markup-compatibility/2006">
+    <mc:Choice xmlns:p14="http://schemas.microsoft.com/office/powerpoint/2010/main" Requires="p14">
+      <p:transition p14:dur="0"/>
+    </mc:Choice>
+    <mc:Fallback>
+      <p:transition/>
+    </mc:Fallback>
+  </mc:AlternateContent>
+  <p:timing>
+    <p:tnLst>
+      <p:par>
+        <p:cTn id="1" dur="indefinite" restart="never" nodeType="tmRoot"/>
+      </p:par>
+    </p:tnLst>
+  </p:timing>
 </p:sld>
 </file>
 
-<file path=ppt/slides/slide5.xml><?xml version="1.0" encoding="utf-8"?>
+<file path=ppt/slides/slide4.xml><?xml version="1.0" encoding="utf-8"?>
 <p:sld xmlns:a="http://schemas.openxmlformats.org/drawingml/2006/main" xmlns:r="http://schemas.openxmlformats.org/officeDocument/2006/relationships" xmlns:p="http://schemas.openxmlformats.org/presentationml/2006/main">
   <p:cSld>
+    <p:bg>
+      <p:bgPr>
+        <a:solidFill>
+          <a:schemeClr val="bg1"/>
+        </a:solidFill>
+        <a:effectLst/>
+      </p:bgPr>
+    </p:bg>
     <p:spTree>
       <p:nvGrpSpPr>
         <p:cNvPr id="1" name=""/>
@@ -5937,145 +5896,75 @@
           <a:chExt cx="0" cy="0"/>
         </a:xfrm>
       </p:grpSpPr>
-      <p:sp>
-        <p:nvSpPr>
-          <p:cNvPr id="2" name="Cím 1">
+      <p:pic>
+        <p:nvPicPr>
+          <p:cNvPr id="4" name="Kép 3"/>
+          <p:cNvPicPr>
+            <a:picLocks noChangeAspect="1"/>
+          </p:cNvPicPr>
+          <p:nvPr/>
+        </p:nvPicPr>
+        <p:blipFill>
+          <a:blip r:embed="rId2">
             <a:extLst>
-              <a:ext uri="{FF2B5EF4-FFF2-40B4-BE49-F238E27FC236}">
-                <a16:creationId xmlns:a16="http://schemas.microsoft.com/office/drawing/2014/main" id="{0804CFCC-32BD-1298-8DB9-1EFCDCCEA05B}"/>
+              <a:ext uri="{28A0092B-C50C-407E-A947-70E740481C1C}">
+                <a14:useLocalDpi xmlns:a14="http://schemas.microsoft.com/office/drawing/2010/main" val="0"/>
               </a:ext>
             </a:extLst>
-          </p:cNvPr>
-          <p:cNvSpPr>
-            <a:spLocks noGrp="1"/>
-          </p:cNvSpPr>
-          <p:nvPr>
-            <p:ph type="title"/>
-          </p:nvPr>
-        </p:nvSpPr>
+          </a:blip>
+          <a:stretch>
+            <a:fillRect/>
+          </a:stretch>
+        </p:blipFill>
         <p:spPr>
           <a:xfrm>
-            <a:off x="584200" y="265733"/>
-            <a:ext cx="10515600" cy="740258"/>
-          </a:xfrm>
-        </p:spPr>
-        <p:txBody>
-          <a:bodyPr>
-            <a:normAutofit/>
-          </a:bodyPr>
-          <a:lstStyle/>
-          <a:p>
-            <a:r>
-              <a:rPr lang="hu-HU" sz="2800" dirty="0">
-                <a:latin typeface="+mn-lt"/>
-                <a:cs typeface="Times New Roman"/>
-              </a:rPr>
-              <a:t>A különbség a CAD és a CAM között:</a:t>
-            </a:r>
-            <a:endParaRPr lang="hu-HU" sz="2800" dirty="0">
-              <a:latin typeface="+mn-lt"/>
-            </a:endParaRPr>
-          </a:p>
-        </p:txBody>
-      </p:sp>
-      <p:sp>
-        <p:nvSpPr>
-          <p:cNvPr id="3" name="Tartalom helye 2">
-            <a:extLst>
-              <a:ext uri="{FF2B5EF4-FFF2-40B4-BE49-F238E27FC236}">
-                <a16:creationId xmlns:a16="http://schemas.microsoft.com/office/drawing/2014/main" id="{BBD58E1D-F2A8-235B-8BC9-A92248F0CE94}"/>
-              </a:ext>
-            </a:extLst>
-          </p:cNvPr>
-          <p:cNvSpPr>
-            <a:spLocks noGrp="1"/>
-          </p:cNvSpPr>
-          <p:nvPr>
-            <p:ph idx="1"/>
-          </p:nvPr>
-        </p:nvSpPr>
-        <p:spPr>
-          <a:xfrm>
-            <a:off x="937591" y="1792495"/>
-            <a:ext cx="10515600" cy="947864"/>
-          </a:xfrm>
-        </p:spPr>
-        <p:txBody>
-          <a:bodyPr vert="horz" lIns="91440" tIns="45720" rIns="91440" bIns="45720" rtlCol="0" anchor="t">
-            <a:normAutofit/>
-          </a:bodyPr>
-          <a:lstStyle/>
-          <a:p>
-            <a:r>
-              <a:rPr lang="hu-HU" dirty="0">
-                <a:cs typeface="Times New Roman"/>
-              </a:rPr>
-              <a:t>CAD számítógépek használatát jelenti a termék elképzeléseinek részletes mérnöki tervezéssé átalakítására.</a:t>
-            </a:r>
-            <a:endParaRPr lang="hu-HU" dirty="0"/>
-          </a:p>
-        </p:txBody>
-      </p:sp>
-      <p:sp>
-        <p:nvSpPr>
-          <p:cNvPr id="4" name="Szövegdoboz 3">
-            <a:extLst>
-              <a:ext uri="{FF2B5EF4-FFF2-40B4-BE49-F238E27FC236}">
-                <a16:creationId xmlns:a16="http://schemas.microsoft.com/office/drawing/2014/main" id="{89AAAC4F-D2C7-6A40-2558-D9FC82460CDE}"/>
-              </a:ext>
-            </a:extLst>
-          </p:cNvPr>
-          <p:cNvSpPr txBox="1"/>
-          <p:nvPr/>
-        </p:nvSpPr>
-        <p:spPr>
-          <a:xfrm>
-            <a:off x="935088" y="3771459"/>
-            <a:ext cx="10901265" cy="954107"/>
+            <a:off x="-1" y="0"/>
+            <a:ext cx="12304059" cy="6858000"/>
           </a:xfrm>
           <a:prstGeom prst="rect">
             <a:avLst/>
           </a:prstGeom>
-          <a:noFill/>
         </p:spPr>
-        <p:txBody>
-          <a:bodyPr rot="0" spcFirstLastPara="0" vertOverflow="overflow" horzOverflow="overflow" vert="horz" wrap="square" lIns="91440" tIns="45720" rIns="91440" bIns="45720" numCol="1" spcCol="0" rtlCol="0" fromWordArt="0" anchor="t" anchorCtr="0" forceAA="0" compatLnSpc="1">
-            <a:prstTxWarp prst="textNoShape">
-              <a:avLst/>
-            </a:prstTxWarp>
-            <a:spAutoFit/>
-          </a:bodyPr>
-          <a:lstStyle/>
-          <a:p>
-            <a:pPr marL="457200" indent="-457200">
-              <a:buFont typeface="Arial" panose="020B0604020202020204" pitchFamily="34" charset="0"/>
-              <a:buChar char="•"/>
-            </a:pPr>
-            <a:r>
-              <a:rPr lang="hu-HU" sz="2800" dirty="0">
-                <a:cs typeface="Times New Roman"/>
-              </a:rPr>
-              <a:t>CAD olyan folyamatot tartalmaz, mint a geometriai modell meghatározása és a definíció, a felület, a tervezés</a:t>
-            </a:r>
-          </a:p>
-        </p:txBody>
-      </p:sp>
+      </p:pic>
     </p:spTree>
     <p:extLst>
       <p:ext uri="{BB962C8B-B14F-4D97-AF65-F5344CB8AC3E}">
-        <p14:creationId xmlns:p14="http://schemas.microsoft.com/office/powerpoint/2010/main" val="3039181735"/>
+        <p14:creationId xmlns:p14="http://schemas.microsoft.com/office/powerpoint/2010/main" val="4124318971"/>
       </p:ext>
     </p:extLst>
   </p:cSld>
   <p:clrMapOvr>
     <a:masterClrMapping/>
   </p:clrMapOvr>
+  <mc:AlternateContent xmlns:mc="http://schemas.openxmlformats.org/markup-compatibility/2006">
+    <mc:Choice xmlns:p14="http://schemas.microsoft.com/office/powerpoint/2010/main" Requires="p14">
+      <p:transition p14:dur="0"/>
+    </mc:Choice>
+    <mc:Fallback>
+      <p:transition/>
+    </mc:Fallback>
+  </mc:AlternateContent>
+  <p:timing>
+    <p:tnLst>
+      <p:par>
+        <p:cTn id="1" dur="indefinite" restart="never" nodeType="tmRoot"/>
+      </p:par>
+    </p:tnLst>
+  </p:timing>
 </p:sld>
 </file>
 
-<file path=ppt/slides/slide6.xml><?xml version="1.0" encoding="utf-8"?>
+<file path=ppt/slides/slide5.xml><?xml version="1.0" encoding="utf-8"?>
 <p:sld xmlns:a="http://schemas.openxmlformats.org/drawingml/2006/main" xmlns:r="http://schemas.openxmlformats.org/officeDocument/2006/relationships" xmlns:p="http://schemas.openxmlformats.org/presentationml/2006/main">
   <p:cSld>
+    <p:bg>
+      <p:bgPr>
+        <a:solidFill>
+          <a:schemeClr val="bg1"/>
+        </a:solidFill>
+        <a:effectLst/>
+      </p:bgPr>
+    </p:bg>
     <p:spTree>
       <p:nvGrpSpPr>
         <p:cNvPr id="1" name=""/>
@@ -6095,7 +5984,7 @@
           <p:cNvPr id="2" name="Cím 1">
             <a:extLst>
               <a:ext uri="{FF2B5EF4-FFF2-40B4-BE49-F238E27FC236}">
-                <a16:creationId xmlns:a16="http://schemas.microsoft.com/office/drawing/2014/main" id="{0F312D00-CDE3-C76D-2F31-5B3FA9027AE5}"/>
+                <a16:creationId xmlns:a16="http://schemas.microsoft.com/office/drawing/2014/main" id="{7A57F089-33D6-3AD3-FD0B-8F0C6E97887D}"/>
               </a:ext>
             </a:extLst>
           </p:cNvPr>
@@ -6108,8 +5997,8 @@
         </p:nvSpPr>
         <p:spPr>
           <a:xfrm>
-            <a:off x="595243" y="343037"/>
-            <a:ext cx="10515600" cy="541476"/>
+            <a:off x="21906" y="0"/>
+            <a:ext cx="10515600" cy="793601"/>
           </a:xfrm>
         </p:spPr>
         <p:txBody>
@@ -6119,28 +6008,59 @@
           <a:lstStyle/>
           <a:p>
             <a:r>
-              <a:rPr lang="hu-HU" sz="2800" dirty="0">
+              <a:rPr lang="hu-HU" sz="4800" dirty="0">
                 <a:latin typeface="+mn-lt"/>
                 <a:cs typeface="Times New Roman"/>
               </a:rPr>
-              <a:t>Szünetmentes tápegységek:</a:t>
-            </a:r>
-            <a:endParaRPr lang="hu-HU" sz="2800" dirty="0">
-              <a:latin typeface="+mn-lt"/>
-            </a:endParaRPr>
-          </a:p>
-        </p:txBody>
-      </p:sp>
-      <p:sp>
-        <p:nvSpPr>
-          <p:cNvPr id="4" name="Szövegdoboz 3"/>
+              <a:t>CAM (Computer </a:t>
+            </a:r>
+            <a:r>
+              <a:rPr lang="hu-HU" sz="4800" dirty="0" err="1">
+                <a:latin typeface="+mn-lt"/>
+                <a:cs typeface="Times New Roman"/>
+              </a:rPr>
+              <a:t>Aided</a:t>
+            </a:r>
+            <a:r>
+              <a:rPr lang="hu-HU" sz="4800" dirty="0">
+                <a:latin typeface="+mn-lt"/>
+                <a:cs typeface="Times New Roman"/>
+              </a:rPr>
+              <a:t> </a:t>
+            </a:r>
+            <a:r>
+              <a:rPr lang="hu-HU" sz="4800" dirty="0" err="1">
+                <a:latin typeface="+mn-lt"/>
+                <a:cs typeface="Times New Roman"/>
+              </a:rPr>
+              <a:t>Manufacturing</a:t>
+            </a:r>
+            <a:r>
+              <a:rPr lang="hu-HU" sz="4800" dirty="0">
+                <a:latin typeface="+mn-lt"/>
+                <a:cs typeface="Times New Roman"/>
+              </a:rPr>
+              <a:t>):</a:t>
+            </a:r>
+          </a:p>
+        </p:txBody>
+      </p:sp>
+      <p:sp>
+        <p:nvSpPr>
+          <p:cNvPr id="4" name="Szövegdoboz 3">
+            <a:extLst>
+              <a:ext uri="{FF2B5EF4-FFF2-40B4-BE49-F238E27FC236}">
+                <a16:creationId xmlns:a16="http://schemas.microsoft.com/office/drawing/2014/main" id="{5243CC0B-FC13-F349-31A4-399FE66A463D}"/>
+              </a:ext>
+            </a:extLst>
+          </p:cNvPr>
           <p:cNvSpPr txBox="1"/>
           <p:nvPr/>
         </p:nvSpPr>
         <p:spPr>
           <a:xfrm>
-            <a:off x="1283109" y="1607575"/>
-            <a:ext cx="7905136" cy="523220"/>
+            <a:off x="704371" y="1363206"/>
+            <a:ext cx="3607119" cy="2246769"/>
           </a:xfrm>
           <a:prstGeom prst="rect">
             <a:avLst/>
@@ -6148,120 +6068,118 @@
           <a:noFill/>
         </p:spPr>
         <p:txBody>
-          <a:bodyPr wrap="square" rtlCol="0">
+          <a:bodyPr rot="0" spcFirstLastPara="0" vertOverflow="overflow" horzOverflow="overflow" vert="horz" wrap="square" lIns="91440" tIns="45720" rIns="91440" bIns="45720" numCol="1" spcCol="0" rtlCol="0" fromWordArt="0" anchor="t" anchorCtr="0" forceAA="0" compatLnSpc="1">
+            <a:prstTxWarp prst="textNoShape">
+              <a:avLst/>
+            </a:prstTxWarp>
             <a:spAutoFit/>
           </a:bodyPr>
           <a:lstStyle/>
           <a:p>
-            <a:pPr marL="285750" indent="-285750">
+            <a:pPr marL="457200" indent="-457200">
               <a:buFont typeface="Arial" panose="020B0604020202020204" pitchFamily="34" charset="0"/>
               <a:buChar char="•"/>
             </a:pPr>
             <a:r>
-              <a:rPr lang="hu-HU" sz="2800" dirty="0"/>
-              <a:t>Hirtelen áramkimaradás esetén bekapcsolva marad </a:t>
-            </a:r>
-          </a:p>
-        </p:txBody>
-      </p:sp>
-      <p:sp>
-        <p:nvSpPr>
-          <p:cNvPr id="5" name="Szövegdoboz 4"/>
-          <p:cNvSpPr txBox="1"/>
-          <p:nvPr/>
-        </p:nvSpPr>
-        <p:spPr>
-          <a:xfrm>
-            <a:off x="1253613" y="3126659"/>
-            <a:ext cx="7934632" cy="523220"/>
-          </a:xfrm>
-          <a:prstGeom prst="rect">
-            <a:avLst/>
-          </a:prstGeom>
-          <a:noFill/>
-        </p:spPr>
-        <p:txBody>
-          <a:bodyPr wrap="square" rtlCol="0">
-            <a:spAutoFit/>
-          </a:bodyPr>
-          <a:lstStyle/>
-          <a:p>
-            <a:pPr marL="285750" lvl="0" indent="-285750">
+              <a:rPr lang="hu-HU" sz="2800" dirty="0" smtClean="0">
+                <a:cs typeface="Times New Roman"/>
+              </a:rPr>
+              <a:t>Gyártási </a:t>
+            </a:r>
+            <a:r>
+              <a:rPr lang="hu-HU" sz="2800" dirty="0">
+                <a:cs typeface="Times New Roman"/>
+              </a:rPr>
+              <a:t>folyamatok </a:t>
+            </a:r>
+            <a:r>
+              <a:rPr lang="hu-HU" sz="2800" dirty="0" smtClean="0">
+                <a:cs typeface="Times New Roman"/>
+              </a:rPr>
+              <a:t>tervezése</a:t>
+            </a:r>
+          </a:p>
+          <a:p>
+            <a:pPr marL="457200" indent="-457200">
               <a:buFont typeface="Arial" panose="020B0604020202020204" pitchFamily="34" charset="0"/>
               <a:buChar char="•"/>
             </a:pPr>
             <a:r>
-              <a:rPr lang="hu-HU" sz="2800" dirty="0" err="1"/>
-              <a:t>T</a:t>
-            </a:r>
-            <a:r>
-              <a:rPr lang="hu-HU" sz="2800" dirty="0" err="1" smtClean="0"/>
-              <a:t>úlfeszűltség</a:t>
-            </a:r>
-            <a:r>
-              <a:rPr lang="hu-HU" sz="2800" dirty="0" smtClean="0"/>
+              <a:rPr lang="hu-HU" sz="2800" dirty="0" err="1" smtClean="0">
+                <a:cs typeface="Times New Roman"/>
+              </a:rPr>
+              <a:t>Numerical</a:t>
+            </a:r>
+            <a:r>
+              <a:rPr lang="hu-HU" sz="2800" dirty="0" smtClean="0">
+                <a:cs typeface="Times New Roman"/>
+              </a:rPr>
               <a:t> </a:t>
             </a:r>
             <a:r>
-              <a:rPr lang="hu-HU" sz="2800" dirty="0"/>
-              <a:t>védő</a:t>
-            </a:r>
-          </a:p>
-        </p:txBody>
-      </p:sp>
-      <p:sp>
-        <p:nvSpPr>
-          <p:cNvPr id="6" name="Szövegdoboz 5"/>
-          <p:cNvSpPr txBox="1"/>
-          <p:nvPr/>
-        </p:nvSpPr>
-        <p:spPr>
-          <a:xfrm>
-            <a:off x="1283109" y="4645743"/>
-            <a:ext cx="6828504" cy="523220"/>
-          </a:xfrm>
-          <a:prstGeom prst="rect">
-            <a:avLst/>
-          </a:prstGeom>
-          <a:noFill/>
-        </p:spPr>
-        <p:txBody>
-          <a:bodyPr wrap="square" rtlCol="0">
-            <a:spAutoFit/>
-          </a:bodyPr>
-          <a:lstStyle/>
-          <a:p>
-            <a:pPr marL="285750" indent="-285750">
+              <a:rPr lang="hu-HU" sz="2800" dirty="0" err="1" smtClean="0">
+                <a:cs typeface="Times New Roman"/>
+              </a:rPr>
+              <a:t>Control</a:t>
+            </a:r>
+            <a:endParaRPr lang="hu-HU" sz="2800" dirty="0" smtClean="0"/>
+          </a:p>
+          <a:p>
+            <a:pPr marL="457200" indent="-457200">
               <a:buFont typeface="Arial" panose="020B0604020202020204" pitchFamily="34" charset="0"/>
               <a:buChar char="•"/>
             </a:pPr>
             <a:r>
-              <a:rPr lang="hu-HU" sz="2800" dirty="0" err="1"/>
-              <a:t>Hosszabítóként</a:t>
-            </a:r>
-            <a:r>
-              <a:rPr lang="hu-HU" sz="2800" dirty="0"/>
-              <a:t> is használható</a:t>
-            </a:r>
+              <a:rPr lang="hu-HU" sz="2800" dirty="0" smtClean="0">
+                <a:cs typeface="Times New Roman"/>
+              </a:rPr>
+              <a:t>Robotok programozása</a:t>
+            </a:r>
+            <a:endParaRPr lang="hu-HU" sz="2800" dirty="0">
+              <a:cs typeface="Calibri" panose="020F0502020204030204"/>
+            </a:endParaRPr>
           </a:p>
         </p:txBody>
       </p:sp>
     </p:spTree>
     <p:extLst>
       <p:ext uri="{BB962C8B-B14F-4D97-AF65-F5344CB8AC3E}">
-        <p14:creationId xmlns:p14="http://schemas.microsoft.com/office/powerpoint/2010/main" val="744428930"/>
+        <p14:creationId xmlns:p14="http://schemas.microsoft.com/office/powerpoint/2010/main" val="4168598281"/>
       </p:ext>
     </p:extLst>
   </p:cSld>
   <p:clrMapOvr>
     <a:masterClrMapping/>
   </p:clrMapOvr>
+  <mc:AlternateContent xmlns:mc="http://schemas.openxmlformats.org/markup-compatibility/2006">
+    <mc:Choice xmlns:p14="http://schemas.microsoft.com/office/powerpoint/2010/main" Requires="p14">
+      <p:transition p14:dur="0"/>
+    </mc:Choice>
+    <mc:Fallback>
+      <p:transition/>
+    </mc:Fallback>
+  </mc:AlternateContent>
+  <p:timing>
+    <p:tnLst>
+      <p:par>
+        <p:cTn id="1" dur="indefinite" restart="never" nodeType="tmRoot"/>
+      </p:par>
+    </p:tnLst>
+  </p:timing>
 </p:sld>
 </file>
 
-<file path=ppt/slides/slide7.xml><?xml version="1.0" encoding="utf-8"?>
+<file path=ppt/slides/slide6.xml><?xml version="1.0" encoding="utf-8"?>
 <p:sld xmlns:a="http://schemas.openxmlformats.org/drawingml/2006/main" xmlns:r="http://schemas.openxmlformats.org/officeDocument/2006/relationships" xmlns:p="http://schemas.openxmlformats.org/presentationml/2006/main">
   <p:cSld>
+    <p:bg>
+      <p:bgPr>
+        <a:solidFill>
+          <a:schemeClr val="bg1"/>
+        </a:solidFill>
+        <a:effectLst/>
+      </p:bgPr>
+    </p:bg>
     <p:spTree>
       <p:nvGrpSpPr>
         <p:cNvPr id="1" name=""/>
@@ -6278,224 +6196,220 @@
       </p:grpSpPr>
       <p:sp>
         <p:nvSpPr>
-          <p:cNvPr id="4" name="Szövegdoboz 3"/>
-          <p:cNvSpPr txBox="1"/>
-          <p:nvPr/>
+          <p:cNvPr id="2" name="Cím 1">
+            <a:extLst>
+              <a:ext uri="{FF2B5EF4-FFF2-40B4-BE49-F238E27FC236}">
+                <a16:creationId xmlns:a16="http://schemas.microsoft.com/office/drawing/2014/main" id="{0804CFCC-32BD-1298-8DB9-1EFCDCCEA05B}"/>
+              </a:ext>
+            </a:extLst>
+          </p:cNvPr>
+          <p:cNvSpPr>
+            <a:spLocks noGrp="1"/>
+          </p:cNvSpPr>
+          <p:nvPr>
+            <p:ph type="title"/>
+          </p:nvPr>
         </p:nvSpPr>
         <p:spPr>
           <a:xfrm>
-            <a:off x="619432" y="339213"/>
-            <a:ext cx="1533833" cy="523220"/>
+            <a:off x="584200" y="302866"/>
+            <a:ext cx="10515600" cy="740258"/>
           </a:xfrm>
-          <a:prstGeom prst="rect">
-            <a:avLst/>
-          </a:prstGeom>
-          <a:noFill/>
         </p:spPr>
         <p:txBody>
-          <a:bodyPr wrap="square" rtlCol="0">
-            <a:spAutoFit/>
+          <a:bodyPr>
+            <a:normAutofit/>
           </a:bodyPr>
           <a:lstStyle/>
           <a:p>
             <a:r>
-              <a:rPr lang="hu-HU" sz="2800" dirty="0" smtClean="0"/>
-              <a:t>Típusai:</a:t>
-            </a:r>
-            <a:endParaRPr lang="hu-HU" sz="2800" dirty="0"/>
-          </a:p>
-        </p:txBody>
-      </p:sp>
-      <p:sp>
-        <p:nvSpPr>
-          <p:cNvPr id="5" name="Szövegdoboz 4"/>
-          <p:cNvSpPr txBox="1"/>
-          <p:nvPr/>
+              <a:rPr lang="hu-HU" sz="2800" dirty="0">
+                <a:latin typeface="+mn-lt"/>
+                <a:cs typeface="Times New Roman"/>
+              </a:rPr>
+              <a:t>A különbség a CAD és a CAM között:</a:t>
+            </a:r>
+            <a:endParaRPr lang="hu-HU" sz="2800" dirty="0">
+              <a:latin typeface="+mn-lt"/>
+            </a:endParaRPr>
+          </a:p>
+        </p:txBody>
+      </p:sp>
+      <p:sp>
+        <p:nvSpPr>
+          <p:cNvPr id="3" name="Tartalom helye 2">
+            <a:extLst>
+              <a:ext uri="{FF2B5EF4-FFF2-40B4-BE49-F238E27FC236}">
+                <a16:creationId xmlns:a16="http://schemas.microsoft.com/office/drawing/2014/main" id="{BBD58E1D-F2A8-235B-8BC9-A92248F0CE94}"/>
+              </a:ext>
+            </a:extLst>
+          </p:cNvPr>
+          <p:cNvSpPr>
+            <a:spLocks noGrp="1"/>
+          </p:cNvSpPr>
+          <p:nvPr>
+            <p:ph idx="1"/>
+          </p:nvPr>
         </p:nvSpPr>
         <p:spPr>
           <a:xfrm>
-            <a:off x="1283110" y="1076632"/>
-            <a:ext cx="8229600" cy="523220"/>
+            <a:off x="832083" y="1005991"/>
+            <a:ext cx="10515600" cy="3530840"/>
           </a:xfrm>
-          <a:prstGeom prst="rect">
-            <a:avLst/>
-          </a:prstGeom>
-          <a:noFill/>
         </p:spPr>
         <p:txBody>
-          <a:bodyPr wrap="square" rtlCol="0">
-            <a:spAutoFit/>
+          <a:bodyPr vert="horz" lIns="91440" tIns="45720" rIns="91440" bIns="45720" rtlCol="0" anchor="t">
+            <a:normAutofit lnSpcReduction="10000"/>
           </a:bodyPr>
           <a:lstStyle/>
           <a:p>
-            <a:r>
-              <a:rPr lang="hu-HU" sz="2800" dirty="0"/>
-              <a:t>Offline (</a:t>
-            </a:r>
-            <a:r>
-              <a:rPr lang="hu-HU" sz="2800" dirty="0" err="1"/>
-              <a:t>Standby</a:t>
-            </a:r>
-            <a:r>
-              <a:rPr lang="hu-HU" sz="2800" dirty="0"/>
-              <a:t>) </a:t>
-            </a:r>
-            <a:r>
-              <a:rPr lang="hu-HU" sz="2800" dirty="0" smtClean="0"/>
-              <a:t>UPS</a:t>
-            </a:r>
-            <a:endParaRPr lang="hu-HU" sz="2800" dirty="0"/>
-          </a:p>
-        </p:txBody>
-      </p:sp>
-      <p:sp>
-        <p:nvSpPr>
-          <p:cNvPr id="6" name="Szövegdoboz 5"/>
-          <p:cNvSpPr txBox="1"/>
-          <p:nvPr/>
-        </p:nvSpPr>
-        <p:spPr>
-          <a:xfrm>
-            <a:off x="1932038" y="2005781"/>
-            <a:ext cx="8583561" cy="954107"/>
-          </a:xfrm>
-          <a:prstGeom prst="rect">
-            <a:avLst/>
-          </a:prstGeom>
-          <a:noFill/>
-        </p:spPr>
-        <p:txBody>
-          <a:bodyPr wrap="square" rtlCol="0">
-            <a:spAutoFit/>
-          </a:bodyPr>
-          <a:lstStyle/>
-          <a:p>
-            <a:pPr marL="285750" indent="-285750">
-              <a:buFont typeface="Arial" panose="020B0604020202020204" pitchFamily="34" charset="0"/>
-              <a:buChar char="•"/>
+            <a:pPr marL="0" indent="0">
+              <a:buNone/>
             </a:pPr>
             <a:r>
-              <a:rPr lang="hu-HU" sz="2800" dirty="0"/>
-              <a:t>Feltölti az akkumulátort az eszköz házában</a:t>
-            </a:r>
-          </a:p>
-          <a:p>
-            <a:pPr marL="285750" indent="-285750">
-              <a:buFont typeface="Arial" panose="020B0604020202020204" pitchFamily="34" charset="0"/>
-              <a:buChar char="•"/>
+              <a:rPr lang="hu-HU" dirty="0" smtClean="0">
+                <a:cs typeface="Times New Roman"/>
+              </a:rPr>
+              <a:t>CAD:</a:t>
+            </a:r>
+          </a:p>
+          <a:p>
+            <a:r>
+              <a:rPr lang="hu-HU" dirty="0" smtClean="0">
+                <a:cs typeface="Times New Roman"/>
+              </a:rPr>
+              <a:t>Elképzeléseinek tervezéssé átalakítására.</a:t>
+            </a:r>
+          </a:p>
+          <a:p>
+            <a:pPr marL="0" indent="0">
+              <a:buNone/>
             </a:pPr>
-            <a:endParaRPr lang="hu-HU" sz="2800" dirty="0"/>
-          </a:p>
-        </p:txBody>
-      </p:sp>
-      <p:sp>
-        <p:nvSpPr>
-          <p:cNvPr id="7" name="Szövegdoboz 6"/>
-          <p:cNvSpPr txBox="1"/>
-          <p:nvPr/>
-        </p:nvSpPr>
-        <p:spPr>
-          <a:xfrm>
-            <a:off x="1932038" y="3365817"/>
-            <a:ext cx="9542206" cy="954107"/>
-          </a:xfrm>
-          <a:prstGeom prst="rect">
-            <a:avLst/>
-          </a:prstGeom>
-          <a:noFill/>
-        </p:spPr>
-        <p:txBody>
-          <a:bodyPr wrap="square" rtlCol="0">
-            <a:spAutoFit/>
-          </a:bodyPr>
-          <a:lstStyle/>
-          <a:p>
-            <a:pPr marL="285750" indent="-285750">
-              <a:buFont typeface="Arial" panose="020B0604020202020204" pitchFamily="34" charset="0"/>
-              <a:buChar char="•"/>
-            </a:pPr>
-            <a:r>
-              <a:rPr lang="hu-HU" sz="2800" dirty="0"/>
-              <a:t>Ha a hálózati áram </a:t>
-            </a:r>
-            <a:r>
-              <a:rPr lang="hu-HU" sz="2800" dirty="0" err="1"/>
-              <a:t>kimerül,átkapcsolódik</a:t>
-            </a:r>
-            <a:r>
-              <a:rPr lang="hu-HU" sz="2800" dirty="0"/>
-              <a:t> az akkumulátor </a:t>
-            </a:r>
-            <a:r>
-              <a:rPr lang="hu-HU" sz="2800" dirty="0" smtClean="0"/>
-              <a:t>tartalékra</a:t>
-            </a:r>
-            <a:endParaRPr lang="hu-HU" sz="2800" dirty="0"/>
-          </a:p>
-        </p:txBody>
-      </p:sp>
-      <p:sp>
-        <p:nvSpPr>
-          <p:cNvPr id="8" name="Szövegdoboz 7"/>
-          <p:cNvSpPr txBox="1"/>
-          <p:nvPr/>
-        </p:nvSpPr>
-        <p:spPr>
-          <a:xfrm>
-            <a:off x="1932038" y="5088194"/>
-            <a:ext cx="8539316" cy="523220"/>
-          </a:xfrm>
-          <a:prstGeom prst="rect">
-            <a:avLst/>
-          </a:prstGeom>
-          <a:noFill/>
-        </p:spPr>
-        <p:txBody>
-          <a:bodyPr wrap="square" rtlCol="0">
-            <a:spAutoFit/>
-          </a:bodyPr>
-          <a:lstStyle/>
-          <a:p>
-            <a:pPr marL="285750" indent="-285750">
-              <a:buFont typeface="Arial" panose="020B0604020202020204" pitchFamily="34" charset="0"/>
-              <a:buChar char="•"/>
-            </a:pPr>
-            <a:r>
-              <a:rPr lang="hu-HU" sz="2800" dirty="0"/>
-              <a:t>20-100 </a:t>
-            </a:r>
-            <a:r>
-              <a:rPr lang="hu-HU" sz="2800" dirty="0" err="1"/>
-              <a:t>ms-ot</a:t>
-            </a:r>
-            <a:r>
-              <a:rPr lang="hu-HU" sz="2800" dirty="0"/>
-              <a:t> vesz ez </a:t>
-            </a:r>
-            <a:r>
-              <a:rPr lang="hu-HU" sz="2800" dirty="0" smtClean="0"/>
-              <a:t>igénybe</a:t>
-            </a:r>
-            <a:endParaRPr lang="hu-HU" sz="2800" dirty="0"/>
+            <a:r>
+              <a:rPr lang="hu-HU" dirty="0" smtClean="0">
+                <a:cs typeface="Times New Roman"/>
+              </a:rPr>
+              <a:t>CAD</a:t>
+            </a:r>
+            <a:r>
+              <a:rPr lang="hu-HU" dirty="0">
+                <a:cs typeface="Times New Roman"/>
+              </a:rPr>
+              <a:t>: </a:t>
+            </a:r>
+          </a:p>
+          <a:p>
+            <a:r>
+              <a:rPr lang="hu-HU" dirty="0" smtClean="0">
+                <a:cs typeface="Times New Roman"/>
+              </a:rPr>
+              <a:t>Geometriai modell:</a:t>
+            </a:r>
+          </a:p>
+          <a:p>
+            <a:pPr lvl="1"/>
+            <a:r>
+              <a:rPr lang="hu-HU" dirty="0" smtClean="0">
+                <a:cs typeface="Times New Roman"/>
+              </a:rPr>
+              <a:t>meghatározása,</a:t>
+            </a:r>
+          </a:p>
+          <a:p>
+            <a:pPr lvl="1"/>
+            <a:r>
+              <a:rPr lang="hu-HU" dirty="0" smtClean="0">
+                <a:cs typeface="Times New Roman"/>
+              </a:rPr>
+              <a:t>definíció</a:t>
+            </a:r>
+            <a:r>
+              <a:rPr lang="hu-HU" dirty="0">
+                <a:cs typeface="Times New Roman"/>
+              </a:rPr>
+              <a:t>, </a:t>
+            </a:r>
+            <a:endParaRPr lang="hu-HU" dirty="0" smtClean="0">
+              <a:cs typeface="Times New Roman"/>
+            </a:endParaRPr>
+          </a:p>
+          <a:p>
+            <a:pPr lvl="1"/>
+            <a:r>
+              <a:rPr lang="hu-HU" dirty="0" smtClean="0">
+                <a:cs typeface="Times New Roman"/>
+              </a:rPr>
+              <a:t>a </a:t>
+            </a:r>
+            <a:r>
+              <a:rPr lang="hu-HU" dirty="0">
+                <a:cs typeface="Times New Roman"/>
+              </a:rPr>
+              <a:t>felület, </a:t>
+            </a:r>
+            <a:endParaRPr lang="hu-HU" dirty="0" smtClean="0">
+              <a:cs typeface="Times New Roman"/>
+            </a:endParaRPr>
+          </a:p>
+          <a:p>
+            <a:pPr lvl="1"/>
+            <a:r>
+              <a:rPr lang="hu-HU" dirty="0" smtClean="0">
+                <a:cs typeface="Times New Roman"/>
+              </a:rPr>
+              <a:t>a </a:t>
+            </a:r>
+            <a:r>
+              <a:rPr lang="hu-HU" dirty="0">
+                <a:cs typeface="Times New Roman"/>
+              </a:rPr>
+              <a:t>tervezés</a:t>
+            </a:r>
+          </a:p>
+          <a:p>
+            <a:endParaRPr lang="hu-HU" dirty="0"/>
           </a:p>
         </p:txBody>
       </p:sp>
     </p:spTree>
     <p:extLst>
       <p:ext uri="{BB962C8B-B14F-4D97-AF65-F5344CB8AC3E}">
-        <p14:creationId xmlns:p14="http://schemas.microsoft.com/office/powerpoint/2010/main" val="2292955894"/>
+        <p14:creationId xmlns:p14="http://schemas.microsoft.com/office/powerpoint/2010/main" val="3039181735"/>
       </p:ext>
     </p:extLst>
   </p:cSld>
   <p:clrMapOvr>
     <a:masterClrMapping/>
   </p:clrMapOvr>
+  <mc:AlternateContent xmlns:mc="http://schemas.openxmlformats.org/markup-compatibility/2006">
+    <mc:Choice xmlns:p14="http://schemas.microsoft.com/office/powerpoint/2010/main" Requires="p14">
+      <p:transition p14:dur="0"/>
+    </mc:Choice>
+    <mc:Fallback>
+      <p:transition/>
+    </mc:Fallback>
+  </mc:AlternateContent>
+  <p:timing>
+    <p:tnLst>
+      <p:par>
+        <p:cTn id="1" dur="indefinite" restart="never" nodeType="tmRoot"/>
+      </p:par>
+    </p:tnLst>
+  </p:timing>
 </p:sld>
 </file>
 
-<file path=ppt/slides/slide8.xml><?xml version="1.0" encoding="utf-8"?>
+<file path=ppt/slides/slide7.xml><?xml version="1.0" encoding="utf-8"?>
 <p:sld xmlns:a="http://schemas.openxmlformats.org/drawingml/2006/main" xmlns:r="http://schemas.openxmlformats.org/officeDocument/2006/relationships" xmlns:p="http://schemas.openxmlformats.org/presentationml/2006/main">
   <p:cSld>
+    <p:bg>
+      <p:bgPr>
+        <a:solidFill>
+          <a:schemeClr val="bg1"/>
+        </a:solidFill>
+        <a:effectLst/>
+      </p:bgPr>
+    </p:bg>
     <p:spTree>
       <p:nvGrpSpPr>
         <p:cNvPr id="1" name=""/>
@@ -6518,8 +6432,8 @@
         </p:nvSpPr>
         <p:spPr>
           <a:xfrm>
-            <a:off x="619432" y="339213"/>
-            <a:ext cx="1533833" cy="523220"/>
+            <a:off x="686123" y="758172"/>
+            <a:ext cx="7905136" cy="2062103"/>
           </a:xfrm>
           <a:prstGeom prst="rect">
             <a:avLst/>
@@ -6533,186 +6447,95 @@
           <a:lstStyle/>
           <a:p>
             <a:r>
-              <a:rPr lang="hu-HU" sz="2800" dirty="0" smtClean="0"/>
-              <a:t>Típusai:</a:t>
-            </a:r>
-            <a:endParaRPr lang="hu-HU" sz="2800" dirty="0"/>
-          </a:p>
-        </p:txBody>
-      </p:sp>
-      <p:sp>
-        <p:nvSpPr>
-          <p:cNvPr id="5" name="Szövegdoboz 4"/>
-          <p:cNvSpPr txBox="1"/>
-          <p:nvPr/>
-        </p:nvSpPr>
-        <p:spPr>
-          <a:xfrm>
-            <a:off x="1283110" y="1076632"/>
-            <a:ext cx="8229600" cy="523220"/>
-          </a:xfrm>
-          <a:prstGeom prst="rect">
-            <a:avLst/>
-          </a:prstGeom>
-          <a:noFill/>
-        </p:spPr>
-        <p:txBody>
-          <a:bodyPr wrap="square" rtlCol="0">
-            <a:spAutoFit/>
-          </a:bodyPr>
-          <a:lstStyle/>
-          <a:p>
-            <a:r>
-              <a:rPr lang="hu-HU" sz="2800" dirty="0" smtClean="0"/>
-              <a:t>Line-Interaktív UPS</a:t>
-            </a:r>
-            <a:endParaRPr lang="hu-HU" sz="2800" dirty="0"/>
-          </a:p>
-        </p:txBody>
-      </p:sp>
-      <p:sp>
-        <p:nvSpPr>
-          <p:cNvPr id="6" name="Szövegdoboz 5"/>
-          <p:cNvSpPr txBox="1"/>
-          <p:nvPr/>
-        </p:nvSpPr>
-        <p:spPr>
-          <a:xfrm>
-            <a:off x="1932038" y="2005781"/>
-            <a:ext cx="8583561" cy="523220"/>
-          </a:xfrm>
-          <a:prstGeom prst="rect">
-            <a:avLst/>
-          </a:prstGeom>
-          <a:noFill/>
-        </p:spPr>
-        <p:txBody>
-          <a:bodyPr wrap="square" rtlCol="0">
-            <a:spAutoFit/>
-          </a:bodyPr>
-          <a:lstStyle/>
+              <a:rPr lang="hu-HU" sz="2800" dirty="0">
+                <a:cs typeface="Times New Roman"/>
+              </a:rPr>
+              <a:t>Szünetmentes tápegységek:</a:t>
+            </a:r>
+            <a:endParaRPr lang="hu-HU" sz="2800" dirty="0" smtClean="0"/>
+          </a:p>
           <a:p>
             <a:pPr marL="285750" indent="-285750">
               <a:buFont typeface="Arial" panose="020B0604020202020204" pitchFamily="34" charset="0"/>
               <a:buChar char="•"/>
             </a:pPr>
             <a:r>
-              <a:rPr lang="hu-HU" sz="2800" dirty="0" smtClean="0"/>
-              <a:t>Hasonló </a:t>
-            </a:r>
-            <a:r>
-              <a:rPr lang="hu-HU" sz="2800" dirty="0" err="1" smtClean="0"/>
-              <a:t>Standby</a:t>
-            </a:r>
-            <a:r>
-              <a:rPr lang="hu-HU" sz="2800" dirty="0" smtClean="0"/>
-              <a:t> UPS-</a:t>
-            </a:r>
-            <a:r>
-              <a:rPr lang="hu-HU" sz="2800" dirty="0" err="1" smtClean="0"/>
-              <a:t>hez</a:t>
-            </a:r>
-            <a:endParaRPr lang="hu-HU" sz="2800" dirty="0" smtClean="0"/>
-          </a:p>
-        </p:txBody>
-      </p:sp>
-      <p:sp>
-        <p:nvSpPr>
-          <p:cNvPr id="9" name="Szövegdoboz 8"/>
-          <p:cNvSpPr txBox="1"/>
-          <p:nvPr/>
-        </p:nvSpPr>
-        <p:spPr>
-          <a:xfrm>
-            <a:off x="1932037" y="3377381"/>
-            <a:ext cx="8583561" cy="954107"/>
-          </a:xfrm>
-          <a:prstGeom prst="rect">
-            <a:avLst/>
-          </a:prstGeom>
-          <a:noFill/>
-        </p:spPr>
-        <p:txBody>
-          <a:bodyPr wrap="square" rtlCol="0">
-            <a:spAutoFit/>
-          </a:bodyPr>
-          <a:lstStyle/>
+              <a:rPr lang="hu-HU" sz="2400" dirty="0" smtClean="0"/>
+              <a:t>Áramkimaradás</a:t>
+            </a:r>
+          </a:p>
           <a:p>
             <a:pPr marL="285750" indent="-285750">
               <a:buFont typeface="Arial" panose="020B0604020202020204" pitchFamily="34" charset="0"/>
               <a:buChar char="•"/>
             </a:pPr>
             <a:r>
-              <a:rPr lang="hu-HU" sz="2800" dirty="0" smtClean="0"/>
-              <a:t>Speciális transzformátort tartalmaz</a:t>
-            </a:r>
-          </a:p>
-          <a:p>
-            <a:pPr marL="742950" lvl="1" indent="-285750">
-              <a:buFont typeface="Arial" panose="020B0604020202020204" pitchFamily="34" charset="0"/>
-              <a:buChar char="•"/>
-            </a:pPr>
-            <a:r>
-              <a:rPr lang="hu-HU" sz="2800" dirty="0" smtClean="0"/>
-              <a:t>Áramkimaradás és áramingadozást jobban kezeli</a:t>
-            </a:r>
-          </a:p>
-        </p:txBody>
-      </p:sp>
-      <p:sp>
-        <p:nvSpPr>
-          <p:cNvPr id="10" name="Szövegdoboz 9"/>
-          <p:cNvSpPr txBox="1"/>
-          <p:nvPr/>
-        </p:nvSpPr>
-        <p:spPr>
-          <a:xfrm>
-            <a:off x="1932036" y="5179868"/>
-            <a:ext cx="8583561" cy="523220"/>
-          </a:xfrm>
-          <a:prstGeom prst="rect">
-            <a:avLst/>
-          </a:prstGeom>
-          <a:noFill/>
-        </p:spPr>
-        <p:txBody>
-          <a:bodyPr wrap="square" rtlCol="0">
-            <a:spAutoFit/>
-          </a:bodyPr>
-          <a:lstStyle/>
+              <a:rPr lang="hu-HU" sz="2400" dirty="0"/>
+              <a:t>Túlfeszültség </a:t>
+            </a:r>
+            <a:r>
+              <a:rPr lang="hu-HU" sz="2400" dirty="0" smtClean="0"/>
+              <a:t>védő</a:t>
+            </a:r>
+          </a:p>
           <a:p>
             <a:pPr marL="285750" indent="-285750">
               <a:buFont typeface="Arial" panose="020B0604020202020204" pitchFamily="34" charset="0"/>
               <a:buChar char="•"/>
             </a:pPr>
             <a:r>
-              <a:rPr lang="hu-HU" sz="2800" dirty="0" smtClean="0"/>
-              <a:t>Több órán át tud </a:t>
-            </a:r>
-            <a:r>
-              <a:rPr lang="hu-HU" sz="2800" dirty="0" err="1" smtClean="0"/>
-              <a:t>managelni</a:t>
-            </a:r>
-            <a:endParaRPr lang="hu-HU" sz="2800" dirty="0" smtClean="0"/>
+              <a:rPr lang="hu-HU" sz="2400" dirty="0"/>
+              <a:t>Hosszabbítóként</a:t>
+            </a:r>
+          </a:p>
+          <a:p>
+            <a:pPr marL="285750" indent="-285750">
+              <a:buFont typeface="Arial" panose="020B0604020202020204" pitchFamily="34" charset="0"/>
+              <a:buChar char="•"/>
+            </a:pPr>
+            <a:endParaRPr lang="hu-HU" sz="2800" dirty="0"/>
           </a:p>
         </p:txBody>
       </p:sp>
     </p:spTree>
     <p:extLst>
       <p:ext uri="{BB962C8B-B14F-4D97-AF65-F5344CB8AC3E}">
-        <p14:creationId xmlns:p14="http://schemas.microsoft.com/office/powerpoint/2010/main" val="15663055"/>
+        <p14:creationId xmlns:p14="http://schemas.microsoft.com/office/powerpoint/2010/main" val="744428930"/>
       </p:ext>
     </p:extLst>
   </p:cSld>
   <p:clrMapOvr>
     <a:masterClrMapping/>
   </p:clrMapOvr>
+  <mc:AlternateContent xmlns:mc="http://schemas.openxmlformats.org/markup-compatibility/2006">
+    <mc:Choice xmlns:p14="http://schemas.microsoft.com/office/powerpoint/2010/main" Requires="p14">
+      <p:transition p14:dur="0"/>
+    </mc:Choice>
+    <mc:Fallback>
+      <p:transition/>
+    </mc:Fallback>
+  </mc:AlternateContent>
+  <p:timing>
+    <p:tnLst>
+      <p:par>
+        <p:cTn id="1" dur="indefinite" restart="never" nodeType="tmRoot"/>
+      </p:par>
+    </p:tnLst>
+  </p:timing>
 </p:sld>
 </file>
 
-<file path=ppt/slides/slide9.xml><?xml version="1.0" encoding="utf-8"?>
+<file path=ppt/slides/slide8.xml><?xml version="1.0" encoding="utf-8"?>
 <p:sld xmlns:a="http://schemas.openxmlformats.org/drawingml/2006/main" xmlns:r="http://schemas.openxmlformats.org/officeDocument/2006/relationships" xmlns:p="http://schemas.openxmlformats.org/presentationml/2006/main">
   <p:cSld>
+    <p:bg>
+      <p:bgPr>
+        <a:solidFill>
+          <a:schemeClr val="bg1"/>
+        </a:solidFill>
+        <a:effectLst/>
+      </p:bgPr>
+    </p:bg>
     <p:spTree>
       <p:nvGrpSpPr>
         <p:cNvPr id="1" name=""/>
@@ -6765,8 +6588,8 @@
         </p:nvSpPr>
         <p:spPr>
           <a:xfrm>
-            <a:off x="1283110" y="1076632"/>
-            <a:ext cx="8229600" cy="523220"/>
+            <a:off x="856824" y="862433"/>
+            <a:ext cx="10183384" cy="1631216"/>
           </a:xfrm>
           <a:prstGeom prst="rect">
             <a:avLst/>
@@ -6780,23 +6603,255 @@
           <a:lstStyle/>
           <a:p>
             <a:r>
+              <a:rPr lang="hu-HU" sz="2800" dirty="0"/>
+              <a:t>Offline (</a:t>
+            </a:r>
+            <a:r>
+              <a:rPr lang="hu-HU" sz="2800" dirty="0" err="1"/>
+              <a:t>Standby</a:t>
+            </a:r>
+            <a:r>
+              <a:rPr lang="hu-HU" sz="2800" dirty="0"/>
+              <a:t>) </a:t>
+            </a:r>
+            <a:r>
               <a:rPr lang="hu-HU" sz="2800" dirty="0" smtClean="0"/>
-              <a:t>Kettős alakítású Online UPS</a:t>
-            </a:r>
-            <a:endParaRPr lang="hu-HU" sz="2800" dirty="0"/>
-          </a:p>
-        </p:txBody>
-      </p:sp>
-      <p:sp>
-        <p:nvSpPr>
-          <p:cNvPr id="6" name="Szövegdoboz 5"/>
+              <a:t>UPS</a:t>
+            </a:r>
+          </a:p>
+          <a:p>
+            <a:pPr marL="457200" indent="-457200">
+              <a:buFont typeface="Arial" panose="020B0604020202020204" pitchFamily="34" charset="0"/>
+              <a:buChar char="•"/>
+            </a:pPr>
+            <a:r>
+              <a:rPr lang="hu-HU" sz="2400" dirty="0" smtClean="0"/>
+              <a:t>Feltöltés</a:t>
+            </a:r>
+          </a:p>
+          <a:p>
+            <a:pPr marL="457200" indent="-457200">
+              <a:buFont typeface="Arial" panose="020B0604020202020204" pitchFamily="34" charset="0"/>
+              <a:buChar char="•"/>
+            </a:pPr>
+            <a:r>
+              <a:rPr lang="hu-HU" sz="2400" dirty="0" smtClean="0"/>
+              <a:t>Áramkimaradás, átkapcsolódás </a:t>
+            </a:r>
+          </a:p>
+          <a:p>
+            <a:pPr marL="457200" indent="-457200">
+              <a:buFont typeface="Arial" panose="020B0604020202020204" pitchFamily="34" charset="0"/>
+              <a:buChar char="•"/>
+            </a:pPr>
+            <a:r>
+              <a:rPr lang="hu-HU" sz="2400" dirty="0" smtClean="0"/>
+              <a:t>20-100 </a:t>
+            </a:r>
+            <a:r>
+              <a:rPr lang="hu-HU" sz="2400" dirty="0" err="1" smtClean="0"/>
+              <a:t>ms-ot</a:t>
+            </a:r>
+            <a:endParaRPr lang="hu-HU" sz="2400" dirty="0" smtClean="0"/>
+          </a:p>
+        </p:txBody>
+      </p:sp>
+    </p:spTree>
+    <p:extLst>
+      <p:ext uri="{BB962C8B-B14F-4D97-AF65-F5344CB8AC3E}">
+        <p14:creationId xmlns:p14="http://schemas.microsoft.com/office/powerpoint/2010/main" val="2292955894"/>
+      </p:ext>
+    </p:extLst>
+  </p:cSld>
+  <p:clrMapOvr>
+    <a:masterClrMapping/>
+  </p:clrMapOvr>
+  <mc:AlternateContent xmlns:mc="http://schemas.openxmlformats.org/markup-compatibility/2006">
+    <mc:Choice xmlns:p14="http://schemas.microsoft.com/office/powerpoint/2010/main" Requires="p14">
+      <p:transition p14:dur="0"/>
+    </mc:Choice>
+    <mc:Fallback>
+      <p:transition/>
+    </mc:Fallback>
+  </mc:AlternateContent>
+  <p:timing>
+    <p:tnLst>
+      <p:par>
+        <p:cTn id="1" dur="indefinite" restart="never" nodeType="tmRoot">
+          <p:childTnLst>
+            <p:seq concurrent="1" nextAc="seek">
+              <p:cTn id="2" dur="indefinite" nodeType="mainSeq">
+                <p:childTnLst>
+                  <p:par>
+                    <p:cTn id="3" fill="hold">
+                      <p:stCondLst>
+                        <p:cond delay="indefinite"/>
+                      </p:stCondLst>
+                      <p:childTnLst>
+                        <p:par>
+                          <p:cTn id="4" fill="hold">
+                            <p:stCondLst>
+                              <p:cond delay="0"/>
+                            </p:stCondLst>
+                            <p:childTnLst>
+                              <p:par>
+                                <p:cTn id="5" presetID="22" presetClass="entr" presetSubtype="1" fill="hold" grpId="0" nodeType="clickEffect">
+                                  <p:stCondLst>
+                                    <p:cond delay="0"/>
+                                  </p:stCondLst>
+                                  <p:childTnLst>
+                                    <p:set>
+                                      <p:cBhvr>
+                                        <p:cTn id="6" dur="1" fill="hold">
+                                          <p:stCondLst>
+                                            <p:cond delay="0"/>
+                                          </p:stCondLst>
+                                        </p:cTn>
+                                        <p:tgtEl>
+                                          <p:spTgt spid="5"/>
+                                        </p:tgtEl>
+                                        <p:attrNameLst>
+                                          <p:attrName>style.visibility</p:attrName>
+                                        </p:attrNameLst>
+                                      </p:cBhvr>
+                                      <p:to>
+                                        <p:strVal val="visible"/>
+                                      </p:to>
+                                    </p:set>
+                                    <p:animEffect transition="in" filter="wipe(up)">
+                                      <p:cBhvr>
+                                        <p:cTn id="7" dur="500"/>
+                                        <p:tgtEl>
+                                          <p:spTgt spid="5"/>
+                                        </p:tgtEl>
+                                      </p:cBhvr>
+                                    </p:animEffect>
+                                  </p:childTnLst>
+                                </p:cTn>
+                              </p:par>
+                            </p:childTnLst>
+                          </p:cTn>
+                        </p:par>
+                      </p:childTnLst>
+                    </p:cTn>
+                  </p:par>
+                  <p:par>
+                    <p:cTn id="8" fill="hold">
+                      <p:stCondLst>
+                        <p:cond delay="indefinite"/>
+                      </p:stCondLst>
+                      <p:childTnLst>
+                        <p:par>
+                          <p:cTn id="9" fill="hold">
+                            <p:stCondLst>
+                              <p:cond delay="0"/>
+                            </p:stCondLst>
+                            <p:childTnLst>
+                              <p:par>
+                                <p:cTn id="10" presetID="10" presetClass="exit" presetSubtype="0" fill="hold" grpId="1" nodeType="clickEffect">
+                                  <p:stCondLst>
+                                    <p:cond delay="500"/>
+                                  </p:stCondLst>
+                                  <p:childTnLst>
+                                    <p:animEffect transition="out" filter="fade">
+                                      <p:cBhvr>
+                                        <p:cTn id="11" dur="500"/>
+                                        <p:tgtEl>
+                                          <p:spTgt spid="5"/>
+                                        </p:tgtEl>
+                                      </p:cBhvr>
+                                    </p:animEffect>
+                                    <p:set>
+                                      <p:cBhvr>
+                                        <p:cTn id="12" dur="1" fill="hold">
+                                          <p:stCondLst>
+                                            <p:cond delay="499"/>
+                                          </p:stCondLst>
+                                        </p:cTn>
+                                        <p:tgtEl>
+                                          <p:spTgt spid="5"/>
+                                        </p:tgtEl>
+                                        <p:attrNameLst>
+                                          <p:attrName>style.visibility</p:attrName>
+                                        </p:attrNameLst>
+                                      </p:cBhvr>
+                                      <p:to>
+                                        <p:strVal val="hidden"/>
+                                      </p:to>
+                                    </p:set>
+                                  </p:childTnLst>
+                                </p:cTn>
+                              </p:par>
+                            </p:childTnLst>
+                          </p:cTn>
+                        </p:par>
+                      </p:childTnLst>
+                    </p:cTn>
+                  </p:par>
+                </p:childTnLst>
+              </p:cTn>
+              <p:prevCondLst>
+                <p:cond evt="onPrev" delay="0">
+                  <p:tgtEl>
+                    <p:sldTgt/>
+                  </p:tgtEl>
+                </p:cond>
+              </p:prevCondLst>
+              <p:nextCondLst>
+                <p:cond evt="onNext" delay="0">
+                  <p:tgtEl>
+                    <p:sldTgt/>
+                  </p:tgtEl>
+                </p:cond>
+              </p:nextCondLst>
+            </p:seq>
+          </p:childTnLst>
+        </p:cTn>
+      </p:par>
+    </p:tnLst>
+    <p:bldLst>
+      <p:bldP spid="5" grpId="0"/>
+      <p:bldP spid="5" grpId="1"/>
+    </p:bldLst>
+  </p:timing>
+</p:sld>
+</file>
+
+<file path=ppt/slides/slide9.xml><?xml version="1.0" encoding="utf-8"?>
+<p:sld xmlns:a="http://schemas.openxmlformats.org/drawingml/2006/main" xmlns:r="http://schemas.openxmlformats.org/officeDocument/2006/relationships" xmlns:p="http://schemas.openxmlformats.org/presentationml/2006/main">
+  <p:cSld>
+    <p:bg>
+      <p:bgPr>
+        <a:solidFill>
+          <a:schemeClr val="bg1"/>
+        </a:solidFill>
+        <a:effectLst/>
+      </p:bgPr>
+    </p:bg>
+    <p:spTree>
+      <p:nvGrpSpPr>
+        <p:cNvPr id="1" name=""/>
+        <p:cNvGrpSpPr/>
+        <p:nvPr/>
+      </p:nvGrpSpPr>
+      <p:grpSpPr>
+        <a:xfrm>
+          <a:off x="0" y="0"/>
+          <a:ext cx="0" cy="0"/>
+          <a:chOff x="0" y="0"/>
+          <a:chExt cx="0" cy="0"/>
+        </a:xfrm>
+      </p:grpSpPr>
+      <p:sp>
+        <p:nvSpPr>
+          <p:cNvPr id="5" name="Szövegdoboz 4"/>
           <p:cNvSpPr txBox="1"/>
           <p:nvPr/>
         </p:nvSpPr>
         <p:spPr>
           <a:xfrm>
-            <a:off x="1932038" y="2005781"/>
-            <a:ext cx="8583561" cy="523220"/>
+            <a:off x="619432" y="339213"/>
+            <a:ext cx="1533833" cy="523220"/>
           </a:xfrm>
           <a:prstGeom prst="rect">
             <a:avLst/>
@@ -6809,27 +6864,24 @@
           </a:bodyPr>
           <a:lstStyle/>
           <a:p>
-            <a:pPr marL="285750" indent="-285750">
-              <a:buFont typeface="Arial" panose="020B0604020202020204" pitchFamily="34" charset="0"/>
-              <a:buChar char="•"/>
-            </a:pPr>
             <a:r>
               <a:rPr lang="hu-HU" sz="2800" dirty="0" smtClean="0"/>
-              <a:t>Stabil</a:t>
-            </a:r>
-          </a:p>
-        </p:txBody>
-      </p:sp>
-      <p:sp>
-        <p:nvSpPr>
-          <p:cNvPr id="9" name="Szövegdoboz 8"/>
+              <a:t>Típusai:</a:t>
+            </a:r>
+            <a:endParaRPr lang="hu-HU" sz="2800" dirty="0"/>
+          </a:p>
+        </p:txBody>
+      </p:sp>
+      <p:sp>
+        <p:nvSpPr>
+          <p:cNvPr id="6" name="Szövegdoboz 5"/>
           <p:cNvSpPr txBox="1"/>
           <p:nvPr/>
         </p:nvSpPr>
         <p:spPr>
           <a:xfrm>
-            <a:off x="1932037" y="3377381"/>
-            <a:ext cx="8583561" cy="523220"/>
+            <a:off x="706352" y="962482"/>
+            <a:ext cx="4874989" cy="2277547"/>
           </a:xfrm>
           <a:prstGeom prst="rect">
             <a:avLst/>
@@ -6837,65 +6889,78 @@
           <a:noFill/>
         </p:spPr>
         <p:txBody>
-          <a:bodyPr wrap="square" rtlCol="0">
+          <a:bodyPr wrap="none" rtlCol="0">
             <a:spAutoFit/>
           </a:bodyPr>
           <a:lstStyle/>
           <a:p>
-            <a:pPr marL="285750" indent="-285750">
+            <a:r>
+              <a:rPr lang="hu-HU" sz="2800" dirty="0"/>
+              <a:t>Line-Interaktív UPS</a:t>
+            </a:r>
+          </a:p>
+          <a:p>
+            <a:pPr marL="457200" indent="-457200">
               <a:buFont typeface="Arial" panose="020B0604020202020204" pitchFamily="34" charset="0"/>
               <a:buChar char="•"/>
             </a:pPr>
             <a:r>
-              <a:rPr lang="hu-HU" sz="2800" dirty="0" smtClean="0"/>
-              <a:t>Azonos áramellátási minőség, zavaroktól függetlenül</a:t>
-            </a:r>
-          </a:p>
-        </p:txBody>
-      </p:sp>
-      <p:sp>
-        <p:nvSpPr>
-          <p:cNvPr id="10" name="Szövegdoboz 9"/>
-          <p:cNvSpPr txBox="1"/>
-          <p:nvPr/>
-        </p:nvSpPr>
-        <p:spPr>
-          <a:xfrm>
-            <a:off x="1932037" y="4748981"/>
-            <a:ext cx="8583561" cy="523220"/>
-          </a:xfrm>
-          <a:prstGeom prst="rect">
-            <a:avLst/>
-          </a:prstGeom>
-          <a:noFill/>
-        </p:spPr>
-        <p:txBody>
-          <a:bodyPr wrap="square" rtlCol="0">
-            <a:spAutoFit/>
-          </a:bodyPr>
-          <a:lstStyle/>
-          <a:p>
-            <a:pPr marL="285750" indent="-285750">
+              <a:rPr lang="hu-HU" sz="2400" dirty="0"/>
+              <a:t>Hasonlóság</a:t>
+            </a:r>
+          </a:p>
+          <a:p>
+            <a:pPr marL="457200" indent="-457200">
               <a:buFont typeface="Arial" panose="020B0604020202020204" pitchFamily="34" charset="0"/>
               <a:buChar char="•"/>
             </a:pPr>
             <a:r>
-              <a:rPr lang="hu-HU" sz="2800" dirty="0" smtClean="0"/>
-              <a:t>Tranziens nincs átváltáskor</a:t>
-            </a:r>
+              <a:rPr lang="hu-HU" sz="2400" dirty="0"/>
+              <a:t>Életartalom</a:t>
+            </a:r>
+          </a:p>
+          <a:p>
+            <a:pPr marL="457200" indent="-457200">
+              <a:buFont typeface="Arial" panose="020B0604020202020204" pitchFamily="34" charset="0"/>
+              <a:buChar char="•"/>
+            </a:pPr>
+            <a:r>
+              <a:rPr lang="hu-HU" sz="2400" dirty="0"/>
+              <a:t>Speciális Transzformátort </a:t>
+            </a:r>
+          </a:p>
+          <a:p>
+            <a:pPr marL="457200" indent="-457200">
+              <a:buFont typeface="Arial" panose="020B0604020202020204" pitchFamily="34" charset="0"/>
+              <a:buChar char="•"/>
+            </a:pPr>
+            <a:r>
+              <a:rPr lang="hu-HU" sz="2400" dirty="0"/>
+              <a:t>Áramkimaradás és áramingadozás</a:t>
+            </a:r>
+          </a:p>
+          <a:p>
+            <a:endParaRPr lang="hu-HU" dirty="0"/>
           </a:p>
         </p:txBody>
       </p:sp>
     </p:spTree>
     <p:extLst>
       <p:ext uri="{BB962C8B-B14F-4D97-AF65-F5344CB8AC3E}">
-        <p14:creationId xmlns:p14="http://schemas.microsoft.com/office/powerpoint/2010/main" val="1462378684"/>
+        <p14:creationId xmlns:p14="http://schemas.microsoft.com/office/powerpoint/2010/main" val="1081926056"/>
       </p:ext>
     </p:extLst>
   </p:cSld>
   <p:clrMapOvr>
     <a:masterClrMapping/>
   </p:clrMapOvr>
+  <p:timing>
+    <p:tnLst>
+      <p:par>
+        <p:cTn id="1" dur="indefinite" restart="never" nodeType="tmRoot"/>
+      </p:par>
+    </p:tnLst>
+  </p:timing>
 </p:sld>
 </file>
 

--- a/CADCAM.pptx
+++ b/CADCAM.pptx
@@ -668,7 +668,7 @@
           <a:p>
             <a:fld id="{846CE7D5-CF57-46EF-B807-FDD0502418D4}" type="datetimeFigureOut">
               <a:rPr lang="en-US" smtClean="0"/>
-              <a:t>11/14/2023</a:t>
+              <a:t>11/15/2023</a:t>
             </a:fld>
             <a:endParaRPr lang="en-US"/>
           </a:p>
@@ -836,7 +836,7 @@
           <a:p>
             <a:fld id="{846CE7D5-CF57-46EF-B807-FDD0502418D4}" type="datetimeFigureOut">
               <a:rPr lang="en-US" smtClean="0"/>
-              <a:t>11/14/2023</a:t>
+              <a:t>11/15/2023</a:t>
             </a:fld>
             <a:endParaRPr lang="en-US"/>
           </a:p>
@@ -1014,7 +1014,7 @@
           <a:p>
             <a:fld id="{846CE7D5-CF57-46EF-B807-FDD0502418D4}" type="datetimeFigureOut">
               <a:rPr lang="en-US" smtClean="0"/>
-              <a:t>11/14/2023</a:t>
+              <a:t>11/15/2023</a:t>
             </a:fld>
             <a:endParaRPr lang="en-US"/>
           </a:p>
@@ -1182,7 +1182,7 @@
           <a:p>
             <a:fld id="{846CE7D5-CF57-46EF-B807-FDD0502418D4}" type="datetimeFigureOut">
               <a:rPr lang="en-US" smtClean="0"/>
-              <a:t>11/14/2023</a:t>
+              <a:t>11/15/2023</a:t>
             </a:fld>
             <a:endParaRPr lang="en-US"/>
           </a:p>
@@ -1427,7 +1427,7 @@
           <a:p>
             <a:fld id="{846CE7D5-CF57-46EF-B807-FDD0502418D4}" type="datetimeFigureOut">
               <a:rPr lang="en-US" smtClean="0"/>
-              <a:t>11/14/2023</a:t>
+              <a:t>11/15/2023</a:t>
             </a:fld>
             <a:endParaRPr lang="en-US"/>
           </a:p>
@@ -1656,7 +1656,7 @@
           <a:p>
             <a:fld id="{846CE7D5-CF57-46EF-B807-FDD0502418D4}" type="datetimeFigureOut">
               <a:rPr lang="en-US" smtClean="0"/>
-              <a:t>11/14/2023</a:t>
+              <a:t>11/15/2023</a:t>
             </a:fld>
             <a:endParaRPr lang="en-US"/>
           </a:p>
@@ -2020,7 +2020,7 @@
           <a:p>
             <a:fld id="{846CE7D5-CF57-46EF-B807-FDD0502418D4}" type="datetimeFigureOut">
               <a:rPr lang="en-US" smtClean="0"/>
-              <a:t>11/14/2023</a:t>
+              <a:t>11/15/2023</a:t>
             </a:fld>
             <a:endParaRPr lang="en-US"/>
           </a:p>
@@ -2137,7 +2137,7 @@
           <a:p>
             <a:fld id="{846CE7D5-CF57-46EF-B807-FDD0502418D4}" type="datetimeFigureOut">
               <a:rPr lang="en-US" smtClean="0"/>
-              <a:t>11/14/2023</a:t>
+              <a:t>11/15/2023</a:t>
             </a:fld>
             <a:endParaRPr lang="en-US"/>
           </a:p>
@@ -2232,7 +2232,7 @@
           <a:p>
             <a:fld id="{846CE7D5-CF57-46EF-B807-FDD0502418D4}" type="datetimeFigureOut">
               <a:rPr lang="en-US" smtClean="0"/>
-              <a:t>11/14/2023</a:t>
+              <a:t>11/15/2023</a:t>
             </a:fld>
             <a:endParaRPr lang="en-US"/>
           </a:p>
@@ -2507,7 +2507,7 @@
           <a:p>
             <a:fld id="{846CE7D5-CF57-46EF-B807-FDD0502418D4}" type="datetimeFigureOut">
               <a:rPr lang="en-US" smtClean="0"/>
-              <a:t>11/14/2023</a:t>
+              <a:t>11/15/2023</a:t>
             </a:fld>
             <a:endParaRPr lang="en-US"/>
           </a:p>
@@ -2762,7 +2762,7 @@
           <a:p>
             <a:fld id="{846CE7D5-CF57-46EF-B807-FDD0502418D4}" type="datetimeFigureOut">
               <a:rPr lang="en-US" smtClean="0"/>
-              <a:t>11/14/2023</a:t>
+              <a:t>11/15/2023</a:t>
             </a:fld>
             <a:endParaRPr lang="en-US"/>
           </a:p>
@@ -2976,7 +2976,7 @@
           <a:p>
             <a:fld id="{846CE7D5-CF57-46EF-B807-FDD0502418D4}" type="datetimeFigureOut">
               <a:rPr lang="en-US" smtClean="0"/>
-              <a:t>11/14/2023</a:t>
+              <a:t>11/15/2023</a:t>
             </a:fld>
             <a:endParaRPr lang="en-US"/>
           </a:p>
@@ -3526,11 +3526,11 @@
   <p:clrMapOvr>
     <a:masterClrMapping/>
   </p:clrMapOvr>
-  <mc:AlternateContent xmlns:mc="http://schemas.openxmlformats.org/markup-compatibility/2006">
-    <mc:Choice xmlns:p14="http://schemas.microsoft.com/office/powerpoint/2010/main" Requires="p14">
+  <mc:AlternateContent xmlns:mc="http://schemas.openxmlformats.org/markup-compatibility/2006" xmlns:p14="http://schemas.microsoft.com/office/powerpoint/2010/main">
+    <mc:Choice Requires="p14">
       <p:transition p14:dur="0"/>
     </mc:Choice>
-    <mc:Fallback>
+    <mc:Fallback xmlns="">
       <p:transition/>
     </mc:Fallback>
   </mc:AlternateContent>
@@ -3853,11 +3853,11 @@
   <p:clrMapOvr>
     <a:masterClrMapping/>
   </p:clrMapOvr>
-  <mc:AlternateContent xmlns:mc="http://schemas.openxmlformats.org/markup-compatibility/2006">
-    <mc:Choice xmlns:p14="http://schemas.microsoft.com/office/powerpoint/2010/main" Requires="p14">
+  <mc:AlternateContent xmlns:mc="http://schemas.openxmlformats.org/markup-compatibility/2006" xmlns:p14="http://schemas.microsoft.com/office/powerpoint/2010/main">
+    <mc:Choice Requires="p14">
       <p:transition p14:dur="0"/>
     </mc:Choice>
-    <mc:Fallback>
+    <mc:Fallback xmlns="">
       <p:transition/>
     </mc:Fallback>
   </mc:AlternateContent>
@@ -4053,11 +4053,11 @@
   <p:clrMapOvr>
     <a:masterClrMapping/>
   </p:clrMapOvr>
-  <mc:AlternateContent xmlns:mc="http://schemas.openxmlformats.org/markup-compatibility/2006">
-    <mc:Choice xmlns:p14="http://schemas.microsoft.com/office/powerpoint/2010/main" Requires="p14">
+  <mc:AlternateContent xmlns:mc="http://schemas.openxmlformats.org/markup-compatibility/2006" xmlns:p14="http://schemas.microsoft.com/office/powerpoint/2010/main">
+    <mc:Choice Requires="p14">
       <p:transition p14:dur="0"/>
     </mc:Choice>
-    <mc:Fallback>
+    <mc:Fallback xmlns="">
       <p:transition/>
     </mc:Fallback>
   </mc:AlternateContent>
@@ -4246,11 +4246,11 @@
   <p:clrMapOvr>
     <a:masterClrMapping/>
   </p:clrMapOvr>
-  <mc:AlternateContent xmlns:mc="http://schemas.openxmlformats.org/markup-compatibility/2006">
-    <mc:Choice xmlns:p14="http://schemas.microsoft.com/office/powerpoint/2010/main" Requires="p14">
+  <mc:AlternateContent xmlns:mc="http://schemas.openxmlformats.org/markup-compatibility/2006" xmlns:p14="http://schemas.microsoft.com/office/powerpoint/2010/main">
+    <mc:Choice Requires="p14">
       <p:transition p14:dur="0"/>
     </mc:Choice>
-    <mc:Fallback>
+    <mc:Fallback xmlns="">
       <p:transition/>
     </mc:Fallback>
   </mc:AlternateContent>
@@ -4423,11 +4423,11 @@
   <p:clrMapOvr>
     <a:masterClrMapping/>
   </p:clrMapOvr>
-  <mc:AlternateContent xmlns:mc="http://schemas.openxmlformats.org/markup-compatibility/2006">
-    <mc:Choice xmlns:p14="http://schemas.microsoft.com/office/powerpoint/2010/main" Requires="p14">
+  <mc:AlternateContent xmlns:mc="http://schemas.openxmlformats.org/markup-compatibility/2006" xmlns:p14="http://schemas.microsoft.com/office/powerpoint/2010/main">
+    <mc:Choice Requires="p14">
       <p:transition p14:dur="10"/>
     </mc:Choice>
-    <mc:Fallback>
+    <mc:Fallback xmlns="">
       <p:transition/>
     </mc:Fallback>
   </mc:AlternateContent>
@@ -4631,11 +4631,11 @@
   <p:clrMapOvr>
     <a:masterClrMapping/>
   </p:clrMapOvr>
-  <mc:AlternateContent xmlns:mc="http://schemas.openxmlformats.org/markup-compatibility/2006">
-    <mc:Choice xmlns:p14="http://schemas.microsoft.com/office/powerpoint/2010/main" Requires="p14">
+  <mc:AlternateContent xmlns:mc="http://schemas.openxmlformats.org/markup-compatibility/2006" xmlns:p14="http://schemas.microsoft.com/office/powerpoint/2010/main">
+    <mc:Choice Requires="p14">
       <p:transition p14:dur="0"/>
     </mc:Choice>
-    <mc:Fallback>
+    <mc:Fallback xmlns="">
       <p:transition/>
     </mc:Fallback>
   </mc:AlternateContent>
@@ -5419,11 +5419,11 @@
   <p:clrMapOvr>
     <a:masterClrMapping/>
   </p:clrMapOvr>
-  <mc:AlternateContent xmlns:mc="http://schemas.openxmlformats.org/markup-compatibility/2006">
-    <mc:Choice xmlns:p14="http://schemas.microsoft.com/office/powerpoint/2010/main" Requires="p14">
+  <mc:AlternateContent xmlns:mc="http://schemas.openxmlformats.org/markup-compatibility/2006" xmlns:p14="http://schemas.microsoft.com/office/powerpoint/2010/main">
+    <mc:Choice Requires="p14">
       <p:transition p14:dur="0"/>
     </mc:Choice>
-    <mc:Fallback>
+    <mc:Fallback xmlns="">
       <p:transition/>
     </mc:Fallback>
   </mc:AlternateContent>
@@ -5642,11 +5642,11 @@
   <p:clrMapOvr>
     <a:masterClrMapping/>
   </p:clrMapOvr>
-  <mc:AlternateContent xmlns:mc="http://schemas.openxmlformats.org/markup-compatibility/2006">
-    <mc:Choice xmlns:p14="http://schemas.microsoft.com/office/powerpoint/2010/main" Requires="p14">
+  <mc:AlternateContent xmlns:mc="http://schemas.openxmlformats.org/markup-compatibility/2006" xmlns:p14="http://schemas.microsoft.com/office/powerpoint/2010/main">
+    <mc:Choice Requires="p14">
       <p:transition p14:dur="0"/>
     </mc:Choice>
-    <mc:Fallback>
+    <mc:Fallback xmlns="">
       <p:transition/>
     </mc:Fallback>
   </mc:AlternateContent>
@@ -5768,7 +5768,7 @@
         </p:nvSpPr>
         <p:spPr>
           <a:xfrm>
-            <a:off x="3784441" y="957852"/>
+            <a:off x="376222" y="744096"/>
             <a:ext cx="7324330" cy="2062103"/>
           </a:xfrm>
           <a:prstGeom prst="rect">
@@ -5853,11 +5853,11 @@
   <p:clrMapOvr>
     <a:masterClrMapping/>
   </p:clrMapOvr>
-  <mc:AlternateContent xmlns:mc="http://schemas.openxmlformats.org/markup-compatibility/2006">
-    <mc:Choice xmlns:p14="http://schemas.microsoft.com/office/powerpoint/2010/main" Requires="p14">
+  <mc:AlternateContent xmlns:mc="http://schemas.openxmlformats.org/markup-compatibility/2006" xmlns:p14="http://schemas.microsoft.com/office/powerpoint/2010/main">
+    <mc:Choice Requires="p14">
       <p:transition p14:dur="0"/>
     </mc:Choice>
-    <mc:Fallback>
+    <mc:Fallback xmlns="">
       <p:transition/>
     </mc:Fallback>
   </mc:AlternateContent>
@@ -5936,11 +5936,11 @@
   <p:clrMapOvr>
     <a:masterClrMapping/>
   </p:clrMapOvr>
-  <mc:AlternateContent xmlns:mc="http://schemas.openxmlformats.org/markup-compatibility/2006">
-    <mc:Choice xmlns:p14="http://schemas.microsoft.com/office/powerpoint/2010/main" Requires="p14">
+  <mc:AlternateContent xmlns:mc="http://schemas.openxmlformats.org/markup-compatibility/2006" xmlns:p14="http://schemas.microsoft.com/office/powerpoint/2010/main">
+    <mc:Choice Requires="p14">
       <p:transition p14:dur="0"/>
     </mc:Choice>
-    <mc:Fallback>
+    <mc:Fallback xmlns="">
       <p:transition/>
     </mc:Fallback>
   </mc:AlternateContent>
@@ -6151,11 +6151,11 @@
   <p:clrMapOvr>
     <a:masterClrMapping/>
   </p:clrMapOvr>
-  <mc:AlternateContent xmlns:mc="http://schemas.openxmlformats.org/markup-compatibility/2006">
-    <mc:Choice xmlns:p14="http://schemas.microsoft.com/office/powerpoint/2010/main" Requires="p14">
+  <mc:AlternateContent xmlns:mc="http://schemas.openxmlformats.org/markup-compatibility/2006" xmlns:p14="http://schemas.microsoft.com/office/powerpoint/2010/main">
+    <mc:Choice Requires="p14">
       <p:transition p14:dur="0"/>
     </mc:Choice>
-    <mc:Fallback>
+    <mc:Fallback xmlns="">
       <p:transition/>
     </mc:Fallback>
   </mc:AlternateContent>
@@ -6381,11 +6381,11 @@
   <p:clrMapOvr>
     <a:masterClrMapping/>
   </p:clrMapOvr>
-  <mc:AlternateContent xmlns:mc="http://schemas.openxmlformats.org/markup-compatibility/2006">
-    <mc:Choice xmlns:p14="http://schemas.microsoft.com/office/powerpoint/2010/main" Requires="p14">
+  <mc:AlternateContent xmlns:mc="http://schemas.openxmlformats.org/markup-compatibility/2006" xmlns:p14="http://schemas.microsoft.com/office/powerpoint/2010/main">
+    <mc:Choice Requires="p14">
       <p:transition p14:dur="0"/>
     </mc:Choice>
-    <mc:Fallback>
+    <mc:Fallback xmlns="">
       <p:transition/>
     </mc:Fallback>
   </mc:AlternateContent>
@@ -6507,11 +6507,11 @@
   <p:clrMapOvr>
     <a:masterClrMapping/>
   </p:clrMapOvr>
-  <mc:AlternateContent xmlns:mc="http://schemas.openxmlformats.org/markup-compatibility/2006">
-    <mc:Choice xmlns:p14="http://schemas.microsoft.com/office/powerpoint/2010/main" Requires="p14">
+  <mc:AlternateContent xmlns:mc="http://schemas.openxmlformats.org/markup-compatibility/2006" xmlns:p14="http://schemas.microsoft.com/office/powerpoint/2010/main">
+    <mc:Choice Requires="p14">
       <p:transition p14:dur="0"/>
     </mc:Choice>
-    <mc:Fallback>
+    <mc:Fallback xmlns="">
       <p:transition/>
     </mc:Fallback>
   </mc:AlternateContent>
@@ -6666,11 +6666,11 @@
   <p:clrMapOvr>
     <a:masterClrMapping/>
   </p:clrMapOvr>
-  <mc:AlternateContent xmlns:mc="http://schemas.openxmlformats.org/markup-compatibility/2006">
-    <mc:Choice xmlns:p14="http://schemas.microsoft.com/office/powerpoint/2010/main" Requires="p14">
+  <mc:AlternateContent xmlns:mc="http://schemas.openxmlformats.org/markup-compatibility/2006" xmlns:p14="http://schemas.microsoft.com/office/powerpoint/2010/main">
+    <mc:Choice Requires="p14">
       <p:transition p14:dur="0"/>
     </mc:Choice>
-    <mc:Fallback>
+    <mc:Fallback xmlns="">
       <p:transition/>
     </mc:Fallback>
   </mc:AlternateContent>

--- a/CADCAM.pptx
+++ b/CADCAM.pptx
@@ -668,7 +668,7 @@
           <a:p>
             <a:fld id="{846CE7D5-CF57-46EF-B807-FDD0502418D4}" type="datetimeFigureOut">
               <a:rPr lang="en-US" smtClean="0"/>
-              <a:t>11/15/2023</a:t>
+              <a:t>11/20/2023</a:t>
             </a:fld>
             <a:endParaRPr lang="en-US"/>
           </a:p>
@@ -836,7 +836,7 @@
           <a:p>
             <a:fld id="{846CE7D5-CF57-46EF-B807-FDD0502418D4}" type="datetimeFigureOut">
               <a:rPr lang="en-US" smtClean="0"/>
-              <a:t>11/15/2023</a:t>
+              <a:t>11/20/2023</a:t>
             </a:fld>
             <a:endParaRPr lang="en-US"/>
           </a:p>
@@ -1014,7 +1014,7 @@
           <a:p>
             <a:fld id="{846CE7D5-CF57-46EF-B807-FDD0502418D4}" type="datetimeFigureOut">
               <a:rPr lang="en-US" smtClean="0"/>
-              <a:t>11/15/2023</a:t>
+              <a:t>11/20/2023</a:t>
             </a:fld>
             <a:endParaRPr lang="en-US"/>
           </a:p>
@@ -1182,7 +1182,7 @@
           <a:p>
             <a:fld id="{846CE7D5-CF57-46EF-B807-FDD0502418D4}" type="datetimeFigureOut">
               <a:rPr lang="en-US" smtClean="0"/>
-              <a:t>11/15/2023</a:t>
+              <a:t>11/20/2023</a:t>
             </a:fld>
             <a:endParaRPr lang="en-US"/>
           </a:p>
@@ -1427,7 +1427,7 @@
           <a:p>
             <a:fld id="{846CE7D5-CF57-46EF-B807-FDD0502418D4}" type="datetimeFigureOut">
               <a:rPr lang="en-US" smtClean="0"/>
-              <a:t>11/15/2023</a:t>
+              <a:t>11/20/2023</a:t>
             </a:fld>
             <a:endParaRPr lang="en-US"/>
           </a:p>
@@ -1656,7 +1656,7 @@
           <a:p>
             <a:fld id="{846CE7D5-CF57-46EF-B807-FDD0502418D4}" type="datetimeFigureOut">
               <a:rPr lang="en-US" smtClean="0"/>
-              <a:t>11/15/2023</a:t>
+              <a:t>11/20/2023</a:t>
             </a:fld>
             <a:endParaRPr lang="en-US"/>
           </a:p>
@@ -2020,7 +2020,7 @@
           <a:p>
             <a:fld id="{846CE7D5-CF57-46EF-B807-FDD0502418D4}" type="datetimeFigureOut">
               <a:rPr lang="en-US" smtClean="0"/>
-              <a:t>11/15/2023</a:t>
+              <a:t>11/20/2023</a:t>
             </a:fld>
             <a:endParaRPr lang="en-US"/>
           </a:p>
@@ -2137,7 +2137,7 @@
           <a:p>
             <a:fld id="{846CE7D5-CF57-46EF-B807-FDD0502418D4}" type="datetimeFigureOut">
               <a:rPr lang="en-US" smtClean="0"/>
-              <a:t>11/15/2023</a:t>
+              <a:t>11/20/2023</a:t>
             </a:fld>
             <a:endParaRPr lang="en-US"/>
           </a:p>
@@ -2232,7 +2232,7 @@
           <a:p>
             <a:fld id="{846CE7D5-CF57-46EF-B807-FDD0502418D4}" type="datetimeFigureOut">
               <a:rPr lang="en-US" smtClean="0"/>
-              <a:t>11/15/2023</a:t>
+              <a:t>11/20/2023</a:t>
             </a:fld>
             <a:endParaRPr lang="en-US"/>
           </a:p>
@@ -2507,7 +2507,7 @@
           <a:p>
             <a:fld id="{846CE7D5-CF57-46EF-B807-FDD0502418D4}" type="datetimeFigureOut">
               <a:rPr lang="en-US" smtClean="0"/>
-              <a:t>11/15/2023</a:t>
+              <a:t>11/20/2023</a:t>
             </a:fld>
             <a:endParaRPr lang="en-US"/>
           </a:p>
@@ -2762,7 +2762,7 @@
           <a:p>
             <a:fld id="{846CE7D5-CF57-46EF-B807-FDD0502418D4}" type="datetimeFigureOut">
               <a:rPr lang="en-US" smtClean="0"/>
-              <a:t>11/15/2023</a:t>
+              <a:t>11/20/2023</a:t>
             </a:fld>
             <a:endParaRPr lang="en-US"/>
           </a:p>
@@ -2976,7 +2976,7 @@
           <a:p>
             <a:fld id="{846CE7D5-CF57-46EF-B807-FDD0502418D4}" type="datetimeFigureOut">
               <a:rPr lang="en-US" smtClean="0"/>
-              <a:t>11/15/2023</a:t>
+              <a:t>11/20/2023</a:t>
             </a:fld>
             <a:endParaRPr lang="en-US"/>
           </a:p>
@@ -5325,10 +5325,16 @@
           <a:p>
             <a:r>
               <a:rPr lang="hu-HU" sz="4800" dirty="0">
+                <a:ea typeface="Cambria" panose="02040503050406030204" pitchFamily="18" charset="0"/>
+              </a:rPr>
+              <a:t>Feladata</a:t>
+            </a:r>
+            <a:r>
+              <a:rPr lang="hu-HU" sz="4800" dirty="0">
                 <a:latin typeface="Cambria" panose="02040503050406030204" pitchFamily="18" charset="0"/>
                 <a:ea typeface="Cambria" panose="02040503050406030204" pitchFamily="18" charset="0"/>
               </a:rPr>
-              <a:t>Feladata:</a:t>
+              <a:t>:</a:t>
             </a:r>
           </a:p>
         </p:txBody>
@@ -5370,7 +5376,6 @@
             </a:pPr>
             <a:r>
               <a:rPr lang="hu-HU" sz="3200" dirty="0" smtClean="0">
-                <a:latin typeface="Cambria" panose="02040503050406030204" pitchFamily="18" charset="0"/>
                 <a:ea typeface="Cambria" panose="02040503050406030204" pitchFamily="18" charset="0"/>
               </a:rPr>
               <a:t>Támogatása</a:t>
@@ -5383,7 +5388,6 @@
             </a:pPr>
             <a:r>
               <a:rPr lang="hu-HU" sz="3200" dirty="0" smtClean="0">
-                <a:latin typeface="Cambria" panose="02040503050406030204" pitchFamily="18" charset="0"/>
                 <a:ea typeface="Cambria" panose="02040503050406030204" pitchFamily="18" charset="0"/>
               </a:rPr>
               <a:t>Megoldhatóság</a:t>
@@ -5396,13 +5400,11 @@
             </a:pPr>
             <a:r>
               <a:rPr lang="hu-HU" sz="3200" dirty="0">
-                <a:latin typeface="Cambria" panose="02040503050406030204" pitchFamily="18" charset="0"/>
                 <a:ea typeface="Cambria" panose="02040503050406030204" pitchFamily="18" charset="0"/>
               </a:rPr>
               <a:t>Létrehozás</a:t>
             </a:r>
             <a:endParaRPr lang="hu-HU" sz="3200" dirty="0">
-              <a:latin typeface="Cambria" panose="02040503050406030204" pitchFamily="18" charset="0"/>
               <a:ea typeface="Cambria" panose="02040503050406030204" pitchFamily="18" charset="0"/>
               <a:cs typeface="Calibri" panose="020F0502020204030204"/>
             </a:endParaRPr>
@@ -6666,153 +6668,20 @@
   <p:clrMapOvr>
     <a:masterClrMapping/>
   </p:clrMapOvr>
-  <mc:AlternateContent xmlns:mc="http://schemas.openxmlformats.org/markup-compatibility/2006" xmlns:p14="http://schemas.microsoft.com/office/powerpoint/2010/main">
-    <mc:Choice Requires="p14">
-      <p:transition p14:dur="0"/>
+  <mc:AlternateContent xmlns:mc="http://schemas.openxmlformats.org/markup-compatibility/2006">
+    <mc:Choice xmlns:p14="http://schemas.microsoft.com/office/powerpoint/2010/main" Requires="p14">
+      <p:transition p14:dur="10"/>
     </mc:Choice>
-    <mc:Fallback xmlns="">
+    <mc:Fallback>
       <p:transition/>
     </mc:Fallback>
   </mc:AlternateContent>
   <p:timing>
     <p:tnLst>
       <p:par>
-        <p:cTn id="1" dur="indefinite" restart="never" nodeType="tmRoot">
-          <p:childTnLst>
-            <p:seq concurrent="1" nextAc="seek">
-              <p:cTn id="2" dur="indefinite" nodeType="mainSeq">
-                <p:childTnLst>
-                  <p:par>
-                    <p:cTn id="3" fill="hold">
-                      <p:stCondLst>
-                        <p:cond delay="indefinite"/>
-                      </p:stCondLst>
-                      <p:childTnLst>
-                        <p:par>
-                          <p:cTn id="4" fill="hold">
-                            <p:stCondLst>
-                              <p:cond delay="0"/>
-                            </p:stCondLst>
-                            <p:childTnLst>
-                              <p:par>
-                                <p:cTn id="5" presetID="22" presetClass="entr" presetSubtype="1" fill="hold" grpId="0" nodeType="clickEffect">
-                                  <p:stCondLst>
-                                    <p:cond delay="0"/>
-                                  </p:stCondLst>
-                                  <p:childTnLst>
-                                    <p:set>
-                                      <p:cBhvr>
-                                        <p:cTn id="6" dur="1" fill="hold">
-                                          <p:stCondLst>
-                                            <p:cond delay="0"/>
-                                          </p:stCondLst>
-                                        </p:cTn>
-                                        <p:tgtEl>
-                                          <p:spTgt spid="5"/>
-                                        </p:tgtEl>
-                                        <p:attrNameLst>
-                                          <p:attrName>style.visibility</p:attrName>
-                                        </p:attrNameLst>
-                                      </p:cBhvr>
-                                      <p:to>
-                                        <p:strVal val="visible"/>
-                                      </p:to>
-                                    </p:set>
-                                    <p:animEffect transition="in" filter="wipe(up)">
-                                      <p:cBhvr>
-                                        <p:cTn id="7" dur="500"/>
-                                        <p:tgtEl>
-                                          <p:spTgt spid="5"/>
-                                        </p:tgtEl>
-                                      </p:cBhvr>
-                                    </p:animEffect>
-                                  </p:childTnLst>
-                                </p:cTn>
-                              </p:par>
-                            </p:childTnLst>
-                          </p:cTn>
-                        </p:par>
-                      </p:childTnLst>
-                    </p:cTn>
-                  </p:par>
-                  <p:par>
-                    <p:cTn id="8" fill="hold">
-                      <p:stCondLst>
-                        <p:cond delay="indefinite"/>
-                      </p:stCondLst>
-                      <p:childTnLst>
-                        <p:par>
-                          <p:cTn id="9" fill="hold">
-                            <p:stCondLst>
-                              <p:cond delay="0"/>
-                            </p:stCondLst>
-                            <p:childTnLst>
-                              <p:par>
-                                <p:cTn id="10" presetID="10" presetClass="exit" presetSubtype="0" fill="hold" grpId="1" nodeType="clickEffect">
-                                  <p:stCondLst>
-                                    <p:cond delay="500"/>
-                                  </p:stCondLst>
-                                  <p:childTnLst>
-                                    <p:animEffect transition="out" filter="fade">
-                                      <p:cBhvr>
-                                        <p:cTn id="11" dur="500"/>
-                                        <p:tgtEl>
-                                          <p:spTgt spid="5"/>
-                                        </p:tgtEl>
-                                      </p:cBhvr>
-                                    </p:animEffect>
-                                    <p:set>
-                                      <p:cBhvr>
-                                        <p:cTn id="12" dur="1" fill="hold">
-                                          <p:stCondLst>
-                                            <p:cond delay="499"/>
-                                          </p:stCondLst>
-                                        </p:cTn>
-                                        <p:tgtEl>
-                                          <p:spTgt spid="5"/>
-                                        </p:tgtEl>
-                                        <p:attrNameLst>
-                                          <p:attrName>style.visibility</p:attrName>
-                                        </p:attrNameLst>
-                                      </p:cBhvr>
-                                      <p:to>
-                                        <p:strVal val="hidden"/>
-                                      </p:to>
-                                    </p:set>
-                                  </p:childTnLst>
-                                </p:cTn>
-                              </p:par>
-                            </p:childTnLst>
-                          </p:cTn>
-                        </p:par>
-                      </p:childTnLst>
-                    </p:cTn>
-                  </p:par>
-                </p:childTnLst>
-              </p:cTn>
-              <p:prevCondLst>
-                <p:cond evt="onPrev" delay="0">
-                  <p:tgtEl>
-                    <p:sldTgt/>
-                  </p:tgtEl>
-                </p:cond>
-              </p:prevCondLst>
-              <p:nextCondLst>
-                <p:cond evt="onNext" delay="0">
-                  <p:tgtEl>
-                    <p:sldTgt/>
-                  </p:tgtEl>
-                </p:cond>
-              </p:nextCondLst>
-            </p:seq>
-          </p:childTnLst>
-        </p:cTn>
+        <p:cTn id="1" dur="indefinite" restart="never" nodeType="tmRoot"/>
       </p:par>
     </p:tnLst>
-    <p:bldLst>
-      <p:bldP spid="5" grpId="0"/>
-      <p:bldP spid="5" grpId="1"/>
-    </p:bldLst>
   </p:timing>
 </p:sld>
 </file>
